--- a/Vilhuber-Presentation-2021-01-19.pptx
+++ b/Vilhuber-Presentation-2021-01-19.pptx
@@ -5,68 +5,77 @@
     <p:sldMasterId id="2147483648" r:id="rId1"/>
   </p:sldMasterIdLst>
   <p:notesMasterIdLst>
-    <p:notesMasterId r:id="rId61"/>
+    <p:notesMasterId r:id="rId70"/>
   </p:notesMasterIdLst>
   <p:sldIdLst>
     <p:sldId id="926" r:id="rId2"/>
-    <p:sldId id="1003" r:id="rId3"/>
-    <p:sldId id="1004" r:id="rId4"/>
-    <p:sldId id="1009" r:id="rId5"/>
-    <p:sldId id="1074" r:id="rId6"/>
-    <p:sldId id="1036" r:id="rId7"/>
-    <p:sldId id="985" r:id="rId8"/>
-    <p:sldId id="986" r:id="rId9"/>
-    <p:sldId id="987" r:id="rId10"/>
-    <p:sldId id="1070" r:id="rId11"/>
-    <p:sldId id="1038" r:id="rId12"/>
-    <p:sldId id="1071" r:id="rId13"/>
-    <p:sldId id="1072" r:id="rId14"/>
-    <p:sldId id="1073" r:id="rId15"/>
-    <p:sldId id="1075" r:id="rId16"/>
-    <p:sldId id="1076" r:id="rId17"/>
-    <p:sldId id="1077" r:id="rId18"/>
-    <p:sldId id="1058" r:id="rId19"/>
-    <p:sldId id="969" r:id="rId20"/>
-    <p:sldId id="817" r:id="rId21"/>
-    <p:sldId id="1042" r:id="rId22"/>
-    <p:sldId id="1043" r:id="rId23"/>
-    <p:sldId id="970" r:id="rId24"/>
-    <p:sldId id="945" r:id="rId25"/>
-    <p:sldId id="1078" r:id="rId26"/>
-    <p:sldId id="1079" r:id="rId27"/>
-    <p:sldId id="1080" r:id="rId28"/>
-    <p:sldId id="1081" r:id="rId29"/>
-    <p:sldId id="1028" r:id="rId30"/>
-    <p:sldId id="1029" r:id="rId31"/>
-    <p:sldId id="1030" r:id="rId32"/>
-    <p:sldId id="1032" r:id="rId33"/>
-    <p:sldId id="956" r:id="rId34"/>
-    <p:sldId id="913" r:id="rId35"/>
-    <p:sldId id="1082" r:id="rId36"/>
-    <p:sldId id="1022" r:id="rId37"/>
-    <p:sldId id="1023" r:id="rId38"/>
-    <p:sldId id="1024" r:id="rId39"/>
-    <p:sldId id="1025" r:id="rId40"/>
-    <p:sldId id="1026" r:id="rId41"/>
-    <p:sldId id="845" r:id="rId42"/>
-    <p:sldId id="909" r:id="rId43"/>
-    <p:sldId id="999" r:id="rId44"/>
-    <p:sldId id="1000" r:id="rId45"/>
-    <p:sldId id="1001" r:id="rId46"/>
-    <p:sldId id="958" r:id="rId47"/>
-    <p:sldId id="960" r:id="rId48"/>
-    <p:sldId id="961" r:id="rId49"/>
-    <p:sldId id="1091" r:id="rId50"/>
-    <p:sldId id="1095" r:id="rId51"/>
-    <p:sldId id="1092" r:id="rId52"/>
-    <p:sldId id="1093" r:id="rId53"/>
-    <p:sldId id="1094" r:id="rId54"/>
-    <p:sldId id="1088" r:id="rId55"/>
-    <p:sldId id="1089" r:id="rId56"/>
-    <p:sldId id="1090" r:id="rId57"/>
-    <p:sldId id="1086" r:id="rId58"/>
-    <p:sldId id="1084" r:id="rId59"/>
-    <p:sldId id="1087" r:id="rId60"/>
+    <p:sldId id="1074" r:id="rId3"/>
+    <p:sldId id="1003" r:id="rId4"/>
+    <p:sldId id="1004" r:id="rId5"/>
+    <p:sldId id="1009" r:id="rId6"/>
+    <p:sldId id="1099" r:id="rId7"/>
+    <p:sldId id="1096" r:id="rId8"/>
+    <p:sldId id="1097" r:id="rId9"/>
+    <p:sldId id="1036" r:id="rId10"/>
+    <p:sldId id="985" r:id="rId11"/>
+    <p:sldId id="986" r:id="rId12"/>
+    <p:sldId id="987" r:id="rId13"/>
+    <p:sldId id="1070" r:id="rId14"/>
+    <p:sldId id="1101" r:id="rId15"/>
+    <p:sldId id="1103" r:id="rId16"/>
+    <p:sldId id="1104" r:id="rId17"/>
+    <p:sldId id="1102" r:id="rId18"/>
+    <p:sldId id="1100" r:id="rId19"/>
+    <p:sldId id="1038" r:id="rId20"/>
+    <p:sldId id="1071" r:id="rId21"/>
+    <p:sldId id="1072" r:id="rId22"/>
+    <p:sldId id="1073" r:id="rId23"/>
+    <p:sldId id="1098" r:id="rId24"/>
+    <p:sldId id="1075" r:id="rId25"/>
+    <p:sldId id="1076" r:id="rId26"/>
+    <p:sldId id="1077" r:id="rId27"/>
+    <p:sldId id="1058" r:id="rId28"/>
+    <p:sldId id="969" r:id="rId29"/>
+    <p:sldId id="817" r:id="rId30"/>
+    <p:sldId id="1042" r:id="rId31"/>
+    <p:sldId id="1043" r:id="rId32"/>
+    <p:sldId id="970" r:id="rId33"/>
+    <p:sldId id="945" r:id="rId34"/>
+    <p:sldId id="1078" r:id="rId35"/>
+    <p:sldId id="1079" r:id="rId36"/>
+    <p:sldId id="1080" r:id="rId37"/>
+    <p:sldId id="1081" r:id="rId38"/>
+    <p:sldId id="1028" r:id="rId39"/>
+    <p:sldId id="1029" r:id="rId40"/>
+    <p:sldId id="1030" r:id="rId41"/>
+    <p:sldId id="1032" r:id="rId42"/>
+    <p:sldId id="956" r:id="rId43"/>
+    <p:sldId id="913" r:id="rId44"/>
+    <p:sldId id="1082" r:id="rId45"/>
+    <p:sldId id="1022" r:id="rId46"/>
+    <p:sldId id="1023" r:id="rId47"/>
+    <p:sldId id="1024" r:id="rId48"/>
+    <p:sldId id="1025" r:id="rId49"/>
+    <p:sldId id="1026" r:id="rId50"/>
+    <p:sldId id="845" r:id="rId51"/>
+    <p:sldId id="909" r:id="rId52"/>
+    <p:sldId id="999" r:id="rId53"/>
+    <p:sldId id="1000" r:id="rId54"/>
+    <p:sldId id="1001" r:id="rId55"/>
+    <p:sldId id="958" r:id="rId56"/>
+    <p:sldId id="960" r:id="rId57"/>
+    <p:sldId id="961" r:id="rId58"/>
+    <p:sldId id="1091" r:id="rId59"/>
+    <p:sldId id="1095" r:id="rId60"/>
+    <p:sldId id="1092" r:id="rId61"/>
+    <p:sldId id="1093" r:id="rId62"/>
+    <p:sldId id="1094" r:id="rId63"/>
+    <p:sldId id="1088" r:id="rId64"/>
+    <p:sldId id="1089" r:id="rId65"/>
+    <p:sldId id="1090" r:id="rId66"/>
+    <p:sldId id="1086" r:id="rId67"/>
+    <p:sldId id="1084" r:id="rId68"/>
+    <p:sldId id="1087" r:id="rId69"/>
   </p:sldIdLst>
   <p:sldSz cx="12192000" cy="6858000"/>
   <p:notesSz cx="6858000" cy="9144000"/>
@@ -255,7 +264,7 @@
           <a:p>
             <a:fld id="{49A8C565-F3BF-4A84-AE07-9A89EABD0C05}" type="datetimeFigureOut">
               <a:rPr lang="en-US" smtClean="0"/>
-              <a:t>2021-01-14</a:t>
+              <a:t>2021-01-18</a:t>
             </a:fld>
             <a:endParaRPr lang="en-US"/>
           </a:p>
@@ -726,7 +735,7 @@
           <a:p>
             <a:fld id="{59C334D6-74E3-493C-842C-2A0D832D0681}" type="slidenum">
               <a:rPr lang="en-US" smtClean="0"/>
-              <a:t>4</a:t>
+              <a:t>5</a:t>
             </a:fld>
             <a:endParaRPr lang="en-US"/>
           </a:p>
@@ -813,7 +822,7 @@
           <a:p>
             <a:fld id="{59C334D6-74E3-493C-842C-2A0D832D0681}" type="slidenum">
               <a:rPr lang="en-US" smtClean="0"/>
-              <a:t>11</a:t>
+              <a:t>19</a:t>
             </a:fld>
             <a:endParaRPr lang="en-US"/>
           </a:p>
@@ -961,7 +970,7 @@
           <a:p>
             <a:fld id="{D098DA53-2AE6-479B-901D-5117A0B269E4}" type="datetimeFigureOut">
               <a:rPr lang="en-US" smtClean="0"/>
-              <a:t>2021-01-14</a:t>
+              <a:t>2021-01-18</a:t>
             </a:fld>
             <a:endParaRPr lang="en-US"/>
           </a:p>
@@ -1310,7 +1319,7 @@
           <a:p>
             <a:fld id="{D098DA53-2AE6-479B-901D-5117A0B269E4}" type="datetimeFigureOut">
               <a:rPr lang="en-US" smtClean="0"/>
-              <a:t>2021-01-14</a:t>
+              <a:t>2021-01-18</a:t>
             </a:fld>
             <a:endParaRPr lang="en-US"/>
           </a:p>
@@ -1562,7 +1571,7 @@
           <a:p>
             <a:fld id="{D098DA53-2AE6-479B-901D-5117A0B269E4}" type="datetimeFigureOut">
               <a:rPr lang="en-US" smtClean="0"/>
-              <a:t>2021-01-14</a:t>
+              <a:t>2021-01-18</a:t>
             </a:fld>
             <a:endParaRPr lang="en-US"/>
           </a:p>
@@ -1730,7 +1739,7 @@
           <a:p>
             <a:fld id="{D098DA53-2AE6-479B-901D-5117A0B269E4}" type="datetimeFigureOut">
               <a:rPr lang="en-US" smtClean="0"/>
-              <a:t>2021-01-14</a:t>
+              <a:t>2021-01-18</a:t>
             </a:fld>
             <a:endParaRPr lang="en-US"/>
           </a:p>
@@ -1908,7 +1917,7 @@
           <a:p>
             <a:fld id="{D098DA53-2AE6-479B-901D-5117A0B269E4}" type="datetimeFigureOut">
               <a:rPr lang="en-US" smtClean="0"/>
-              <a:t>2021-01-14</a:t>
+              <a:t>2021-01-18</a:t>
             </a:fld>
             <a:endParaRPr lang="en-US"/>
           </a:p>
@@ -2111,7 +2120,7 @@
           <a:p>
             <a:fld id="{D098DA53-2AE6-479B-901D-5117A0B269E4}" type="datetimeFigureOut">
               <a:rPr lang="en-US" smtClean="0"/>
-              <a:t>2021-01-14</a:t>
+              <a:t>2021-01-18</a:t>
             </a:fld>
             <a:endParaRPr lang="en-US"/>
           </a:p>
@@ -2307,7 +2316,7 @@
           <a:p>
             <a:fld id="{D098DA53-2AE6-479B-901D-5117A0B269E4}" type="datetimeFigureOut">
               <a:rPr lang="en-US" smtClean="0"/>
-              <a:t>2021-01-14</a:t>
+              <a:t>2021-01-18</a:t>
             </a:fld>
             <a:endParaRPr lang="en-US"/>
           </a:p>
@@ -2569,7 +2578,7 @@
           <a:p>
             <a:fld id="{D098DA53-2AE6-479B-901D-5117A0B269E4}" type="datetimeFigureOut">
               <a:rPr lang="en-US" smtClean="0"/>
-              <a:t>2021-01-14</a:t>
+              <a:t>2021-01-18</a:t>
             </a:fld>
             <a:endParaRPr lang="en-US"/>
           </a:p>
@@ -2888,7 +2897,7 @@
           <a:p>
             <a:fld id="{D098DA53-2AE6-479B-901D-5117A0B269E4}" type="datetimeFigureOut">
               <a:rPr lang="en-US" smtClean="0"/>
-              <a:t>2021-01-14</a:t>
+              <a:t>2021-01-18</a:t>
             </a:fld>
             <a:endParaRPr lang="en-US"/>
           </a:p>
@@ -3196,7 +3205,7 @@
           <a:p>
             <a:fld id="{D098DA53-2AE6-479B-901D-5117A0B269E4}" type="datetimeFigureOut">
               <a:rPr lang="en-US" smtClean="0"/>
-              <a:t>2021-01-14</a:t>
+              <a:t>2021-01-18</a:t>
             </a:fld>
             <a:endParaRPr lang="en-US"/>
           </a:p>
@@ -3634,7 +3643,7 @@
           <a:p>
             <a:fld id="{D098DA53-2AE6-479B-901D-5117A0B269E4}" type="datetimeFigureOut">
               <a:rPr lang="en-US" smtClean="0"/>
-              <a:t>2021-01-14</a:t>
+              <a:t>2021-01-18</a:t>
             </a:fld>
             <a:endParaRPr lang="en-US"/>
           </a:p>
@@ -3825,7 +3834,7 @@
           <a:p>
             <a:fld id="{D098DA53-2AE6-479B-901D-5117A0B269E4}" type="datetimeFigureOut">
               <a:rPr lang="en-US" smtClean="0"/>
-              <a:t>2021-01-14</a:t>
+              <a:t>2021-01-18</a:t>
             </a:fld>
             <a:endParaRPr lang="en-US"/>
           </a:p>
@@ -3920,7 +3929,7 @@
           <a:p>
             <a:fld id="{D098DA53-2AE6-479B-901D-5117A0B269E4}" type="datetimeFigureOut">
               <a:rPr lang="en-US" smtClean="0"/>
-              <a:t>2021-01-14</a:t>
+              <a:t>2021-01-18</a:t>
             </a:fld>
             <a:endParaRPr lang="en-US"/>
           </a:p>
@@ -4131,7 +4140,7 @@
           <a:p>
             <a:fld id="{D098DA53-2AE6-479B-901D-5117A0B269E4}" type="datetimeFigureOut">
               <a:rPr lang="en-US" smtClean="0"/>
-              <a:t>2021-01-14</a:t>
+              <a:t>2021-01-18</a:t>
             </a:fld>
             <a:endParaRPr lang="en-US"/>
           </a:p>
@@ -4804,6 +4813,957 @@
       </p:grpSpPr>
       <p:sp>
         <p:nvSpPr>
+          <p:cNvPr id="32" name="Flowchart: Document 31"/>
+          <p:cNvSpPr/>
+          <p:nvPr/>
+        </p:nvSpPr>
+        <p:spPr>
+          <a:xfrm>
+            <a:off x="9143997" y="4341348"/>
+            <a:ext cx="1966451" cy="1552125"/>
+          </a:xfrm>
+          <a:prstGeom prst="flowChartDocument">
+            <a:avLst/>
+          </a:prstGeom>
+          <a:solidFill>
+            <a:schemeClr val="bg1"/>
+          </a:solidFill>
+        </p:spPr>
+        <p:style>
+          <a:lnRef idx="2">
+            <a:schemeClr val="accent1">
+              <a:shade val="50000"/>
+            </a:schemeClr>
+          </a:lnRef>
+          <a:fillRef idx="1">
+            <a:schemeClr val="accent1"/>
+          </a:fillRef>
+          <a:effectRef idx="0">
+            <a:schemeClr val="accent1"/>
+          </a:effectRef>
+          <a:fontRef idx="minor">
+            <a:schemeClr val="lt1"/>
+          </a:fontRef>
+        </p:style>
+        <p:txBody>
+          <a:bodyPr rtlCol="0" anchor="ctr"/>
+          <a:lstStyle/>
+          <a:p>
+            <a:pPr algn="ctr"/>
+            <a:endParaRPr lang="en-US" dirty="0" smtClean="0">
+              <a:solidFill>
+                <a:schemeClr val="tx1"/>
+              </a:solidFill>
+            </a:endParaRPr>
+          </a:p>
+          <a:p>
+            <a:pPr algn="ctr"/>
+            <a:r>
+              <a:rPr lang="en-US" dirty="0" smtClean="0">
+                <a:solidFill>
+                  <a:schemeClr val="tx1"/>
+                </a:solidFill>
+              </a:rPr>
+              <a:t>Summary indicator of reproducibility</a:t>
+            </a:r>
+            <a:endParaRPr lang="en-US" dirty="0">
+              <a:solidFill>
+                <a:schemeClr val="tx1"/>
+              </a:solidFill>
+            </a:endParaRPr>
+          </a:p>
+        </p:txBody>
+      </p:sp>
+      <p:sp>
+        <p:nvSpPr>
+          <p:cNvPr id="24" name="Flowchart: Internal Storage 23"/>
+          <p:cNvSpPr/>
+          <p:nvPr/>
+        </p:nvSpPr>
+        <p:spPr>
+          <a:xfrm>
+            <a:off x="786580" y="757085"/>
+            <a:ext cx="1641987" cy="924232"/>
+          </a:xfrm>
+          <a:prstGeom prst="flowChartInternalStorage">
+            <a:avLst/>
+          </a:prstGeom>
+        </p:spPr>
+        <p:style>
+          <a:lnRef idx="2">
+            <a:schemeClr val="accent1">
+              <a:shade val="50000"/>
+            </a:schemeClr>
+          </a:lnRef>
+          <a:fillRef idx="1">
+            <a:schemeClr val="accent1"/>
+          </a:fillRef>
+          <a:effectRef idx="0">
+            <a:schemeClr val="accent1"/>
+          </a:effectRef>
+          <a:fontRef idx="minor">
+            <a:schemeClr val="lt1"/>
+          </a:fontRef>
+        </p:style>
+        <p:txBody>
+          <a:bodyPr rtlCol="0" anchor="ctr"/>
+          <a:lstStyle/>
+          <a:p>
+            <a:pPr algn="ctr"/>
+            <a:r>
+              <a:rPr lang="en-US" dirty="0" smtClean="0"/>
+              <a:t>Request  for evaluation</a:t>
+            </a:r>
+            <a:endParaRPr lang="en-US" dirty="0"/>
+          </a:p>
+        </p:txBody>
+      </p:sp>
+      <p:sp>
+        <p:nvSpPr>
+          <p:cNvPr id="36" name="Flowchart: Document 35"/>
+          <p:cNvSpPr/>
+          <p:nvPr/>
+        </p:nvSpPr>
+        <p:spPr>
+          <a:xfrm>
+            <a:off x="9144000" y="3116184"/>
+            <a:ext cx="1966451" cy="1547576"/>
+          </a:xfrm>
+          <a:prstGeom prst="flowChartDocument">
+            <a:avLst/>
+          </a:prstGeom>
+          <a:solidFill>
+            <a:schemeClr val="accent4"/>
+          </a:solidFill>
+        </p:spPr>
+        <p:style>
+          <a:lnRef idx="2">
+            <a:schemeClr val="accent1">
+              <a:shade val="50000"/>
+            </a:schemeClr>
+          </a:lnRef>
+          <a:fillRef idx="1">
+            <a:schemeClr val="accent1"/>
+          </a:fillRef>
+          <a:effectRef idx="0">
+            <a:schemeClr val="accent1"/>
+          </a:effectRef>
+          <a:fontRef idx="minor">
+            <a:schemeClr val="lt1"/>
+          </a:fontRef>
+        </p:style>
+        <p:txBody>
+          <a:bodyPr rtlCol="0" anchor="ctr"/>
+          <a:lstStyle/>
+          <a:p>
+            <a:pPr algn="ctr"/>
+            <a:endParaRPr lang="en-US" dirty="0" smtClean="0"/>
+          </a:p>
+          <a:p>
+            <a:pPr algn="ctr"/>
+            <a:endParaRPr lang="en-US" dirty="0"/>
+          </a:p>
+          <a:p>
+            <a:pPr algn="ctr"/>
+            <a:r>
+              <a:rPr lang="en-US" dirty="0" smtClean="0"/>
+              <a:t>Report on</a:t>
+            </a:r>
+          </a:p>
+          <a:p>
+            <a:pPr algn="ctr"/>
+            <a:r>
+              <a:rPr lang="en-US" dirty="0" smtClean="0"/>
+              <a:t>potential reproducibility</a:t>
+            </a:r>
+            <a:endParaRPr lang="en-US" dirty="0"/>
+          </a:p>
+        </p:txBody>
+      </p:sp>
+      <p:cxnSp>
+        <p:nvCxnSpPr>
+          <p:cNvPr id="39" name="Straight Arrow Connector 38"/>
+          <p:cNvCxnSpPr>
+            <a:stCxn id="24" idx="3"/>
+          </p:cNvCxnSpPr>
+          <p:nvPr/>
+        </p:nvCxnSpPr>
+        <p:spPr>
+          <a:xfrm flipV="1">
+            <a:off x="2428567" y="1209040"/>
+            <a:ext cx="793486" cy="10161"/>
+          </a:xfrm>
+          <a:prstGeom prst="straightConnector1">
+            <a:avLst/>
+          </a:prstGeom>
+          <a:ln w="63500">
+            <a:solidFill>
+              <a:schemeClr val="tx1"/>
+            </a:solidFill>
+            <a:tailEnd type="triangle"/>
+          </a:ln>
+        </p:spPr>
+        <p:style>
+          <a:lnRef idx="1">
+            <a:schemeClr val="accent1"/>
+          </a:lnRef>
+          <a:fillRef idx="0">
+            <a:schemeClr val="accent1"/>
+          </a:fillRef>
+          <a:effectRef idx="0">
+            <a:schemeClr val="accent1"/>
+          </a:effectRef>
+          <a:fontRef idx="minor">
+            <a:schemeClr val="tx1"/>
+          </a:fontRef>
+        </p:style>
+      </p:cxnSp>
+      <p:sp>
+        <p:nvSpPr>
+          <p:cNvPr id="2" name="Flowchart: Process 1"/>
+          <p:cNvSpPr/>
+          <p:nvPr/>
+        </p:nvSpPr>
+        <p:spPr>
+          <a:xfrm>
+            <a:off x="3222053" y="571028"/>
+            <a:ext cx="5130800" cy="3799840"/>
+          </a:xfrm>
+          <a:prstGeom prst="flowChartProcess">
+            <a:avLst/>
+          </a:prstGeom>
+          <a:solidFill>
+            <a:schemeClr val="accent3"/>
+          </a:solidFill>
+        </p:spPr>
+        <p:style>
+          <a:lnRef idx="2">
+            <a:schemeClr val="accent1">
+              <a:shade val="50000"/>
+            </a:schemeClr>
+          </a:lnRef>
+          <a:fillRef idx="1">
+            <a:schemeClr val="accent1"/>
+          </a:fillRef>
+          <a:effectRef idx="0">
+            <a:schemeClr val="accent1"/>
+          </a:effectRef>
+          <a:fontRef idx="minor">
+            <a:schemeClr val="lt1"/>
+          </a:fontRef>
+        </p:style>
+        <p:txBody>
+          <a:bodyPr rtlCol="0" anchor="ctr"/>
+          <a:lstStyle/>
+          <a:p>
+            <a:pPr algn="ctr"/>
+            <a:endParaRPr lang="en-US"/>
+          </a:p>
+        </p:txBody>
+      </p:sp>
+      <p:pic>
+        <p:nvPicPr>
+          <p:cNvPr id="3" name="Picture 2"/>
+          <p:cNvPicPr>
+            <a:picLocks noChangeAspect="1"/>
+          </p:cNvPicPr>
+          <p:nvPr/>
+        </p:nvPicPr>
+        <p:blipFill>
+          <a:blip r:embed="rId2"/>
+          <a:stretch>
+            <a:fillRect/>
+          </a:stretch>
+        </p:blipFill>
+        <p:spPr>
+          <a:xfrm>
+            <a:off x="3840480" y="856460"/>
+            <a:ext cx="3893946" cy="3223098"/>
+          </a:xfrm>
+          <a:prstGeom prst="rect">
+            <a:avLst/>
+          </a:prstGeom>
+        </p:spPr>
+      </p:pic>
+      <p:cxnSp>
+        <p:nvCxnSpPr>
+          <p:cNvPr id="59" name="Straight Arrow Connector 58"/>
+          <p:cNvCxnSpPr/>
+          <p:nvPr/>
+        </p:nvCxnSpPr>
+        <p:spPr>
+          <a:xfrm>
+            <a:off x="8432800" y="1209040"/>
+            <a:ext cx="711201" cy="10162"/>
+          </a:xfrm>
+          <a:prstGeom prst="straightConnector1">
+            <a:avLst/>
+          </a:prstGeom>
+          <a:ln w="63500">
+            <a:solidFill>
+              <a:schemeClr val="tx1"/>
+            </a:solidFill>
+            <a:prstDash val="sysDot"/>
+            <a:tailEnd type="triangle"/>
+          </a:ln>
+        </p:spPr>
+        <p:style>
+          <a:lnRef idx="1">
+            <a:schemeClr val="accent1"/>
+          </a:lnRef>
+          <a:fillRef idx="0">
+            <a:schemeClr val="accent1"/>
+          </a:fillRef>
+          <a:effectRef idx="0">
+            <a:schemeClr val="accent1"/>
+          </a:effectRef>
+          <a:fontRef idx="minor">
+            <a:schemeClr val="tx1"/>
+          </a:fontRef>
+        </p:style>
+      </p:cxnSp>
+      <p:cxnSp>
+        <p:nvCxnSpPr>
+          <p:cNvPr id="60" name="Straight Arrow Connector 59"/>
+          <p:cNvCxnSpPr/>
+          <p:nvPr/>
+        </p:nvCxnSpPr>
+        <p:spPr>
+          <a:xfrm>
+            <a:off x="8432800" y="2668299"/>
+            <a:ext cx="711201" cy="10162"/>
+          </a:xfrm>
+          <a:prstGeom prst="straightConnector1">
+            <a:avLst/>
+          </a:prstGeom>
+          <a:ln w="63500">
+            <a:solidFill>
+              <a:schemeClr val="tx1"/>
+            </a:solidFill>
+            <a:prstDash val="sysDot"/>
+            <a:tailEnd type="triangle"/>
+          </a:ln>
+        </p:spPr>
+        <p:style>
+          <a:lnRef idx="1">
+            <a:schemeClr val="accent1"/>
+          </a:lnRef>
+          <a:fillRef idx="0">
+            <a:schemeClr val="accent1"/>
+          </a:fillRef>
+          <a:effectRef idx="0">
+            <a:schemeClr val="accent1"/>
+          </a:effectRef>
+          <a:fontRef idx="minor">
+            <a:schemeClr val="tx1"/>
+          </a:fontRef>
+        </p:style>
+      </p:cxnSp>
+      <p:cxnSp>
+        <p:nvCxnSpPr>
+          <p:cNvPr id="61" name="Straight Arrow Connector 60"/>
+          <p:cNvCxnSpPr/>
+          <p:nvPr/>
+        </p:nvCxnSpPr>
+        <p:spPr>
+          <a:xfrm>
+            <a:off x="8432800" y="3715588"/>
+            <a:ext cx="711201" cy="10162"/>
+          </a:xfrm>
+          <a:prstGeom prst="straightConnector1">
+            <a:avLst/>
+          </a:prstGeom>
+          <a:ln w="63500">
+            <a:solidFill>
+              <a:schemeClr val="tx1"/>
+            </a:solidFill>
+            <a:prstDash val="sysDot"/>
+            <a:tailEnd type="triangle"/>
+          </a:ln>
+        </p:spPr>
+        <p:style>
+          <a:lnRef idx="1">
+            <a:schemeClr val="accent1"/>
+          </a:lnRef>
+          <a:fillRef idx="0">
+            <a:schemeClr val="accent1"/>
+          </a:fillRef>
+          <a:effectRef idx="0">
+            <a:schemeClr val="accent1"/>
+          </a:effectRef>
+          <a:fontRef idx="minor">
+            <a:schemeClr val="tx1"/>
+          </a:fontRef>
+        </p:style>
+      </p:cxnSp>
+      <p:sp>
+        <p:nvSpPr>
+          <p:cNvPr id="35" name="Flowchart: Document 34"/>
+          <p:cNvSpPr/>
+          <p:nvPr/>
+        </p:nvSpPr>
+        <p:spPr>
+          <a:xfrm>
+            <a:off x="9143998" y="2256329"/>
+            <a:ext cx="1966451" cy="1309832"/>
+          </a:xfrm>
+          <a:prstGeom prst="flowChartDocument">
+            <a:avLst/>
+          </a:prstGeom>
+          <a:solidFill>
+            <a:schemeClr val="accent2"/>
+          </a:solidFill>
+        </p:spPr>
+        <p:style>
+          <a:lnRef idx="2">
+            <a:schemeClr val="accent1">
+              <a:shade val="50000"/>
+            </a:schemeClr>
+          </a:lnRef>
+          <a:fillRef idx="1">
+            <a:schemeClr val="accent1"/>
+          </a:fillRef>
+          <a:effectRef idx="0">
+            <a:schemeClr val="accent1"/>
+          </a:effectRef>
+          <a:fontRef idx="minor">
+            <a:schemeClr val="lt1"/>
+          </a:fontRef>
+        </p:style>
+        <p:txBody>
+          <a:bodyPr rtlCol="0" anchor="ctr"/>
+          <a:lstStyle/>
+          <a:p>
+            <a:pPr algn="ctr"/>
+            <a:endParaRPr lang="en-US" dirty="0" smtClean="0"/>
+          </a:p>
+          <a:p>
+            <a:pPr algn="ctr"/>
+            <a:r>
+              <a:rPr lang="en-US" dirty="0" smtClean="0"/>
+              <a:t>Report on</a:t>
+            </a:r>
+          </a:p>
+          <a:p>
+            <a:pPr algn="ctr"/>
+            <a:r>
+              <a:rPr lang="en-US" dirty="0" smtClean="0"/>
+              <a:t>computational reproducibility</a:t>
+            </a:r>
+            <a:endParaRPr lang="en-US" dirty="0"/>
+          </a:p>
+        </p:txBody>
+      </p:sp>
+      <p:sp>
+        <p:nvSpPr>
+          <p:cNvPr id="25" name="Flowchart: Document 24"/>
+          <p:cNvSpPr/>
+          <p:nvPr/>
+        </p:nvSpPr>
+        <p:spPr>
+          <a:xfrm>
+            <a:off x="9143998" y="1297238"/>
+            <a:ext cx="1966451" cy="1221634"/>
+          </a:xfrm>
+          <a:prstGeom prst="flowChartDocument">
+            <a:avLst/>
+          </a:prstGeom>
+        </p:spPr>
+        <p:style>
+          <a:lnRef idx="2">
+            <a:schemeClr val="accent1">
+              <a:shade val="50000"/>
+            </a:schemeClr>
+          </a:lnRef>
+          <a:fillRef idx="1">
+            <a:schemeClr val="accent1"/>
+          </a:fillRef>
+          <a:effectRef idx="0">
+            <a:schemeClr val="accent1"/>
+          </a:effectRef>
+          <a:fontRef idx="minor">
+            <a:schemeClr val="lt1"/>
+          </a:fontRef>
+        </p:style>
+        <p:txBody>
+          <a:bodyPr rtlCol="0" anchor="ctr"/>
+          <a:lstStyle/>
+          <a:p>
+            <a:pPr algn="ctr"/>
+            <a:r>
+              <a:rPr lang="en-US" dirty="0" smtClean="0"/>
+              <a:t>Report on</a:t>
+            </a:r>
+          </a:p>
+          <a:p>
+            <a:pPr algn="ctr"/>
+            <a:r>
+              <a:rPr lang="en-US" dirty="0"/>
+              <a:t>p</a:t>
+            </a:r>
+            <a:r>
+              <a:rPr lang="en-US" dirty="0" smtClean="0"/>
+              <a:t>rovenance and data citations</a:t>
+            </a:r>
+            <a:endParaRPr lang="en-US" dirty="0"/>
+          </a:p>
+        </p:txBody>
+      </p:sp>
+    </p:spTree>
+    <p:extLst>
+      <p:ext uri="{BB962C8B-B14F-4D97-AF65-F5344CB8AC3E}">
+        <p14:creationId xmlns:p14="http://schemas.microsoft.com/office/powerpoint/2010/main" val="1322599377"/>
+      </p:ext>
+    </p:extLst>
+  </p:cSld>
+  <p:clrMapOvr>
+    <a:masterClrMapping/>
+  </p:clrMapOvr>
+  <mc:AlternateContent xmlns:mc="http://schemas.openxmlformats.org/markup-compatibility/2006" xmlns:p14="http://schemas.microsoft.com/office/powerpoint/2010/main">
+    <mc:Choice Requires="p14">
+      <p:transition spd="med" p14:dur="700">
+        <p:fade/>
+      </p:transition>
+    </mc:Choice>
+    <mc:Fallback xmlns="">
+      <p:transition spd="med">
+        <p:fade/>
+      </p:transition>
+    </mc:Fallback>
+  </mc:AlternateContent>
+  <p:timing>
+    <p:tnLst>
+      <p:par>
+        <p:cTn id="1" dur="indefinite" restart="never" nodeType="tmRoot"/>
+      </p:par>
+    </p:tnLst>
+  </p:timing>
+</p:sld>
+</file>
+
+<file path=ppt/slides/slide11.xml><?xml version="1.0" encoding="utf-8"?>
+<p:sld xmlns:a="http://schemas.openxmlformats.org/drawingml/2006/main" xmlns:r="http://schemas.openxmlformats.org/officeDocument/2006/relationships" xmlns:p="http://schemas.openxmlformats.org/presentationml/2006/main">
+  <p:cSld>
+    <p:spTree>
+      <p:nvGrpSpPr>
+        <p:cNvPr id="1" name=""/>
+        <p:cNvGrpSpPr/>
+        <p:nvPr/>
+      </p:nvGrpSpPr>
+      <p:grpSpPr>
+        <a:xfrm>
+          <a:off x="0" y="0"/>
+          <a:ext cx="0" cy="0"/>
+          <a:chOff x="0" y="0"/>
+          <a:chExt cx="0" cy="0"/>
+        </a:xfrm>
+      </p:grpSpPr>
+      <p:sp>
+        <p:nvSpPr>
+          <p:cNvPr id="4" name="Title 3"/>
+          <p:cNvSpPr>
+            <a:spLocks noGrp="1"/>
+          </p:cNvSpPr>
+          <p:nvPr>
+            <p:ph type="title"/>
+          </p:nvPr>
+        </p:nvSpPr>
+        <p:spPr/>
+        <p:txBody>
+          <a:bodyPr/>
+          <a:lstStyle/>
+          <a:p>
+            <a:r>
+              <a:rPr lang="en-US" dirty="0" smtClean="0"/>
+              <a:t>What is the reproducibility check?</a:t>
+            </a:r>
+            <a:endParaRPr lang="en-US" dirty="0"/>
+          </a:p>
+        </p:txBody>
+      </p:sp>
+      <p:pic>
+        <p:nvPicPr>
+          <p:cNvPr id="7" name="Content Placeholder 6"/>
+          <p:cNvPicPr>
+            <a:picLocks noGrp="1" noChangeAspect="1"/>
+          </p:cNvPicPr>
+          <p:nvPr>
+            <p:ph sz="half" idx="1"/>
+          </p:nvPr>
+        </p:nvPicPr>
+        <p:blipFill>
+          <a:blip r:embed="rId2"/>
+          <a:stretch>
+            <a:fillRect/>
+          </a:stretch>
+        </p:blipFill>
+        <p:spPr>
+          <a:xfrm>
+            <a:off x="838200" y="3230668"/>
+            <a:ext cx="5181600" cy="1541252"/>
+          </a:xfrm>
+          <a:prstGeom prst="rect">
+            <a:avLst/>
+          </a:prstGeom>
+        </p:spPr>
+      </p:pic>
+      <p:pic>
+        <p:nvPicPr>
+          <p:cNvPr id="8" name="Content Placeholder 7"/>
+          <p:cNvPicPr>
+            <a:picLocks noGrp="1" noChangeAspect="1"/>
+          </p:cNvPicPr>
+          <p:nvPr>
+            <p:ph sz="half" idx="2"/>
+          </p:nvPr>
+        </p:nvPicPr>
+        <p:blipFill>
+          <a:blip r:embed="rId3"/>
+          <a:stretch>
+            <a:fillRect/>
+          </a:stretch>
+        </p:blipFill>
+        <p:spPr>
+          <a:xfrm>
+            <a:off x="6172200" y="2731093"/>
+            <a:ext cx="5181600" cy="2500646"/>
+          </a:xfrm>
+          <a:prstGeom prst="rect">
+            <a:avLst/>
+          </a:prstGeom>
+        </p:spPr>
+      </p:pic>
+      <p:sp>
+        <p:nvSpPr>
+          <p:cNvPr id="2" name="TextBox 1"/>
+          <p:cNvSpPr txBox="1"/>
+          <p:nvPr/>
+        </p:nvSpPr>
+        <p:spPr>
+          <a:xfrm>
+            <a:off x="2392095" y="5749097"/>
+            <a:ext cx="8121315" cy="369332"/>
+          </a:xfrm>
+          <a:prstGeom prst="rect">
+            <a:avLst/>
+          </a:prstGeom>
+          <a:noFill/>
+        </p:spPr>
+        <p:txBody>
+          <a:bodyPr wrap="square" rtlCol="0">
+            <a:spAutoFit/>
+          </a:bodyPr>
+          <a:lstStyle/>
+          <a:p>
+            <a:r>
+              <a:rPr lang="en-US" dirty="0"/>
+              <a:t>Template report available at </a:t>
+            </a:r>
+            <a:r>
+              <a:rPr lang="en-US" dirty="0">
+                <a:hlinkClick r:id="rId4"/>
+              </a:rPr>
+              <a:t>github.com/</a:t>
+            </a:r>
+            <a:r>
+              <a:rPr lang="en-US" dirty="0" err="1">
+                <a:hlinkClick r:id="rId4"/>
+              </a:rPr>
+              <a:t>AEADataEditor</a:t>
+            </a:r>
+            <a:r>
+              <a:rPr lang="en-US" dirty="0">
+                <a:hlinkClick r:id="rId4"/>
+              </a:rPr>
+              <a:t>/replication-template</a:t>
+            </a:r>
+            <a:r>
+              <a:rPr lang="en-US" dirty="0" smtClean="0">
+                <a:hlinkClick r:id="rId4"/>
+              </a:rPr>
+              <a:t>/</a:t>
+            </a:r>
+            <a:endParaRPr lang="en-US" dirty="0"/>
+          </a:p>
+        </p:txBody>
+      </p:sp>
+    </p:spTree>
+    <p:extLst>
+      <p:ext uri="{BB962C8B-B14F-4D97-AF65-F5344CB8AC3E}">
+        <p14:creationId xmlns:p14="http://schemas.microsoft.com/office/powerpoint/2010/main" val="1891126061"/>
+      </p:ext>
+    </p:extLst>
+  </p:cSld>
+  <p:clrMapOvr>
+    <a:masterClrMapping/>
+  </p:clrMapOvr>
+  <p:timing>
+    <p:tnLst>
+      <p:par>
+        <p:cTn id="1" dur="indefinite" restart="never" nodeType="tmRoot">
+          <p:childTnLst>
+            <p:seq concurrent="1" nextAc="seek">
+              <p:cTn id="2" dur="indefinite" nodeType="mainSeq">
+                <p:childTnLst>
+                  <p:par>
+                    <p:cTn id="3" fill="hold">
+                      <p:stCondLst>
+                        <p:cond delay="indefinite"/>
+                      </p:stCondLst>
+                      <p:childTnLst>
+                        <p:par>
+                          <p:cTn id="4" fill="hold">
+                            <p:stCondLst>
+                              <p:cond delay="0"/>
+                            </p:stCondLst>
+                            <p:childTnLst>
+                              <p:par>
+                                <p:cTn id="5" presetID="1" presetClass="entr" presetSubtype="0" fill="hold" nodeType="clickEffect">
+                                  <p:stCondLst>
+                                    <p:cond delay="0"/>
+                                  </p:stCondLst>
+                                  <p:childTnLst>
+                                    <p:set>
+                                      <p:cBhvr>
+                                        <p:cTn id="6" dur="1" fill="hold">
+                                          <p:stCondLst>
+                                            <p:cond delay="0"/>
+                                          </p:stCondLst>
+                                        </p:cTn>
+                                        <p:tgtEl>
+                                          <p:spTgt spid="8"/>
+                                        </p:tgtEl>
+                                        <p:attrNameLst>
+                                          <p:attrName>style.visibility</p:attrName>
+                                        </p:attrNameLst>
+                                      </p:cBhvr>
+                                      <p:to>
+                                        <p:strVal val="visible"/>
+                                      </p:to>
+                                    </p:set>
+                                  </p:childTnLst>
+                                </p:cTn>
+                              </p:par>
+                            </p:childTnLst>
+                          </p:cTn>
+                        </p:par>
+                      </p:childTnLst>
+                    </p:cTn>
+                  </p:par>
+                </p:childTnLst>
+              </p:cTn>
+              <p:prevCondLst>
+                <p:cond evt="onPrev" delay="0">
+                  <p:tgtEl>
+                    <p:sldTgt/>
+                  </p:tgtEl>
+                </p:cond>
+              </p:prevCondLst>
+              <p:nextCondLst>
+                <p:cond evt="onNext" delay="0">
+                  <p:tgtEl>
+                    <p:sldTgt/>
+                  </p:tgtEl>
+                </p:cond>
+              </p:nextCondLst>
+            </p:seq>
+          </p:childTnLst>
+        </p:cTn>
+      </p:par>
+    </p:tnLst>
+  </p:timing>
+</p:sld>
+</file>
+
+<file path=ppt/slides/slide12.xml><?xml version="1.0" encoding="utf-8"?>
+<p:sld xmlns:a="http://schemas.openxmlformats.org/drawingml/2006/main" xmlns:r="http://schemas.openxmlformats.org/officeDocument/2006/relationships" xmlns:p="http://schemas.openxmlformats.org/presentationml/2006/main">
+  <p:cSld>
+    <p:spTree>
+      <p:nvGrpSpPr>
+        <p:cNvPr id="1" name=""/>
+        <p:cNvGrpSpPr/>
+        <p:nvPr/>
+      </p:nvGrpSpPr>
+      <p:grpSpPr>
+        <a:xfrm>
+          <a:off x="0" y="0"/>
+          <a:ext cx="0" cy="0"/>
+          <a:chOff x="0" y="0"/>
+          <a:chExt cx="0" cy="0"/>
+        </a:xfrm>
+      </p:grpSpPr>
+      <p:sp>
+        <p:nvSpPr>
+          <p:cNvPr id="4" name="Title 3"/>
+          <p:cNvSpPr>
+            <a:spLocks noGrp="1"/>
+          </p:cNvSpPr>
+          <p:nvPr>
+            <p:ph type="title"/>
+          </p:nvPr>
+        </p:nvSpPr>
+        <p:spPr/>
+        <p:txBody>
+          <a:bodyPr/>
+          <a:lstStyle/>
+          <a:p>
+            <a:r>
+              <a:rPr lang="en-US" dirty="0" smtClean="0"/>
+              <a:t>What is the reproducibility check?</a:t>
+            </a:r>
+            <a:endParaRPr lang="en-US" dirty="0"/>
+          </a:p>
+        </p:txBody>
+      </p:sp>
+      <p:pic>
+        <p:nvPicPr>
+          <p:cNvPr id="7" name="Content Placeholder 6"/>
+          <p:cNvPicPr>
+            <a:picLocks noGrp="1" noChangeAspect="1"/>
+          </p:cNvPicPr>
+          <p:nvPr>
+            <p:ph sz="half" idx="1"/>
+          </p:nvPr>
+        </p:nvPicPr>
+        <p:blipFill>
+          <a:blip r:embed="rId2"/>
+          <a:stretch>
+            <a:fillRect/>
+          </a:stretch>
+        </p:blipFill>
+        <p:spPr>
+          <a:xfrm>
+            <a:off x="838200" y="3230668"/>
+            <a:ext cx="5181600" cy="1541252"/>
+          </a:xfrm>
+          <a:prstGeom prst="rect">
+            <a:avLst/>
+          </a:prstGeom>
+        </p:spPr>
+      </p:pic>
+      <p:sp>
+        <p:nvSpPr>
+          <p:cNvPr id="2" name="Content Placeholder 1"/>
+          <p:cNvSpPr>
+            <a:spLocks noGrp="1"/>
+          </p:cNvSpPr>
+          <p:nvPr>
+            <p:ph sz="half" idx="2"/>
+          </p:nvPr>
+        </p:nvSpPr>
+        <p:spPr/>
+        <p:txBody>
+          <a:bodyPr>
+            <a:normAutofit fontScale="92500" lnSpcReduction="10000"/>
+          </a:bodyPr>
+          <a:lstStyle/>
+          <a:p>
+            <a:r>
+              <a:rPr lang="en-US" dirty="0" smtClean="0"/>
+              <a:t>Data checks</a:t>
+            </a:r>
+          </a:p>
+          <a:p>
+            <a:r>
+              <a:rPr lang="en-US" dirty="0" smtClean="0"/>
+              <a:t>Code description</a:t>
+            </a:r>
+          </a:p>
+          <a:p>
+            <a:r>
+              <a:rPr lang="en-US" dirty="0" smtClean="0"/>
+              <a:t>Requirements</a:t>
+            </a:r>
+          </a:p>
+          <a:p>
+            <a:pPr lvl="1"/>
+            <a:r>
+              <a:rPr lang="en-US" dirty="0" smtClean="0"/>
+              <a:t>As stated by author</a:t>
+            </a:r>
+          </a:p>
+          <a:p>
+            <a:pPr lvl="1"/>
+            <a:r>
+              <a:rPr lang="en-US" dirty="0" smtClean="0"/>
+              <a:t>As encountered by replicator</a:t>
+            </a:r>
+          </a:p>
+          <a:p>
+            <a:r>
+              <a:rPr lang="en-US" dirty="0" smtClean="0"/>
+              <a:t>Verbose description of steps to replicate</a:t>
+            </a:r>
+          </a:p>
+          <a:p>
+            <a:r>
+              <a:rPr lang="en-US" dirty="0" smtClean="0"/>
+              <a:t>Findings</a:t>
+            </a:r>
+          </a:p>
+          <a:p>
+            <a:pPr lvl="1"/>
+            <a:r>
+              <a:rPr lang="en-US" dirty="0" smtClean="0"/>
+              <a:t>Compare tables</a:t>
+            </a:r>
+          </a:p>
+          <a:p>
+            <a:pPr lvl="1"/>
+            <a:r>
+              <a:rPr lang="en-US" dirty="0" smtClean="0"/>
+              <a:t>Compare figures</a:t>
+            </a:r>
+          </a:p>
+          <a:p>
+            <a:pPr lvl="1"/>
+            <a:r>
+              <a:rPr lang="en-US" dirty="0" smtClean="0"/>
+              <a:t>Compare in-text numbers</a:t>
+            </a:r>
+            <a:endParaRPr lang="en-US" dirty="0"/>
+          </a:p>
+        </p:txBody>
+      </p:sp>
+    </p:spTree>
+    <p:extLst>
+      <p:ext uri="{BB962C8B-B14F-4D97-AF65-F5344CB8AC3E}">
+        <p14:creationId xmlns:p14="http://schemas.microsoft.com/office/powerpoint/2010/main" val="3730787527"/>
+      </p:ext>
+    </p:extLst>
+  </p:cSld>
+  <p:clrMapOvr>
+    <a:masterClrMapping/>
+  </p:clrMapOvr>
+  <p:timing>
+    <p:tnLst>
+      <p:par>
+        <p:cTn id="1" dur="indefinite" restart="never" nodeType="tmRoot"/>
+      </p:par>
+    </p:tnLst>
+  </p:timing>
+</p:sld>
+</file>
+
+<file path=ppt/slides/slide13.xml><?xml version="1.0" encoding="utf-8"?>
+<p:sld xmlns:a="http://schemas.openxmlformats.org/drawingml/2006/main" xmlns:r="http://schemas.openxmlformats.org/officeDocument/2006/relationships" xmlns:p="http://schemas.openxmlformats.org/presentationml/2006/main">
+  <p:cSld>
+    <p:spTree>
+      <p:nvGrpSpPr>
+        <p:cNvPr id="1" name=""/>
+        <p:cNvGrpSpPr/>
+        <p:nvPr/>
+      </p:nvGrpSpPr>
+      <p:grpSpPr>
+        <a:xfrm>
+          <a:off x="0" y="0"/>
+          <a:ext cx="0" cy="0"/>
+          <a:chOff x="0" y="0"/>
+          <a:chExt cx="0" cy="0"/>
+        </a:xfrm>
+      </p:grpSpPr>
+      <p:sp>
+        <p:nvSpPr>
           <p:cNvPr id="2" name="Rectangle 1"/>
           <p:cNvSpPr/>
           <p:nvPr/>
@@ -4877,7 +5837,7 @@
                   <a:schemeClr val="bg1"/>
                 </a:solidFill>
               </a:rPr>
-              <a:t>Restricted-access data</a:t>
+              <a:t>Where/how to start</a:t>
             </a:r>
             <a:endParaRPr lang="en-US" dirty="0">
               <a:solidFill>
@@ -4915,7 +5875,864 @@
 </p:sld>
 </file>
 
-<file path=ppt/slides/slide11.xml><?xml version="1.0" encoding="utf-8"?>
+<file path=ppt/slides/slide14.xml><?xml version="1.0" encoding="utf-8"?>
+<p:sld xmlns:a="http://schemas.openxmlformats.org/drawingml/2006/main" xmlns:r="http://schemas.openxmlformats.org/officeDocument/2006/relationships" xmlns:p="http://schemas.openxmlformats.org/presentationml/2006/main">
+  <p:cSld>
+    <p:spTree>
+      <p:nvGrpSpPr>
+        <p:cNvPr id="1" name=""/>
+        <p:cNvGrpSpPr/>
+        <p:nvPr/>
+      </p:nvGrpSpPr>
+      <p:grpSpPr>
+        <a:xfrm>
+          <a:off x="0" y="0"/>
+          <a:ext cx="0" cy="0"/>
+          <a:chOff x="0" y="0"/>
+          <a:chExt cx="0" cy="0"/>
+        </a:xfrm>
+      </p:grpSpPr>
+      <p:sp>
+        <p:nvSpPr>
+          <p:cNvPr id="4" name="Title 3"/>
+          <p:cNvSpPr>
+            <a:spLocks noGrp="1"/>
+          </p:cNvSpPr>
+          <p:nvPr>
+            <p:ph type="title"/>
+          </p:nvPr>
+        </p:nvSpPr>
+        <p:spPr/>
+        <p:txBody>
+          <a:bodyPr/>
+          <a:lstStyle/>
+          <a:p>
+            <a:r>
+              <a:rPr lang="en-US" dirty="0" smtClean="0"/>
+              <a:t>Basic project setup</a:t>
+            </a:r>
+            <a:endParaRPr lang="en-US" dirty="0"/>
+          </a:p>
+        </p:txBody>
+      </p:sp>
+      <p:sp>
+        <p:nvSpPr>
+          <p:cNvPr id="5" name="Content Placeholder 4"/>
+          <p:cNvSpPr>
+            <a:spLocks noGrp="1"/>
+          </p:cNvSpPr>
+          <p:nvPr>
+            <p:ph sz="half" idx="1"/>
+          </p:nvPr>
+        </p:nvSpPr>
+        <p:spPr/>
+        <p:txBody>
+          <a:bodyPr/>
+          <a:lstStyle/>
+          <a:p>
+            <a:r>
+              <a:rPr lang="en-US" dirty="0" smtClean="0"/>
+              <a:t>Structure your project</a:t>
+            </a:r>
+          </a:p>
+          <a:p>
+            <a:pPr lvl="1"/>
+            <a:r>
+              <a:rPr lang="en-US" dirty="0" smtClean="0"/>
+              <a:t>Data inputs</a:t>
+            </a:r>
+          </a:p>
+          <a:p>
+            <a:pPr lvl="1"/>
+            <a:r>
+              <a:rPr lang="en-US" dirty="0" smtClean="0"/>
+              <a:t>Data outputs</a:t>
+            </a:r>
+          </a:p>
+          <a:p>
+            <a:pPr lvl="1"/>
+            <a:r>
+              <a:rPr lang="en-US" dirty="0" smtClean="0"/>
+              <a:t>Code</a:t>
+            </a:r>
+          </a:p>
+          <a:p>
+            <a:pPr lvl="1"/>
+            <a:r>
+              <a:rPr lang="en-US" dirty="0" smtClean="0"/>
+              <a:t>Paper/text/etc.</a:t>
+            </a:r>
+          </a:p>
+          <a:p>
+            <a:r>
+              <a:rPr lang="en-US" dirty="0" smtClean="0"/>
+              <a:t>Version your project (</a:t>
+            </a:r>
+            <a:r>
+              <a:rPr lang="en-US" dirty="0" err="1" smtClean="0"/>
+              <a:t>git</a:t>
+            </a:r>
+            <a:r>
+              <a:rPr lang="en-US" dirty="0" smtClean="0"/>
+              <a:t>)</a:t>
+            </a:r>
+          </a:p>
+          <a:p>
+            <a:r>
+              <a:rPr lang="en-US" dirty="0" smtClean="0"/>
+              <a:t>Track metadata</a:t>
+            </a:r>
+          </a:p>
+          <a:p>
+            <a:pPr lvl="1"/>
+            <a:r>
+              <a:rPr lang="en-US" dirty="0" smtClean="0"/>
+              <a:t>Cite articles you reference</a:t>
+            </a:r>
+          </a:p>
+          <a:p>
+            <a:pPr lvl="1"/>
+            <a:r>
+              <a:rPr lang="en-US" dirty="0" smtClean="0"/>
+              <a:t>Cite data sources you use</a:t>
+            </a:r>
+            <a:endParaRPr lang="en-US" dirty="0"/>
+          </a:p>
+        </p:txBody>
+      </p:sp>
+      <p:pic>
+        <p:nvPicPr>
+          <p:cNvPr id="7" name="Content Placeholder 6"/>
+          <p:cNvPicPr>
+            <a:picLocks noGrp="1" noChangeAspect="1"/>
+          </p:cNvPicPr>
+          <p:nvPr>
+            <p:ph sz="half" idx="2"/>
+          </p:nvPr>
+        </p:nvPicPr>
+        <p:blipFill>
+          <a:blip r:embed="rId2">
+            <a:extLst>
+              <a:ext uri="{28A0092B-C50C-407E-A947-70E740481C1C}">
+                <a14:useLocalDpi xmlns:a14="http://schemas.microsoft.com/office/drawing/2010/main" val="0"/>
+              </a:ext>
+            </a:extLst>
+          </a:blip>
+          <a:stretch>
+            <a:fillRect/>
+          </a:stretch>
+        </p:blipFill>
+        <p:spPr>
+          <a:xfrm>
+            <a:off x="6172200" y="1999901"/>
+            <a:ext cx="5181600" cy="4002786"/>
+          </a:xfrm>
+        </p:spPr>
+      </p:pic>
+      <p:sp>
+        <p:nvSpPr>
+          <p:cNvPr id="8" name="TextBox 7"/>
+          <p:cNvSpPr txBox="1"/>
+          <p:nvPr/>
+        </p:nvSpPr>
+        <p:spPr>
+          <a:xfrm>
+            <a:off x="6019801" y="5777948"/>
+            <a:ext cx="5986670" cy="369332"/>
+          </a:xfrm>
+          <a:prstGeom prst="rect">
+            <a:avLst/>
+          </a:prstGeom>
+          <a:noFill/>
+        </p:spPr>
+        <p:txBody>
+          <a:bodyPr wrap="square" rtlCol="0">
+            <a:spAutoFit/>
+          </a:bodyPr>
+          <a:lstStyle/>
+          <a:p>
+            <a:r>
+              <a:rPr lang="en-US" dirty="0"/>
+              <a:t>https://www.projecttier.org/tier-protocol/specifications-3-0/</a:t>
+            </a:r>
+          </a:p>
+        </p:txBody>
+      </p:sp>
+    </p:spTree>
+    <p:extLst>
+      <p:ext uri="{BB962C8B-B14F-4D97-AF65-F5344CB8AC3E}">
+        <p14:creationId xmlns:p14="http://schemas.microsoft.com/office/powerpoint/2010/main" val="2789984486"/>
+      </p:ext>
+    </p:extLst>
+  </p:cSld>
+  <p:clrMapOvr>
+    <a:masterClrMapping/>
+  </p:clrMapOvr>
+  <p:timing>
+    <p:tnLst>
+      <p:par>
+        <p:cTn id="1" dur="indefinite" restart="never" nodeType="tmRoot"/>
+      </p:par>
+    </p:tnLst>
+  </p:timing>
+</p:sld>
+</file>
+
+<file path=ppt/slides/slide15.xml><?xml version="1.0" encoding="utf-8"?>
+<p:sld xmlns:a="http://schemas.openxmlformats.org/drawingml/2006/main" xmlns:r="http://schemas.openxmlformats.org/officeDocument/2006/relationships" xmlns:p="http://schemas.openxmlformats.org/presentationml/2006/main">
+  <p:cSld>
+    <p:spTree>
+      <p:nvGrpSpPr>
+        <p:cNvPr id="1" name=""/>
+        <p:cNvGrpSpPr/>
+        <p:nvPr/>
+      </p:nvGrpSpPr>
+      <p:grpSpPr>
+        <a:xfrm>
+          <a:off x="0" y="0"/>
+          <a:ext cx="0" cy="0"/>
+          <a:chOff x="0" y="0"/>
+          <a:chExt cx="0" cy="0"/>
+        </a:xfrm>
+      </p:grpSpPr>
+      <p:sp>
+        <p:nvSpPr>
+          <p:cNvPr id="5" name="Title 4"/>
+          <p:cNvSpPr>
+            <a:spLocks noGrp="1"/>
+          </p:cNvSpPr>
+          <p:nvPr>
+            <p:ph type="title"/>
+          </p:nvPr>
+        </p:nvSpPr>
+        <p:spPr/>
+        <p:txBody>
+          <a:bodyPr/>
+          <a:lstStyle/>
+          <a:p>
+            <a:pPr algn="ctr"/>
+            <a:r>
+              <a:rPr lang="en-US" dirty="0" smtClean="0"/>
+              <a:t>Computational empathy</a:t>
+            </a:r>
+            <a:endParaRPr lang="en-US" dirty="0"/>
+          </a:p>
+        </p:txBody>
+      </p:sp>
+    </p:spTree>
+    <p:extLst>
+      <p:ext uri="{BB962C8B-B14F-4D97-AF65-F5344CB8AC3E}">
+        <p14:creationId xmlns:p14="http://schemas.microsoft.com/office/powerpoint/2010/main" val="1191757228"/>
+      </p:ext>
+    </p:extLst>
+  </p:cSld>
+  <p:clrMapOvr>
+    <a:masterClrMapping/>
+  </p:clrMapOvr>
+  <p:timing>
+    <p:tnLst>
+      <p:par>
+        <p:cTn id="1" dur="indefinite" restart="never" nodeType="tmRoot"/>
+      </p:par>
+    </p:tnLst>
+  </p:timing>
+</p:sld>
+</file>
+
+<file path=ppt/slides/slide16.xml><?xml version="1.0" encoding="utf-8"?>
+<p:sld xmlns:a="http://schemas.openxmlformats.org/drawingml/2006/main" xmlns:r="http://schemas.openxmlformats.org/officeDocument/2006/relationships" xmlns:p="http://schemas.openxmlformats.org/presentationml/2006/main">
+  <p:cSld>
+    <p:spTree>
+      <p:nvGrpSpPr>
+        <p:cNvPr id="1" name=""/>
+        <p:cNvGrpSpPr/>
+        <p:nvPr/>
+      </p:nvGrpSpPr>
+      <p:grpSpPr>
+        <a:xfrm>
+          <a:off x="0" y="0"/>
+          <a:ext cx="0" cy="0"/>
+          <a:chOff x="0" y="0"/>
+          <a:chExt cx="0" cy="0"/>
+        </a:xfrm>
+      </p:grpSpPr>
+      <p:sp>
+        <p:nvSpPr>
+          <p:cNvPr id="3" name="Title 2"/>
+          <p:cNvSpPr>
+            <a:spLocks noGrp="1"/>
+          </p:cNvSpPr>
+          <p:nvPr>
+            <p:ph type="title"/>
+          </p:nvPr>
+        </p:nvSpPr>
+        <p:spPr/>
+        <p:txBody>
+          <a:bodyPr/>
+          <a:lstStyle/>
+          <a:p>
+            <a:r>
+              <a:rPr lang="en-US" dirty="0" smtClean="0"/>
+              <a:t>Computational empathy</a:t>
+            </a:r>
+            <a:endParaRPr lang="en-US" dirty="0"/>
+          </a:p>
+        </p:txBody>
+      </p:sp>
+      <p:sp>
+        <p:nvSpPr>
+          <p:cNvPr id="4" name="Content Placeholder 3"/>
+          <p:cNvSpPr>
+            <a:spLocks noGrp="1"/>
+          </p:cNvSpPr>
+          <p:nvPr>
+            <p:ph idx="1"/>
+          </p:nvPr>
+        </p:nvSpPr>
+        <p:spPr/>
+        <p:txBody>
+          <a:bodyPr>
+            <a:normAutofit lnSpcReduction="10000"/>
+          </a:bodyPr>
+          <a:lstStyle/>
+          <a:p>
+            <a:r>
+              <a:rPr lang="en-US" dirty="0" smtClean="0"/>
+              <a:t>Consider how the next person will (be able) to compute</a:t>
+            </a:r>
+          </a:p>
+          <a:p>
+            <a:pPr lvl="1"/>
+            <a:r>
+              <a:rPr lang="en-US" dirty="0" smtClean="0"/>
+              <a:t>You don’t know what they don’t know</a:t>
+            </a:r>
+          </a:p>
+          <a:p>
+            <a:pPr lvl="1"/>
+            <a:r>
+              <a:rPr lang="en-US" dirty="0" smtClean="0"/>
+              <a:t>Assume some frequent characteristics</a:t>
+            </a:r>
+          </a:p>
+          <a:p>
+            <a:pPr lvl="2"/>
+            <a:r>
+              <a:rPr lang="en-US" dirty="0" smtClean="0"/>
+              <a:t>Empirical background (2-3 </a:t>
+            </a:r>
+            <a:r>
+              <a:rPr lang="en-US" dirty="0" err="1" smtClean="0"/>
+              <a:t>yrs</a:t>
+            </a:r>
+            <a:r>
+              <a:rPr lang="en-US" dirty="0" smtClean="0"/>
+              <a:t> undergrad?)</a:t>
+            </a:r>
+          </a:p>
+          <a:p>
+            <a:pPr lvl="2"/>
+            <a:r>
+              <a:rPr lang="en-US" dirty="0" smtClean="0"/>
+              <a:t>Likely to know about frequently used software, but not very specific software</a:t>
+            </a:r>
+          </a:p>
+          <a:p>
+            <a:pPr lvl="2"/>
+            <a:r>
+              <a:rPr lang="en-US" dirty="0" smtClean="0"/>
+              <a:t>Have </a:t>
+            </a:r>
+            <a:r>
+              <a:rPr lang="en-US" b="1" u="sng" dirty="0" smtClean="0">
+                <a:solidFill>
+                  <a:srgbClr val="FF0000"/>
+                </a:solidFill>
+              </a:rPr>
+              <a:t>none</a:t>
+            </a:r>
+            <a:r>
+              <a:rPr lang="en-US" dirty="0" smtClean="0"/>
+              <a:t> of your add-on packages/ libraries/ etc. pre-installed</a:t>
+            </a:r>
+          </a:p>
+          <a:p>
+            <a:r>
+              <a:rPr lang="en-US" dirty="0" smtClean="0"/>
+              <a:t>Don’t force them to do </a:t>
+            </a:r>
+            <a:r>
+              <a:rPr lang="en-US" smtClean="0"/>
+              <a:t>tedious things</a:t>
+            </a:r>
+            <a:endParaRPr lang="en-US" dirty="0"/>
+          </a:p>
+        </p:txBody>
+      </p:sp>
+    </p:spTree>
+    <p:extLst>
+      <p:ext uri="{BB962C8B-B14F-4D97-AF65-F5344CB8AC3E}">
+        <p14:creationId xmlns:p14="http://schemas.microsoft.com/office/powerpoint/2010/main" val="286919143"/>
+      </p:ext>
+    </p:extLst>
+  </p:cSld>
+  <p:clrMapOvr>
+    <a:masterClrMapping/>
+  </p:clrMapOvr>
+  <p:timing>
+    <p:tnLst>
+      <p:par>
+        <p:cTn id="1" dur="indefinite" restart="never" nodeType="tmRoot"/>
+      </p:par>
+    </p:tnLst>
+  </p:timing>
+</p:sld>
+</file>
+
+<file path=ppt/slides/slide17.xml><?xml version="1.0" encoding="utf-8"?>
+<p:sld xmlns:a="http://schemas.openxmlformats.org/drawingml/2006/main" xmlns:r="http://schemas.openxmlformats.org/officeDocument/2006/relationships" xmlns:p="http://schemas.openxmlformats.org/presentationml/2006/main">
+  <p:cSld>
+    <p:spTree>
+      <p:nvGrpSpPr>
+        <p:cNvPr id="1" name=""/>
+        <p:cNvGrpSpPr/>
+        <p:nvPr/>
+      </p:nvGrpSpPr>
+      <p:grpSpPr>
+        <a:xfrm>
+          <a:off x="0" y="0"/>
+          <a:ext cx="0" cy="0"/>
+          <a:chOff x="0" y="0"/>
+          <a:chExt cx="0" cy="0"/>
+        </a:xfrm>
+      </p:grpSpPr>
+      <p:sp>
+        <p:nvSpPr>
+          <p:cNvPr id="2" name="Title 1"/>
+          <p:cNvSpPr>
+            <a:spLocks noGrp="1"/>
+          </p:cNvSpPr>
+          <p:nvPr>
+            <p:ph type="title"/>
+          </p:nvPr>
+        </p:nvSpPr>
+        <p:spPr/>
+        <p:txBody>
+          <a:bodyPr/>
+          <a:lstStyle/>
+          <a:p>
+            <a:r>
+              <a:rPr lang="en-US" dirty="0" smtClean="0"/>
+              <a:t>Details</a:t>
+            </a:r>
+            <a:endParaRPr lang="en-US" dirty="0"/>
+          </a:p>
+        </p:txBody>
+      </p:sp>
+      <p:sp>
+        <p:nvSpPr>
+          <p:cNvPr id="3" name="Content Placeholder 2"/>
+          <p:cNvSpPr>
+            <a:spLocks noGrp="1"/>
+          </p:cNvSpPr>
+          <p:nvPr>
+            <p:ph sz="half" idx="1"/>
+          </p:nvPr>
+        </p:nvSpPr>
+        <p:spPr/>
+        <p:txBody>
+          <a:bodyPr/>
+          <a:lstStyle/>
+          <a:p>
+            <a:r>
+              <a:rPr lang="en-US" dirty="0" smtClean="0">
+                <a:hlinkClick r:id="rId2" action="ppaction://hlinksldjump"/>
+              </a:rPr>
+              <a:t>Data </a:t>
+            </a:r>
+            <a:r>
+              <a:rPr lang="en-US" dirty="0">
+                <a:hlinkClick r:id="rId2" action="ppaction://hlinksldjump"/>
+              </a:rPr>
+              <a:t>p</a:t>
+            </a:r>
+            <a:r>
+              <a:rPr lang="en-US" dirty="0" smtClean="0">
+                <a:hlinkClick r:id="rId2" action="ppaction://hlinksldjump"/>
+              </a:rPr>
+              <a:t>rovenance</a:t>
+            </a:r>
+            <a:endParaRPr lang="en-US" dirty="0" smtClean="0"/>
+          </a:p>
+          <a:p>
+            <a:r>
+              <a:rPr lang="en-US" dirty="0" smtClean="0">
+                <a:hlinkClick r:id="rId3" action="ppaction://hlinksldjump"/>
+              </a:rPr>
+              <a:t>Data citations</a:t>
+            </a:r>
+            <a:endParaRPr lang="en-US" dirty="0" smtClean="0"/>
+          </a:p>
+          <a:p>
+            <a:r>
+              <a:rPr lang="en-US" dirty="0" smtClean="0">
+                <a:hlinkClick r:id="rId4" action="ppaction://hlinksldjump"/>
+              </a:rPr>
+              <a:t>Good coding practices</a:t>
+            </a:r>
+            <a:endParaRPr lang="en-US" dirty="0" smtClean="0"/>
+          </a:p>
+          <a:p>
+            <a:endParaRPr lang="en-US" dirty="0"/>
+          </a:p>
+        </p:txBody>
+      </p:sp>
+      <p:sp>
+        <p:nvSpPr>
+          <p:cNvPr id="4" name="Content Placeholder 3"/>
+          <p:cNvSpPr>
+            <a:spLocks noGrp="1"/>
+          </p:cNvSpPr>
+          <p:nvPr>
+            <p:ph sz="half" idx="2"/>
+          </p:nvPr>
+        </p:nvSpPr>
+        <p:spPr/>
+        <p:txBody>
+          <a:bodyPr/>
+          <a:lstStyle/>
+          <a:p>
+            <a:endParaRPr lang="en-US"/>
+          </a:p>
+        </p:txBody>
+      </p:sp>
+      <p:pic>
+        <p:nvPicPr>
+          <p:cNvPr id="5" name="Picture 4"/>
+          <p:cNvPicPr>
+            <a:picLocks noChangeAspect="1"/>
+          </p:cNvPicPr>
+          <p:nvPr/>
+        </p:nvPicPr>
+        <p:blipFill>
+          <a:blip r:embed="rId5"/>
+          <a:stretch>
+            <a:fillRect/>
+          </a:stretch>
+        </p:blipFill>
+        <p:spPr>
+          <a:xfrm>
+            <a:off x="5256948" y="1027906"/>
+            <a:ext cx="4138843" cy="2328099"/>
+          </a:xfrm>
+          <a:prstGeom prst="rect">
+            <a:avLst/>
+          </a:prstGeom>
+          <a:ln w="15875">
+            <a:solidFill>
+              <a:schemeClr val="tx1"/>
+            </a:solidFill>
+          </a:ln>
+          <a:effectLst>
+            <a:outerShdw blurRad="50800" dist="38100" dir="2700000" algn="tl" rotWithShape="0">
+              <a:prstClr val="black">
+                <a:alpha val="40000"/>
+              </a:prstClr>
+            </a:outerShdw>
+          </a:effectLst>
+        </p:spPr>
+      </p:pic>
+      <p:pic>
+        <p:nvPicPr>
+          <p:cNvPr id="6" name="Picture 5"/>
+          <p:cNvPicPr>
+            <a:picLocks noChangeAspect="1"/>
+          </p:cNvPicPr>
+          <p:nvPr/>
+        </p:nvPicPr>
+        <p:blipFill>
+          <a:blip r:embed="rId6"/>
+          <a:stretch>
+            <a:fillRect/>
+          </a:stretch>
+        </p:blipFill>
+        <p:spPr>
+          <a:xfrm>
+            <a:off x="5942590" y="2167950"/>
+            <a:ext cx="5338201" cy="2298034"/>
+          </a:xfrm>
+          <a:prstGeom prst="rect">
+            <a:avLst/>
+          </a:prstGeom>
+          <a:ln w="19050">
+            <a:solidFill>
+              <a:schemeClr val="tx1"/>
+            </a:solidFill>
+          </a:ln>
+          <a:effectLst>
+            <a:outerShdw blurRad="50800" dist="127000" dir="2700000" algn="tl" rotWithShape="0">
+              <a:prstClr val="black">
+                <a:alpha val="40000"/>
+              </a:prstClr>
+            </a:outerShdw>
+          </a:effectLst>
+        </p:spPr>
+      </p:pic>
+      <p:pic>
+        <p:nvPicPr>
+          <p:cNvPr id="7" name="Picture 6"/>
+          <p:cNvPicPr>
+            <a:picLocks noChangeAspect="1"/>
+          </p:cNvPicPr>
+          <p:nvPr/>
+        </p:nvPicPr>
+        <p:blipFill>
+          <a:blip r:embed="rId7"/>
+          <a:stretch>
+            <a:fillRect/>
+          </a:stretch>
+        </p:blipFill>
+        <p:spPr>
+          <a:xfrm>
+            <a:off x="6598862" y="3549156"/>
+            <a:ext cx="5089555" cy="2862875"/>
+          </a:xfrm>
+          <a:prstGeom prst="rect">
+            <a:avLst/>
+          </a:prstGeom>
+          <a:ln w="19050">
+            <a:solidFill>
+              <a:schemeClr val="tx1"/>
+            </a:solidFill>
+          </a:ln>
+          <a:effectLst>
+            <a:outerShdw blurRad="50800" dist="190500" dir="2700000" algn="tl" rotWithShape="0">
+              <a:prstClr val="black">
+                <a:alpha val="40000"/>
+              </a:prstClr>
+            </a:outerShdw>
+          </a:effectLst>
+        </p:spPr>
+      </p:pic>
+    </p:spTree>
+    <p:extLst>
+      <p:ext uri="{BB962C8B-B14F-4D97-AF65-F5344CB8AC3E}">
+        <p14:creationId xmlns:p14="http://schemas.microsoft.com/office/powerpoint/2010/main" val="3829519969"/>
+      </p:ext>
+    </p:extLst>
+  </p:cSld>
+  <p:clrMapOvr>
+    <a:masterClrMapping/>
+  </p:clrMapOvr>
+  <p:timing>
+    <p:tnLst>
+      <p:par>
+        <p:cTn id="1" dur="indefinite" restart="never" nodeType="tmRoot">
+          <p:childTnLst>
+            <p:seq concurrent="1" nextAc="seek">
+              <p:cTn id="2" dur="indefinite" nodeType="mainSeq">
+                <p:childTnLst>
+                  <p:par>
+                    <p:cTn id="3" fill="hold">
+                      <p:stCondLst>
+                        <p:cond delay="indefinite"/>
+                      </p:stCondLst>
+                      <p:childTnLst>
+                        <p:par>
+                          <p:cTn id="4" fill="hold">
+                            <p:stCondLst>
+                              <p:cond delay="0"/>
+                            </p:stCondLst>
+                            <p:childTnLst>
+                              <p:par>
+                                <p:cTn id="5" presetID="1" presetClass="entr" presetSubtype="0" fill="hold" nodeType="clickEffect">
+                                  <p:stCondLst>
+                                    <p:cond delay="0"/>
+                                  </p:stCondLst>
+                                  <p:childTnLst>
+                                    <p:set>
+                                      <p:cBhvr>
+                                        <p:cTn id="6" dur="1" fill="hold">
+                                          <p:stCondLst>
+                                            <p:cond delay="0"/>
+                                          </p:stCondLst>
+                                        </p:cTn>
+                                        <p:tgtEl>
+                                          <p:spTgt spid="6"/>
+                                        </p:tgtEl>
+                                        <p:attrNameLst>
+                                          <p:attrName>style.visibility</p:attrName>
+                                        </p:attrNameLst>
+                                      </p:cBhvr>
+                                      <p:to>
+                                        <p:strVal val="visible"/>
+                                      </p:to>
+                                    </p:set>
+                                  </p:childTnLst>
+                                </p:cTn>
+                              </p:par>
+                            </p:childTnLst>
+                          </p:cTn>
+                        </p:par>
+                      </p:childTnLst>
+                    </p:cTn>
+                  </p:par>
+                </p:childTnLst>
+              </p:cTn>
+              <p:prevCondLst>
+                <p:cond evt="onPrev" delay="0">
+                  <p:tgtEl>
+                    <p:sldTgt/>
+                  </p:tgtEl>
+                </p:cond>
+              </p:prevCondLst>
+              <p:nextCondLst>
+                <p:cond evt="onNext" delay="0">
+                  <p:tgtEl>
+                    <p:sldTgt/>
+                  </p:tgtEl>
+                </p:cond>
+              </p:nextCondLst>
+            </p:seq>
+          </p:childTnLst>
+        </p:cTn>
+      </p:par>
+    </p:tnLst>
+  </p:timing>
+</p:sld>
+</file>
+
+<file path=ppt/slides/slide18.xml><?xml version="1.0" encoding="utf-8"?>
+<p:sld xmlns:a="http://schemas.openxmlformats.org/drawingml/2006/main" xmlns:r="http://schemas.openxmlformats.org/officeDocument/2006/relationships" xmlns:p="http://schemas.openxmlformats.org/presentationml/2006/main">
+  <p:cSld>
+    <p:spTree>
+      <p:nvGrpSpPr>
+        <p:cNvPr id="1" name=""/>
+        <p:cNvGrpSpPr/>
+        <p:nvPr/>
+      </p:nvGrpSpPr>
+      <p:grpSpPr>
+        <a:xfrm>
+          <a:off x="0" y="0"/>
+          <a:ext cx="0" cy="0"/>
+          <a:chOff x="0" y="0"/>
+          <a:chExt cx="0" cy="0"/>
+        </a:xfrm>
+      </p:grpSpPr>
+      <p:sp>
+        <p:nvSpPr>
+          <p:cNvPr id="2" name="Rectangle 1"/>
+          <p:cNvSpPr/>
+          <p:nvPr/>
+        </p:nvSpPr>
+        <p:spPr>
+          <a:xfrm>
+            <a:off x="0" y="0"/>
+            <a:ext cx="12192000" cy="6858000"/>
+          </a:xfrm>
+          <a:prstGeom prst="rect">
+            <a:avLst/>
+          </a:prstGeom>
+          <a:solidFill>
+            <a:schemeClr val="tx1">
+              <a:lumMod val="75000"/>
+              <a:lumOff val="25000"/>
+            </a:schemeClr>
+          </a:solidFill>
+        </p:spPr>
+        <p:style>
+          <a:lnRef idx="2">
+            <a:schemeClr val="accent1">
+              <a:shade val="50000"/>
+            </a:schemeClr>
+          </a:lnRef>
+          <a:fillRef idx="1">
+            <a:schemeClr val="accent1"/>
+          </a:fillRef>
+          <a:effectRef idx="0">
+            <a:schemeClr val="accent1"/>
+          </a:effectRef>
+          <a:fontRef idx="minor">
+            <a:schemeClr val="lt1"/>
+          </a:fontRef>
+        </p:style>
+        <p:txBody>
+          <a:bodyPr rtlCol="0" anchor="ctr"/>
+          <a:lstStyle/>
+          <a:p>
+            <a:pPr algn="ctr"/>
+            <a:endParaRPr lang="en-US"/>
+          </a:p>
+        </p:txBody>
+      </p:sp>
+      <p:sp>
+        <p:nvSpPr>
+          <p:cNvPr id="4" name="TextBox 3"/>
+          <p:cNvSpPr txBox="1"/>
+          <p:nvPr/>
+        </p:nvSpPr>
+        <p:spPr>
+          <a:xfrm>
+            <a:off x="2038905" y="1582824"/>
+            <a:ext cx="8114190" cy="2800767"/>
+          </a:xfrm>
+          <a:prstGeom prst="rect">
+            <a:avLst/>
+          </a:prstGeom>
+          <a:noFill/>
+        </p:spPr>
+        <p:txBody>
+          <a:bodyPr wrap="square" rtlCol="0">
+            <a:spAutoFit/>
+          </a:bodyPr>
+          <a:lstStyle/>
+          <a:p>
+            <a:pPr algn="ctr"/>
+            <a:r>
+              <a:rPr lang="en-US" sz="8800" dirty="0" smtClean="0">
+                <a:solidFill>
+                  <a:schemeClr val="bg1"/>
+                </a:solidFill>
+              </a:rPr>
+              <a:t>Restricted-access data</a:t>
+            </a:r>
+            <a:endParaRPr lang="en-US" dirty="0">
+              <a:solidFill>
+                <a:schemeClr val="bg1"/>
+              </a:solidFill>
+            </a:endParaRPr>
+          </a:p>
+        </p:txBody>
+      </p:sp>
+    </p:spTree>
+    <p:extLst>
+      <p:ext uri="{BB962C8B-B14F-4D97-AF65-F5344CB8AC3E}">
+        <p14:creationId xmlns:p14="http://schemas.microsoft.com/office/powerpoint/2010/main" val="1768241452"/>
+      </p:ext>
+    </p:extLst>
+  </p:cSld>
+  <p:clrMapOvr>
+    <a:masterClrMapping/>
+  </p:clrMapOvr>
+  <mc:AlternateContent xmlns:mc="http://schemas.openxmlformats.org/markup-compatibility/2006" xmlns:p14="http://schemas.microsoft.com/office/powerpoint/2010/main">
+    <mc:Choice Requires="p14">
+      <p:transition spd="slow" p14:dur="2000"/>
+    </mc:Choice>
+    <mc:Fallback xmlns="">
+      <p:transition spd="slow"/>
+    </mc:Fallback>
+  </mc:AlternateContent>
+  <p:timing>
+    <p:tnLst>
+      <p:par>
+        <p:cTn id="1" dur="indefinite" restart="never" nodeType="tmRoot"/>
+      </p:par>
+    </p:tnLst>
+  </p:timing>
+</p:sld>
+</file>
+
+<file path=ppt/slides/slide19.xml><?xml version="1.0" encoding="utf-8"?>
 <p:sld xmlns:a="http://schemas.openxmlformats.org/drawingml/2006/main" xmlns:r="http://schemas.openxmlformats.org/officeDocument/2006/relationships" xmlns:p="http://schemas.openxmlformats.org/presentationml/2006/main">
   <p:cSld>
     <p:spTree>
@@ -5420,7 +7237,137 @@
 </p:sld>
 </file>
 
-<file path=ppt/slides/slide12.xml><?xml version="1.0" encoding="utf-8"?>
+<file path=ppt/slides/slide2.xml><?xml version="1.0" encoding="utf-8"?>
+<p:sld xmlns:a="http://schemas.openxmlformats.org/drawingml/2006/main" xmlns:r="http://schemas.openxmlformats.org/officeDocument/2006/relationships" xmlns:p="http://schemas.openxmlformats.org/presentationml/2006/main">
+  <p:cSld>
+    <p:spTree>
+      <p:nvGrpSpPr>
+        <p:cNvPr id="1" name=""/>
+        <p:cNvGrpSpPr/>
+        <p:nvPr/>
+      </p:nvGrpSpPr>
+      <p:grpSpPr>
+        <a:xfrm>
+          <a:off x="0" y="0"/>
+          <a:ext cx="0" cy="0"/>
+          <a:chOff x="0" y="0"/>
+          <a:chExt cx="0" cy="0"/>
+        </a:xfrm>
+      </p:grpSpPr>
+      <p:sp>
+        <p:nvSpPr>
+          <p:cNvPr id="2" name="Rectangle 1"/>
+          <p:cNvSpPr/>
+          <p:nvPr/>
+        </p:nvSpPr>
+        <p:spPr>
+          <a:xfrm>
+            <a:off x="0" y="0"/>
+            <a:ext cx="12192000" cy="6858000"/>
+          </a:xfrm>
+          <a:prstGeom prst="rect">
+            <a:avLst/>
+          </a:prstGeom>
+          <a:solidFill>
+            <a:schemeClr val="tx1">
+              <a:lumMod val="75000"/>
+              <a:lumOff val="25000"/>
+            </a:schemeClr>
+          </a:solidFill>
+        </p:spPr>
+        <p:style>
+          <a:lnRef idx="2">
+            <a:schemeClr val="accent1">
+              <a:shade val="50000"/>
+            </a:schemeClr>
+          </a:lnRef>
+          <a:fillRef idx="1">
+            <a:schemeClr val="accent1"/>
+          </a:fillRef>
+          <a:effectRef idx="0">
+            <a:schemeClr val="accent1"/>
+          </a:effectRef>
+          <a:fontRef idx="minor">
+            <a:schemeClr val="lt1"/>
+          </a:fontRef>
+        </p:style>
+        <p:txBody>
+          <a:bodyPr rtlCol="0" anchor="ctr"/>
+          <a:lstStyle/>
+          <a:p>
+            <a:pPr algn="ctr"/>
+            <a:endParaRPr lang="en-US"/>
+          </a:p>
+        </p:txBody>
+      </p:sp>
+      <p:sp>
+        <p:nvSpPr>
+          <p:cNvPr id="4" name="TextBox 3"/>
+          <p:cNvSpPr txBox="1"/>
+          <p:nvPr/>
+        </p:nvSpPr>
+        <p:spPr>
+          <a:xfrm>
+            <a:off x="2038905" y="1582824"/>
+            <a:ext cx="8114190" cy="2800767"/>
+          </a:xfrm>
+          <a:prstGeom prst="rect">
+            <a:avLst/>
+          </a:prstGeom>
+          <a:noFill/>
+        </p:spPr>
+        <p:txBody>
+          <a:bodyPr wrap="square" rtlCol="0">
+            <a:spAutoFit/>
+          </a:bodyPr>
+          <a:lstStyle/>
+          <a:p>
+            <a:pPr algn="ctr"/>
+            <a:r>
+              <a:rPr lang="en-US" sz="8800" dirty="0" smtClean="0">
+                <a:solidFill>
+                  <a:schemeClr val="bg1"/>
+                </a:solidFill>
+              </a:rPr>
+              <a:t>Data and Code Availability Policy</a:t>
+            </a:r>
+            <a:endParaRPr lang="en-US" dirty="0">
+              <a:solidFill>
+                <a:schemeClr val="bg1"/>
+              </a:solidFill>
+            </a:endParaRPr>
+          </a:p>
+        </p:txBody>
+      </p:sp>
+    </p:spTree>
+    <p:extLst>
+      <p:ext uri="{BB962C8B-B14F-4D97-AF65-F5344CB8AC3E}">
+        <p14:creationId xmlns:p14="http://schemas.microsoft.com/office/powerpoint/2010/main" val="3663536980"/>
+      </p:ext>
+    </p:extLst>
+  </p:cSld>
+  <p:clrMapOvr>
+    <a:masterClrMapping/>
+  </p:clrMapOvr>
+  <mc:AlternateContent xmlns:mc="http://schemas.openxmlformats.org/markup-compatibility/2006" xmlns:p14="http://schemas.microsoft.com/office/powerpoint/2010/main">
+    <mc:Choice Requires="p14">
+      <p:transition spd="slow" p14:dur="2000"/>
+    </mc:Choice>
+    <mc:Fallback xmlns="">
+      <p:transition spd="slow"/>
+    </mc:Fallback>
+  </mc:AlternateContent>
+  <p:timing>
+    <p:tnLst>
+      <p:par>
+        <p:cTn id="1" dur="indefinite" restart="never" nodeType="tmRoot"/>
+      </p:par>
+    </p:tnLst>
+  </p:timing>
+</p:sld>
+</file>
+
+<file path=ppt/slides/slide20.xml><?xml version="1.0" encoding="utf-8"?>
 <p:sld xmlns:a="http://schemas.openxmlformats.org/drawingml/2006/main" xmlns:r="http://schemas.openxmlformats.org/officeDocument/2006/relationships" xmlns:p="http://schemas.openxmlformats.org/presentationml/2006/main">
   <p:cSld>
     <p:spTree>
@@ -5860,7 +7807,7 @@
 </p:sld>
 </file>
 
-<file path=ppt/slides/slide13.xml><?xml version="1.0" encoding="utf-8"?>
+<file path=ppt/slides/slide21.xml><?xml version="1.0" encoding="utf-8"?>
 <p:sld xmlns:a="http://schemas.openxmlformats.org/drawingml/2006/main" xmlns:r="http://schemas.openxmlformats.org/officeDocument/2006/relationships" xmlns:p="http://schemas.openxmlformats.org/presentationml/2006/main">
   <p:cSld>
     <p:spTree>
@@ -6222,10 +8169,17 @@
   <p:clrMapOvr>
     <a:masterClrMapping/>
   </p:clrMapOvr>
+  <p:timing>
+    <p:tnLst>
+      <p:par>
+        <p:cTn id="1" dur="indefinite" restart="never" nodeType="tmRoot"/>
+      </p:par>
+    </p:tnLst>
+  </p:timing>
 </p:sld>
 </file>
 
-<file path=ppt/slides/slide14.xml><?xml version="1.0" encoding="utf-8"?>
+<file path=ppt/slides/slide22.xml><?xml version="1.0" encoding="utf-8"?>
 <p:sld xmlns:a="http://schemas.openxmlformats.org/drawingml/2006/main" xmlns:r="http://schemas.openxmlformats.org/officeDocument/2006/relationships" xmlns:p="http://schemas.openxmlformats.org/presentationml/2006/main">
   <p:cSld>
     <p:spTree>
@@ -6576,10 +8530,108 @@
   <p:clrMapOvr>
     <a:masterClrMapping/>
   </p:clrMapOvr>
+  <p:timing>
+    <p:tnLst>
+      <p:par>
+        <p:cTn id="1" dur="indefinite" restart="never" nodeType="tmRoot"/>
+      </p:par>
+    </p:tnLst>
+  </p:timing>
 </p:sld>
 </file>
 
-<file path=ppt/slides/slide15.xml><?xml version="1.0" encoding="utf-8"?>
+<file path=ppt/slides/slide23.xml><?xml version="1.0" encoding="utf-8"?>
+<p:sld xmlns:a="http://schemas.openxmlformats.org/drawingml/2006/main" xmlns:r="http://schemas.openxmlformats.org/officeDocument/2006/relationships" xmlns:p="http://schemas.openxmlformats.org/presentationml/2006/main">
+  <p:cSld>
+    <p:spTree>
+      <p:nvGrpSpPr>
+        <p:cNvPr id="1" name=""/>
+        <p:cNvGrpSpPr/>
+        <p:nvPr/>
+      </p:nvGrpSpPr>
+      <p:grpSpPr>
+        <a:xfrm>
+          <a:off x="0" y="0"/>
+          <a:ext cx="0" cy="0"/>
+          <a:chOff x="0" y="0"/>
+          <a:chExt cx="0" cy="0"/>
+        </a:xfrm>
+      </p:grpSpPr>
+      <p:sp>
+        <p:nvSpPr>
+          <p:cNvPr id="2" name="Rectangle 1"/>
+          <p:cNvSpPr/>
+          <p:nvPr/>
+        </p:nvSpPr>
+        <p:spPr>
+          <a:xfrm>
+            <a:off x="0" y="0"/>
+            <a:ext cx="12192000" cy="6858000"/>
+          </a:xfrm>
+          <a:prstGeom prst="rect">
+            <a:avLst/>
+          </a:prstGeom>
+          <a:solidFill>
+            <a:schemeClr val="tx1">
+              <a:lumMod val="75000"/>
+              <a:lumOff val="25000"/>
+            </a:schemeClr>
+          </a:solidFill>
+        </p:spPr>
+        <p:style>
+          <a:lnRef idx="2">
+            <a:schemeClr val="accent1">
+              <a:shade val="50000"/>
+            </a:schemeClr>
+          </a:lnRef>
+          <a:fillRef idx="1">
+            <a:schemeClr val="accent1"/>
+          </a:fillRef>
+          <a:effectRef idx="0">
+            <a:schemeClr val="accent1"/>
+          </a:effectRef>
+          <a:fontRef idx="minor">
+            <a:schemeClr val="lt1"/>
+          </a:fontRef>
+        </p:style>
+        <p:txBody>
+          <a:bodyPr rtlCol="0" anchor="ctr"/>
+          <a:lstStyle/>
+          <a:p>
+            <a:pPr algn="ctr"/>
+            <a:endParaRPr lang="en-US"/>
+          </a:p>
+        </p:txBody>
+      </p:sp>
+    </p:spTree>
+    <p:extLst>
+      <p:ext uri="{BB962C8B-B14F-4D97-AF65-F5344CB8AC3E}">
+        <p14:creationId xmlns:p14="http://schemas.microsoft.com/office/powerpoint/2010/main" val="1880014196"/>
+      </p:ext>
+    </p:extLst>
+  </p:cSld>
+  <p:clrMapOvr>
+    <a:masterClrMapping/>
+  </p:clrMapOvr>
+  <mc:AlternateContent xmlns:mc="http://schemas.openxmlformats.org/markup-compatibility/2006" xmlns:p14="http://schemas.microsoft.com/office/powerpoint/2010/main">
+    <mc:Choice Requires="p14">
+      <p:transition spd="slow" p14:dur="2000"/>
+    </mc:Choice>
+    <mc:Fallback xmlns="">
+      <p:transition spd="slow"/>
+    </mc:Fallback>
+  </mc:AlternateContent>
+  <p:timing>
+    <p:tnLst>
+      <p:par>
+        <p:cTn id="1" dur="indefinite" restart="never" nodeType="tmRoot"/>
+      </p:par>
+    </p:tnLst>
+  </p:timing>
+</p:sld>
+</file>
+
+<file path=ppt/slides/slide24.xml><?xml version="1.0" encoding="utf-8"?>
 <p:sld xmlns:a="http://schemas.openxmlformats.org/drawingml/2006/main" xmlns:r="http://schemas.openxmlformats.org/officeDocument/2006/relationships" xmlns:p="http://schemas.openxmlformats.org/presentationml/2006/main">
   <p:cSld>
     <p:spTree>
@@ -6695,7 +8747,7 @@
 </p:sld>
 </file>
 
-<file path=ppt/slides/slide16.xml><?xml version="1.0" encoding="utf-8"?>
+<file path=ppt/slides/slide25.xml><?xml version="1.0" encoding="utf-8"?>
 <p:sld xmlns:a="http://schemas.openxmlformats.org/drawingml/2006/main" xmlns:r="http://schemas.openxmlformats.org/officeDocument/2006/relationships" xmlns:p="http://schemas.openxmlformats.org/presentationml/2006/main">
   <p:cSld>
     <p:spTree>
@@ -6811,7 +8863,7 @@
 </p:sld>
 </file>
 
-<file path=ppt/slides/slide17.xml><?xml version="1.0" encoding="utf-8"?>
+<file path=ppt/slides/slide26.xml><?xml version="1.0" encoding="utf-8"?>
 <p:sld xmlns:a="http://schemas.openxmlformats.org/drawingml/2006/main" xmlns:r="http://schemas.openxmlformats.org/officeDocument/2006/relationships" xmlns:p="http://schemas.openxmlformats.org/presentationml/2006/main">
   <p:cSld>
     <p:spTree>
@@ -6932,7 +8984,7 @@
 </p:sld>
 </file>
 
-<file path=ppt/slides/slide18.xml><?xml version="1.0" encoding="utf-8"?>
+<file path=ppt/slides/slide27.xml><?xml version="1.0" encoding="utf-8"?>
 <p:sld xmlns:a="http://schemas.openxmlformats.org/drawingml/2006/main" xmlns:r="http://schemas.openxmlformats.org/officeDocument/2006/relationships" xmlns:p="http://schemas.openxmlformats.org/presentationml/2006/main">
   <p:cSld>
     <p:spTree>
@@ -7062,7 +9114,7 @@
 </p:sld>
 </file>
 
-<file path=ppt/slides/slide19.xml><?xml version="1.0" encoding="utf-8"?>
+<file path=ppt/slides/slide28.xml><?xml version="1.0" encoding="utf-8"?>
 <p:sld xmlns:a="http://schemas.openxmlformats.org/drawingml/2006/main" xmlns:r="http://schemas.openxmlformats.org/officeDocument/2006/relationships" xmlns:p="http://schemas.openxmlformats.org/presentationml/2006/main">
   <p:cSld>
     <p:spTree>
@@ -7287,169 +9339,7 @@
 </p:sld>
 </file>
 
-<file path=ppt/slides/slide2.xml><?xml version="1.0" encoding="utf-8"?>
-<p:sld xmlns:a="http://schemas.openxmlformats.org/drawingml/2006/main" xmlns:r="http://schemas.openxmlformats.org/officeDocument/2006/relationships" xmlns:p="http://schemas.openxmlformats.org/presentationml/2006/main">
-  <p:cSld>
-    <p:spTree>
-      <p:nvGrpSpPr>
-        <p:cNvPr id="1" name=""/>
-        <p:cNvGrpSpPr/>
-        <p:nvPr/>
-      </p:nvGrpSpPr>
-      <p:grpSpPr>
-        <a:xfrm>
-          <a:off x="0" y="0"/>
-          <a:ext cx="0" cy="0"/>
-          <a:chOff x="0" y="0"/>
-          <a:chExt cx="0" cy="0"/>
-        </a:xfrm>
-      </p:grpSpPr>
-      <p:sp>
-        <p:nvSpPr>
-          <p:cNvPr id="2" name="Rectangle 1"/>
-          <p:cNvSpPr/>
-          <p:nvPr/>
-        </p:nvSpPr>
-        <p:spPr>
-          <a:xfrm>
-            <a:off x="0" y="0"/>
-            <a:ext cx="12192000" cy="6858000"/>
-          </a:xfrm>
-          <a:prstGeom prst="rect">
-            <a:avLst/>
-          </a:prstGeom>
-          <a:solidFill>
-            <a:schemeClr val="tx1">
-              <a:lumMod val="75000"/>
-              <a:lumOff val="25000"/>
-            </a:schemeClr>
-          </a:solidFill>
-        </p:spPr>
-        <p:style>
-          <a:lnRef idx="2">
-            <a:schemeClr val="accent1">
-              <a:shade val="50000"/>
-            </a:schemeClr>
-          </a:lnRef>
-          <a:fillRef idx="1">
-            <a:schemeClr val="accent1"/>
-          </a:fillRef>
-          <a:effectRef idx="0">
-            <a:schemeClr val="accent1"/>
-          </a:effectRef>
-          <a:fontRef idx="minor">
-            <a:schemeClr val="lt1"/>
-          </a:fontRef>
-        </p:style>
-        <p:txBody>
-          <a:bodyPr rtlCol="0" anchor="ctr"/>
-          <a:lstStyle/>
-          <a:p>
-            <a:pPr algn="ctr"/>
-            <a:endParaRPr lang="en-US"/>
-          </a:p>
-        </p:txBody>
-      </p:sp>
-      <p:sp>
-        <p:nvSpPr>
-          <p:cNvPr id="4" name="TextBox 3"/>
-          <p:cNvSpPr txBox="1"/>
-          <p:nvPr/>
-        </p:nvSpPr>
-        <p:spPr>
-          <a:xfrm>
-            <a:off x="2038905" y="1582824"/>
-            <a:ext cx="8114190" cy="369332"/>
-          </a:xfrm>
-          <a:prstGeom prst="rect">
-            <a:avLst/>
-          </a:prstGeom>
-          <a:noFill/>
-        </p:spPr>
-        <p:txBody>
-          <a:bodyPr wrap="square" rtlCol="0">
-            <a:spAutoFit/>
-          </a:bodyPr>
-          <a:lstStyle/>
-          <a:p>
-            <a:pPr algn="ctr"/>
-            <a:endParaRPr lang="en-US" dirty="0">
-              <a:solidFill>
-                <a:schemeClr val="bg1"/>
-              </a:solidFill>
-            </a:endParaRPr>
-          </a:p>
-        </p:txBody>
-      </p:sp>
-      <p:pic>
-        <p:nvPicPr>
-          <p:cNvPr id="3" name="Picture 2"/>
-          <p:cNvPicPr>
-            <a:picLocks noChangeAspect="1"/>
-          </p:cNvPicPr>
-          <p:nvPr/>
-        </p:nvPicPr>
-        <p:blipFill>
-          <a:blip r:embed="rId2"/>
-          <a:stretch>
-            <a:fillRect/>
-          </a:stretch>
-        </p:blipFill>
-        <p:spPr>
-          <a:xfrm>
-            <a:off x="3679322" y="338816"/>
-            <a:ext cx="4552950" cy="1809750"/>
-          </a:xfrm>
-          <a:prstGeom prst="rect">
-            <a:avLst/>
-          </a:prstGeom>
-        </p:spPr>
-      </p:pic>
-      <p:pic>
-        <p:nvPicPr>
-          <p:cNvPr id="6" name="Picture 5"/>
-          <p:cNvPicPr>
-            <a:picLocks noChangeAspect="1"/>
-          </p:cNvPicPr>
-          <p:nvPr/>
-        </p:nvPicPr>
-        <p:blipFill>
-          <a:blip r:embed="rId3"/>
-          <a:stretch>
-            <a:fillRect/>
-          </a:stretch>
-        </p:blipFill>
-        <p:spPr>
-          <a:xfrm>
-            <a:off x="4147816" y="2344976"/>
-            <a:ext cx="3615963" cy="4120203"/>
-          </a:xfrm>
-          <a:prstGeom prst="rect">
-            <a:avLst/>
-          </a:prstGeom>
-        </p:spPr>
-      </p:pic>
-    </p:spTree>
-    <p:extLst>
-      <p:ext uri="{BB962C8B-B14F-4D97-AF65-F5344CB8AC3E}">
-        <p14:creationId xmlns:p14="http://schemas.microsoft.com/office/powerpoint/2010/main" val="1265229303"/>
-      </p:ext>
-    </p:extLst>
-  </p:cSld>
-  <p:clrMapOvr>
-    <a:masterClrMapping/>
-  </p:clrMapOvr>
-  <p:timing>
-    <p:tnLst>
-      <p:par>
-        <p:cTn id="1" dur="indefinite" restart="never" nodeType="tmRoot"/>
-      </p:par>
-    </p:tnLst>
-  </p:timing>
-</p:sld>
-</file>
-
-<file path=ppt/slides/slide20.xml><?xml version="1.0" encoding="utf-8"?>
+<file path=ppt/slides/slide29.xml><?xml version="1.0" encoding="utf-8"?>
 <p:sld xmlns:a="http://schemas.openxmlformats.org/drawingml/2006/main" xmlns:r="http://schemas.openxmlformats.org/officeDocument/2006/relationships" xmlns:p="http://schemas.openxmlformats.org/presentationml/2006/main">
   <p:cSld>
     <p:spTree>
@@ -7770,7 +9660,169 @@
 </p:sld>
 </file>
 
-<file path=ppt/slides/slide21.xml><?xml version="1.0" encoding="utf-8"?>
+<file path=ppt/slides/slide3.xml><?xml version="1.0" encoding="utf-8"?>
+<p:sld xmlns:a="http://schemas.openxmlformats.org/drawingml/2006/main" xmlns:r="http://schemas.openxmlformats.org/officeDocument/2006/relationships" xmlns:p="http://schemas.openxmlformats.org/presentationml/2006/main">
+  <p:cSld>
+    <p:spTree>
+      <p:nvGrpSpPr>
+        <p:cNvPr id="1" name=""/>
+        <p:cNvGrpSpPr/>
+        <p:nvPr/>
+      </p:nvGrpSpPr>
+      <p:grpSpPr>
+        <a:xfrm>
+          <a:off x="0" y="0"/>
+          <a:ext cx="0" cy="0"/>
+          <a:chOff x="0" y="0"/>
+          <a:chExt cx="0" cy="0"/>
+        </a:xfrm>
+      </p:grpSpPr>
+      <p:sp>
+        <p:nvSpPr>
+          <p:cNvPr id="2" name="Rectangle 1"/>
+          <p:cNvSpPr/>
+          <p:nvPr/>
+        </p:nvSpPr>
+        <p:spPr>
+          <a:xfrm>
+            <a:off x="0" y="0"/>
+            <a:ext cx="12192000" cy="6858000"/>
+          </a:xfrm>
+          <a:prstGeom prst="rect">
+            <a:avLst/>
+          </a:prstGeom>
+          <a:solidFill>
+            <a:schemeClr val="tx1">
+              <a:lumMod val="75000"/>
+              <a:lumOff val="25000"/>
+            </a:schemeClr>
+          </a:solidFill>
+        </p:spPr>
+        <p:style>
+          <a:lnRef idx="2">
+            <a:schemeClr val="accent1">
+              <a:shade val="50000"/>
+            </a:schemeClr>
+          </a:lnRef>
+          <a:fillRef idx="1">
+            <a:schemeClr val="accent1"/>
+          </a:fillRef>
+          <a:effectRef idx="0">
+            <a:schemeClr val="accent1"/>
+          </a:effectRef>
+          <a:fontRef idx="minor">
+            <a:schemeClr val="lt1"/>
+          </a:fontRef>
+        </p:style>
+        <p:txBody>
+          <a:bodyPr rtlCol="0" anchor="ctr"/>
+          <a:lstStyle/>
+          <a:p>
+            <a:pPr algn="ctr"/>
+            <a:endParaRPr lang="en-US"/>
+          </a:p>
+        </p:txBody>
+      </p:sp>
+      <p:sp>
+        <p:nvSpPr>
+          <p:cNvPr id="4" name="TextBox 3"/>
+          <p:cNvSpPr txBox="1"/>
+          <p:nvPr/>
+        </p:nvSpPr>
+        <p:spPr>
+          <a:xfrm>
+            <a:off x="2038905" y="1582824"/>
+            <a:ext cx="8114190" cy="369332"/>
+          </a:xfrm>
+          <a:prstGeom prst="rect">
+            <a:avLst/>
+          </a:prstGeom>
+          <a:noFill/>
+        </p:spPr>
+        <p:txBody>
+          <a:bodyPr wrap="square" rtlCol="0">
+            <a:spAutoFit/>
+          </a:bodyPr>
+          <a:lstStyle/>
+          <a:p>
+            <a:pPr algn="ctr"/>
+            <a:endParaRPr lang="en-US" dirty="0">
+              <a:solidFill>
+                <a:schemeClr val="bg1"/>
+              </a:solidFill>
+            </a:endParaRPr>
+          </a:p>
+        </p:txBody>
+      </p:sp>
+      <p:pic>
+        <p:nvPicPr>
+          <p:cNvPr id="3" name="Picture 2"/>
+          <p:cNvPicPr>
+            <a:picLocks noChangeAspect="1"/>
+          </p:cNvPicPr>
+          <p:nvPr/>
+        </p:nvPicPr>
+        <p:blipFill>
+          <a:blip r:embed="rId2"/>
+          <a:stretch>
+            <a:fillRect/>
+          </a:stretch>
+        </p:blipFill>
+        <p:spPr>
+          <a:xfrm>
+            <a:off x="3679322" y="338816"/>
+            <a:ext cx="4552950" cy="1809750"/>
+          </a:xfrm>
+          <a:prstGeom prst="rect">
+            <a:avLst/>
+          </a:prstGeom>
+        </p:spPr>
+      </p:pic>
+      <p:pic>
+        <p:nvPicPr>
+          <p:cNvPr id="6" name="Picture 5"/>
+          <p:cNvPicPr>
+            <a:picLocks noChangeAspect="1"/>
+          </p:cNvPicPr>
+          <p:nvPr/>
+        </p:nvPicPr>
+        <p:blipFill>
+          <a:blip r:embed="rId3"/>
+          <a:stretch>
+            <a:fillRect/>
+          </a:stretch>
+        </p:blipFill>
+        <p:spPr>
+          <a:xfrm>
+            <a:off x="4147816" y="2344976"/>
+            <a:ext cx="3615963" cy="4120203"/>
+          </a:xfrm>
+          <a:prstGeom prst="rect">
+            <a:avLst/>
+          </a:prstGeom>
+        </p:spPr>
+      </p:pic>
+    </p:spTree>
+    <p:extLst>
+      <p:ext uri="{BB962C8B-B14F-4D97-AF65-F5344CB8AC3E}">
+        <p14:creationId xmlns:p14="http://schemas.microsoft.com/office/powerpoint/2010/main" val="1265229303"/>
+      </p:ext>
+    </p:extLst>
+  </p:cSld>
+  <p:clrMapOvr>
+    <a:masterClrMapping/>
+  </p:clrMapOvr>
+  <p:timing>
+    <p:tnLst>
+      <p:par>
+        <p:cTn id="1" dur="indefinite" restart="never" nodeType="tmRoot"/>
+      </p:par>
+    </p:tnLst>
+  </p:timing>
+</p:sld>
+</file>
+
+<file path=ppt/slides/slide30.xml><?xml version="1.0" encoding="utf-8"?>
 <p:sld xmlns:a="http://schemas.openxmlformats.org/drawingml/2006/main" xmlns:r="http://schemas.openxmlformats.org/officeDocument/2006/relationships" xmlns:p="http://schemas.openxmlformats.org/presentationml/2006/main">
   <p:cSld>
     <p:spTree>
@@ -7849,7 +9901,7 @@
 </p:sld>
 </file>
 
-<file path=ppt/slides/slide22.xml><?xml version="1.0" encoding="utf-8"?>
+<file path=ppt/slides/slide31.xml><?xml version="1.0" encoding="utf-8"?>
 <p:sld xmlns:a="http://schemas.openxmlformats.org/drawingml/2006/main" xmlns:r="http://schemas.openxmlformats.org/officeDocument/2006/relationships" xmlns:p="http://schemas.openxmlformats.org/presentationml/2006/main">
   <p:cSld>
     <p:spTree>
@@ -8254,7 +10306,7 @@
 </p:sld>
 </file>
 
-<file path=ppt/slides/slide23.xml><?xml version="1.0" encoding="utf-8"?>
+<file path=ppt/slides/slide32.xml><?xml version="1.0" encoding="utf-8"?>
 <p:sld xmlns:a="http://schemas.openxmlformats.org/drawingml/2006/main" xmlns:r="http://schemas.openxmlformats.org/officeDocument/2006/relationships" xmlns:p="http://schemas.openxmlformats.org/presentationml/2006/main">
   <p:cSld>
     <p:spTree>
@@ -8426,7 +10478,7 @@
 </p:sld>
 </file>
 
-<file path=ppt/slides/slide24.xml><?xml version="1.0" encoding="utf-8"?>
+<file path=ppt/slides/slide33.xml><?xml version="1.0" encoding="utf-8"?>
 <p:sld xmlns:a="http://schemas.openxmlformats.org/drawingml/2006/main" xmlns:r="http://schemas.openxmlformats.org/officeDocument/2006/relationships" xmlns:p="http://schemas.openxmlformats.org/presentationml/2006/main">
   <p:cSld>
     <p:spTree>
@@ -8519,7 +10571,7 @@
 </p:sld>
 </file>
 
-<file path=ppt/slides/slide25.xml><?xml version="1.0" encoding="utf-8"?>
+<file path=ppt/slides/slide34.xml><?xml version="1.0" encoding="utf-8"?>
 <p:sld xmlns:a="http://schemas.openxmlformats.org/drawingml/2006/main" xmlns:r="http://schemas.openxmlformats.org/officeDocument/2006/relationships" xmlns:p="http://schemas.openxmlformats.org/presentationml/2006/main">
   <p:cSld>
     <p:spTree>
@@ -8810,7 +10862,7 @@
 </p:sld>
 </file>
 
-<file path=ppt/slides/slide26.xml><?xml version="1.0" encoding="utf-8"?>
+<file path=ppt/slides/slide35.xml><?xml version="1.0" encoding="utf-8"?>
 <p:sld xmlns:a="http://schemas.openxmlformats.org/drawingml/2006/main" xmlns:r="http://schemas.openxmlformats.org/officeDocument/2006/relationships" xmlns:p="http://schemas.openxmlformats.org/presentationml/2006/main">
   <p:cSld>
     <p:spTree>
@@ -9121,7 +11173,7 @@
 </p:sld>
 </file>
 
-<file path=ppt/slides/slide27.xml><?xml version="1.0" encoding="utf-8"?>
+<file path=ppt/slides/slide36.xml><?xml version="1.0" encoding="utf-8"?>
 <p:sld xmlns:a="http://schemas.openxmlformats.org/drawingml/2006/main" xmlns:r="http://schemas.openxmlformats.org/officeDocument/2006/relationships" xmlns:p="http://schemas.openxmlformats.org/presentationml/2006/main">
   <p:cSld>
     <p:spTree>
@@ -9434,7 +11486,7 @@
 </p:sld>
 </file>
 
-<file path=ppt/slides/slide28.xml><?xml version="1.0" encoding="utf-8"?>
+<file path=ppt/slides/slide37.xml><?xml version="1.0" encoding="utf-8"?>
 <p:sld xmlns:a="http://schemas.openxmlformats.org/drawingml/2006/main" xmlns:r="http://schemas.openxmlformats.org/officeDocument/2006/relationships" xmlns:p="http://schemas.openxmlformats.org/presentationml/2006/main">
   <p:cSld>
     <p:spTree>
@@ -9564,7 +11616,7 @@
 </p:sld>
 </file>
 
-<file path=ppt/slides/slide29.xml><?xml version="1.0" encoding="utf-8"?>
+<file path=ppt/slides/slide38.xml><?xml version="1.0" encoding="utf-8"?>
 <p:sld xmlns:a="http://schemas.openxmlformats.org/drawingml/2006/main" xmlns:r="http://schemas.openxmlformats.org/officeDocument/2006/relationships" xmlns:p="http://schemas.openxmlformats.org/presentationml/2006/main">
   <p:cSld>
     <p:spTree>
@@ -9853,401 +11905,7 @@
 </p:sld>
 </file>
 
-<file path=ppt/slides/slide3.xml><?xml version="1.0" encoding="utf-8"?>
-<p:sld xmlns:a="http://schemas.openxmlformats.org/drawingml/2006/main" xmlns:r="http://schemas.openxmlformats.org/officeDocument/2006/relationships" xmlns:p="http://schemas.openxmlformats.org/presentationml/2006/main">
-  <p:cSld>
-    <p:spTree>
-      <p:nvGrpSpPr>
-        <p:cNvPr id="1" name=""/>
-        <p:cNvGrpSpPr/>
-        <p:nvPr/>
-      </p:nvGrpSpPr>
-      <p:grpSpPr>
-        <a:xfrm>
-          <a:off x="0" y="0"/>
-          <a:ext cx="0" cy="0"/>
-          <a:chOff x="0" y="0"/>
-          <a:chExt cx="0" cy="0"/>
-        </a:xfrm>
-      </p:grpSpPr>
-      <p:sp>
-        <p:nvSpPr>
-          <p:cNvPr id="6" name="Rectangle 5"/>
-          <p:cNvSpPr/>
-          <p:nvPr/>
-        </p:nvSpPr>
-        <p:spPr>
-          <a:xfrm>
-            <a:off x="7889965" y="3802931"/>
-            <a:ext cx="2203268" cy="517439"/>
-          </a:xfrm>
-          <a:prstGeom prst="rect">
-            <a:avLst/>
-          </a:prstGeom>
-          <a:solidFill>
-            <a:srgbClr val="FFFF00">
-              <a:alpha val="59000"/>
-            </a:srgbClr>
-          </a:solidFill>
-          <a:ln>
-            <a:noFill/>
-          </a:ln>
-        </p:spPr>
-        <p:style>
-          <a:lnRef idx="2">
-            <a:schemeClr val="accent1">
-              <a:shade val="50000"/>
-            </a:schemeClr>
-          </a:lnRef>
-          <a:fillRef idx="1">
-            <a:schemeClr val="accent1"/>
-          </a:fillRef>
-          <a:effectRef idx="0">
-            <a:schemeClr val="accent1"/>
-          </a:effectRef>
-          <a:fontRef idx="minor">
-            <a:schemeClr val="lt1"/>
-          </a:fontRef>
-        </p:style>
-        <p:txBody>
-          <a:bodyPr rtlCol="0" anchor="ctr"/>
-          <a:lstStyle/>
-          <a:p>
-            <a:pPr algn="ctr"/>
-            <a:endParaRPr lang="en-US"/>
-          </a:p>
-        </p:txBody>
-      </p:sp>
-      <p:sp>
-        <p:nvSpPr>
-          <p:cNvPr id="5" name="Rectangle 4"/>
-          <p:cNvSpPr/>
-          <p:nvPr/>
-        </p:nvSpPr>
-        <p:spPr>
-          <a:xfrm>
-            <a:off x="1010193" y="2954064"/>
-            <a:ext cx="7241177" cy="385433"/>
-          </a:xfrm>
-          <a:prstGeom prst="rect">
-            <a:avLst/>
-          </a:prstGeom>
-          <a:solidFill>
-            <a:srgbClr val="FFFF00">
-              <a:alpha val="59000"/>
-            </a:srgbClr>
-          </a:solidFill>
-          <a:ln>
-            <a:noFill/>
-          </a:ln>
-        </p:spPr>
-        <p:style>
-          <a:lnRef idx="2">
-            <a:schemeClr val="accent1">
-              <a:shade val="50000"/>
-            </a:schemeClr>
-          </a:lnRef>
-          <a:fillRef idx="1">
-            <a:schemeClr val="accent1"/>
-          </a:fillRef>
-          <a:effectRef idx="0">
-            <a:schemeClr val="accent1"/>
-          </a:effectRef>
-          <a:fontRef idx="minor">
-            <a:schemeClr val="lt1"/>
-          </a:fontRef>
-        </p:style>
-        <p:txBody>
-          <a:bodyPr rtlCol="0" anchor="ctr"/>
-          <a:lstStyle/>
-          <a:p>
-            <a:pPr algn="ctr"/>
-            <a:endParaRPr lang="en-US"/>
-          </a:p>
-        </p:txBody>
-      </p:sp>
-      <p:sp>
-        <p:nvSpPr>
-          <p:cNvPr id="4" name="Rectangle 3"/>
-          <p:cNvSpPr/>
-          <p:nvPr/>
-        </p:nvSpPr>
-        <p:spPr>
-          <a:xfrm>
-            <a:off x="3794760" y="2681203"/>
-            <a:ext cx="7543800" cy="386862"/>
-          </a:xfrm>
-          <a:prstGeom prst="rect">
-            <a:avLst/>
-          </a:prstGeom>
-          <a:solidFill>
-            <a:srgbClr val="FFFF00">
-              <a:alpha val="59000"/>
-            </a:srgbClr>
-          </a:solidFill>
-          <a:ln>
-            <a:noFill/>
-          </a:ln>
-        </p:spPr>
-        <p:style>
-          <a:lnRef idx="2">
-            <a:schemeClr val="accent1">
-              <a:shade val="50000"/>
-            </a:schemeClr>
-          </a:lnRef>
-          <a:fillRef idx="1">
-            <a:schemeClr val="accent1"/>
-          </a:fillRef>
-          <a:effectRef idx="0">
-            <a:schemeClr val="accent1"/>
-          </a:effectRef>
-          <a:fontRef idx="minor">
-            <a:schemeClr val="lt1"/>
-          </a:fontRef>
-        </p:style>
-        <p:txBody>
-          <a:bodyPr rtlCol="0" anchor="ctr"/>
-          <a:lstStyle/>
-          <a:p>
-            <a:pPr algn="ctr"/>
-            <a:endParaRPr lang="en-US"/>
-          </a:p>
-        </p:txBody>
-      </p:sp>
-      <p:sp>
-        <p:nvSpPr>
-          <p:cNvPr id="2" name="Title 1"/>
-          <p:cNvSpPr>
-            <a:spLocks noGrp="1"/>
-          </p:cNvSpPr>
-          <p:nvPr>
-            <p:ph type="title"/>
-          </p:nvPr>
-        </p:nvSpPr>
-        <p:spPr/>
-        <p:txBody>
-          <a:bodyPr/>
-          <a:lstStyle/>
-          <a:p>
-            <a:r>
-              <a:rPr lang="en-US" dirty="0"/>
-              <a:t>AEA Data &amp; Code Availability Policy (2019)</a:t>
-            </a:r>
-          </a:p>
-        </p:txBody>
-      </p:sp>
-      <p:sp>
-        <p:nvSpPr>
-          <p:cNvPr id="7" name="Rectangle 6"/>
-          <p:cNvSpPr/>
-          <p:nvPr/>
-        </p:nvSpPr>
-        <p:spPr>
-          <a:xfrm>
-            <a:off x="5686696" y="4857587"/>
-            <a:ext cx="5129349" cy="391079"/>
-          </a:xfrm>
-          <a:prstGeom prst="rect">
-            <a:avLst/>
-          </a:prstGeom>
-          <a:solidFill>
-            <a:srgbClr val="FFFF00">
-              <a:alpha val="59000"/>
-            </a:srgbClr>
-          </a:solidFill>
-          <a:ln>
-            <a:noFill/>
-          </a:ln>
-        </p:spPr>
-        <p:style>
-          <a:lnRef idx="2">
-            <a:schemeClr val="accent1">
-              <a:shade val="50000"/>
-            </a:schemeClr>
-          </a:lnRef>
-          <a:fillRef idx="1">
-            <a:schemeClr val="accent1"/>
-          </a:fillRef>
-          <a:effectRef idx="0">
-            <a:schemeClr val="accent1"/>
-          </a:effectRef>
-          <a:fontRef idx="minor">
-            <a:schemeClr val="lt1"/>
-          </a:fontRef>
-        </p:style>
-        <p:txBody>
-          <a:bodyPr rtlCol="0" anchor="ctr"/>
-          <a:lstStyle/>
-          <a:p>
-            <a:pPr algn="ctr"/>
-            <a:endParaRPr lang="en-US"/>
-          </a:p>
-        </p:txBody>
-      </p:sp>
-      <p:sp>
-        <p:nvSpPr>
-          <p:cNvPr id="3" name="Content Placeholder 2"/>
-          <p:cNvSpPr>
-            <a:spLocks noGrp="1"/>
-          </p:cNvSpPr>
-          <p:nvPr>
-            <p:ph idx="1"/>
-          </p:nvPr>
-        </p:nvSpPr>
-        <p:spPr/>
-        <p:txBody>
-          <a:bodyPr>
-            <a:normAutofit/>
-          </a:bodyPr>
-          <a:lstStyle/>
-          <a:p>
-            <a:pPr fontAlgn="base"/>
-            <a:r>
-              <a:rPr lang="en-US" dirty="0">
-                <a:solidFill>
-                  <a:schemeClr val="bg1">
-                    <a:lumMod val="75000"/>
-                  </a:schemeClr>
-                </a:solidFill>
-              </a:rPr>
-              <a:t>It is the policy of the American Economic Association to publish papers only if the data used in the analysis are </a:t>
-            </a:r>
-            <a:r>
-              <a:rPr lang="en-US" b="1" u="sng" dirty="0"/>
-              <a:t>clearly and precisely </a:t>
-            </a:r>
-            <a:r>
-              <a:rPr lang="en-US" dirty="0">
-                <a:solidFill>
-                  <a:schemeClr val="bg1">
-                    <a:lumMod val="75000"/>
-                  </a:schemeClr>
-                </a:solidFill>
-              </a:rPr>
-              <a:t>documented and </a:t>
-            </a:r>
-            <a:r>
-              <a:rPr lang="en-US" b="1" u="sng" dirty="0"/>
-              <a:t>access to the data and code is clearly and precisely documented and is non-exclusive to the authors.</a:t>
-            </a:r>
-          </a:p>
-          <a:p>
-            <a:pPr fontAlgn="base"/>
-            <a:r>
-              <a:rPr lang="en-US" dirty="0">
-                <a:solidFill>
-                  <a:schemeClr val="bg1">
-                    <a:lumMod val="75000"/>
-                  </a:schemeClr>
-                </a:solidFill>
-              </a:rPr>
-              <a:t>Authors of accepted papers that contain empirical work, simulations, or experimental work must </a:t>
-            </a:r>
-            <a:r>
-              <a:rPr lang="en-US" sz="3200" b="1" dirty="0">
-                <a:solidFill>
-                  <a:schemeClr val="accent2">
-                    <a:lumMod val="75000"/>
-                  </a:schemeClr>
-                </a:solidFill>
-              </a:rPr>
-              <a:t>provide</a:t>
-            </a:r>
-            <a:r>
-              <a:rPr lang="en-US" dirty="0">
-                <a:solidFill>
-                  <a:schemeClr val="bg1">
-                    <a:lumMod val="75000"/>
-                  </a:schemeClr>
-                </a:solidFill>
-              </a:rPr>
-              <a:t>, </a:t>
-            </a:r>
-            <a:r>
-              <a:rPr lang="en-US" sz="3200" b="1" dirty="0">
-                <a:solidFill>
-                  <a:schemeClr val="accent6">
-                    <a:lumMod val="75000"/>
-                  </a:schemeClr>
-                </a:solidFill>
-              </a:rPr>
-              <a:t>prior to acceptance</a:t>
-            </a:r>
-            <a:r>
-              <a:rPr lang="en-US" dirty="0">
-                <a:solidFill>
-                  <a:schemeClr val="bg1">
-                    <a:lumMod val="75000"/>
-                  </a:schemeClr>
-                </a:solidFill>
-              </a:rPr>
-              <a:t>, the data, programs, and other details of the computations </a:t>
-            </a:r>
-            <a:r>
-              <a:rPr lang="en-US" sz="3200" b="1" dirty="0">
-                <a:solidFill>
-                  <a:schemeClr val="accent4">
-                    <a:lumMod val="75000"/>
-                  </a:schemeClr>
-                </a:solidFill>
-              </a:rPr>
-              <a:t>sufficient to permit replication</a:t>
-            </a:r>
-            <a:r>
-              <a:rPr lang="en-US" dirty="0">
-                <a:solidFill>
-                  <a:schemeClr val="bg1">
-                    <a:lumMod val="75000"/>
-                  </a:schemeClr>
-                </a:solidFill>
-              </a:rPr>
-              <a:t>, as well as </a:t>
-            </a:r>
-            <a:r>
-              <a:rPr lang="en-US" b="1" dirty="0">
-                <a:solidFill>
-                  <a:schemeClr val="accent1">
-                    <a:lumMod val="75000"/>
-                  </a:schemeClr>
-                </a:solidFill>
-              </a:rPr>
-              <a:t>information about access to data and programs.</a:t>
-            </a:r>
-          </a:p>
-          <a:p>
-            <a:endParaRPr lang="en-US" dirty="0"/>
-          </a:p>
-        </p:txBody>
-      </p:sp>
-    </p:spTree>
-    <p:extLst>
-      <p:ext uri="{BB962C8B-B14F-4D97-AF65-F5344CB8AC3E}">
-        <p14:creationId xmlns:p14="http://schemas.microsoft.com/office/powerpoint/2010/main" val="4077485276"/>
-      </p:ext>
-    </p:extLst>
-  </p:cSld>
-  <p:clrMapOvr>
-    <a:masterClrMapping/>
-  </p:clrMapOvr>
-  <mc:AlternateContent xmlns:mc="http://schemas.openxmlformats.org/markup-compatibility/2006" xmlns:p14="http://schemas.microsoft.com/office/powerpoint/2010/main">
-    <mc:Choice Requires="p14">
-      <p:transition spd="slow" p14:dur="2000"/>
-    </mc:Choice>
-    <mc:Fallback xmlns="">
-      <p:transition spd="slow"/>
-    </mc:Fallback>
-  </mc:AlternateContent>
-  <p:timing>
-    <p:tnLst>
-      <p:par>
-        <p:cTn id="1" dur="indefinite" restart="never" nodeType="tmRoot"/>
-      </p:par>
-    </p:tnLst>
-  </p:timing>
-</p:sld>
-</file>
-
-<file path=ppt/slides/slide30.xml><?xml version="1.0" encoding="utf-8"?>
+<file path=ppt/slides/slide39.xml><?xml version="1.0" encoding="utf-8"?>
 <p:sld xmlns:a="http://schemas.openxmlformats.org/drawingml/2006/main" xmlns:r="http://schemas.openxmlformats.org/officeDocument/2006/relationships" xmlns:p="http://schemas.openxmlformats.org/presentationml/2006/main">
   <p:cSld>
     <p:spTree>
@@ -10706,7 +12364,444 @@
 </p:sld>
 </file>
 
-<file path=ppt/slides/slide31.xml><?xml version="1.0" encoding="utf-8"?>
+<file path=ppt/slides/slide4.xml><?xml version="1.0" encoding="utf-8"?>
+<p:sld xmlns:a="http://schemas.openxmlformats.org/drawingml/2006/main" xmlns:r="http://schemas.openxmlformats.org/officeDocument/2006/relationships" xmlns:p="http://schemas.openxmlformats.org/presentationml/2006/main">
+  <p:cSld>
+    <p:spTree>
+      <p:nvGrpSpPr>
+        <p:cNvPr id="1" name=""/>
+        <p:cNvGrpSpPr/>
+        <p:nvPr/>
+      </p:nvGrpSpPr>
+      <p:grpSpPr>
+        <a:xfrm>
+          <a:off x="0" y="0"/>
+          <a:ext cx="0" cy="0"/>
+          <a:chOff x="0" y="0"/>
+          <a:chExt cx="0" cy="0"/>
+        </a:xfrm>
+      </p:grpSpPr>
+      <p:sp>
+        <p:nvSpPr>
+          <p:cNvPr id="6" name="Rectangle 5"/>
+          <p:cNvSpPr/>
+          <p:nvPr/>
+        </p:nvSpPr>
+        <p:spPr>
+          <a:xfrm>
+            <a:off x="7889965" y="3802931"/>
+            <a:ext cx="2203268" cy="517439"/>
+          </a:xfrm>
+          <a:prstGeom prst="rect">
+            <a:avLst/>
+          </a:prstGeom>
+          <a:solidFill>
+            <a:srgbClr val="FFFF00">
+              <a:alpha val="59000"/>
+            </a:srgbClr>
+          </a:solidFill>
+          <a:ln>
+            <a:noFill/>
+          </a:ln>
+        </p:spPr>
+        <p:style>
+          <a:lnRef idx="2">
+            <a:schemeClr val="accent1">
+              <a:shade val="50000"/>
+            </a:schemeClr>
+          </a:lnRef>
+          <a:fillRef idx="1">
+            <a:schemeClr val="accent1"/>
+          </a:fillRef>
+          <a:effectRef idx="0">
+            <a:schemeClr val="accent1"/>
+          </a:effectRef>
+          <a:fontRef idx="minor">
+            <a:schemeClr val="lt1"/>
+          </a:fontRef>
+        </p:style>
+        <p:txBody>
+          <a:bodyPr rtlCol="0" anchor="ctr"/>
+          <a:lstStyle/>
+          <a:p>
+            <a:pPr algn="ctr"/>
+            <a:endParaRPr lang="en-US"/>
+          </a:p>
+        </p:txBody>
+      </p:sp>
+      <p:sp>
+        <p:nvSpPr>
+          <p:cNvPr id="5" name="Rectangle 4"/>
+          <p:cNvSpPr/>
+          <p:nvPr/>
+        </p:nvSpPr>
+        <p:spPr>
+          <a:xfrm>
+            <a:off x="1010193" y="2954064"/>
+            <a:ext cx="7241177" cy="385433"/>
+          </a:xfrm>
+          <a:prstGeom prst="rect">
+            <a:avLst/>
+          </a:prstGeom>
+          <a:solidFill>
+            <a:srgbClr val="FFFF00">
+              <a:alpha val="59000"/>
+            </a:srgbClr>
+          </a:solidFill>
+          <a:ln>
+            <a:noFill/>
+          </a:ln>
+        </p:spPr>
+        <p:style>
+          <a:lnRef idx="2">
+            <a:schemeClr val="accent1">
+              <a:shade val="50000"/>
+            </a:schemeClr>
+          </a:lnRef>
+          <a:fillRef idx="1">
+            <a:schemeClr val="accent1"/>
+          </a:fillRef>
+          <a:effectRef idx="0">
+            <a:schemeClr val="accent1"/>
+          </a:effectRef>
+          <a:fontRef idx="minor">
+            <a:schemeClr val="lt1"/>
+          </a:fontRef>
+        </p:style>
+        <p:txBody>
+          <a:bodyPr rtlCol="0" anchor="ctr"/>
+          <a:lstStyle/>
+          <a:p>
+            <a:pPr algn="ctr"/>
+            <a:endParaRPr lang="en-US"/>
+          </a:p>
+        </p:txBody>
+      </p:sp>
+      <p:sp>
+        <p:nvSpPr>
+          <p:cNvPr id="4" name="Rectangle 3"/>
+          <p:cNvSpPr/>
+          <p:nvPr/>
+        </p:nvSpPr>
+        <p:spPr>
+          <a:xfrm>
+            <a:off x="3794760" y="2681203"/>
+            <a:ext cx="7543800" cy="386862"/>
+          </a:xfrm>
+          <a:prstGeom prst="rect">
+            <a:avLst/>
+          </a:prstGeom>
+          <a:solidFill>
+            <a:srgbClr val="FFFF00">
+              <a:alpha val="59000"/>
+            </a:srgbClr>
+          </a:solidFill>
+          <a:ln>
+            <a:noFill/>
+          </a:ln>
+        </p:spPr>
+        <p:style>
+          <a:lnRef idx="2">
+            <a:schemeClr val="accent1">
+              <a:shade val="50000"/>
+            </a:schemeClr>
+          </a:lnRef>
+          <a:fillRef idx="1">
+            <a:schemeClr val="accent1"/>
+          </a:fillRef>
+          <a:effectRef idx="0">
+            <a:schemeClr val="accent1"/>
+          </a:effectRef>
+          <a:fontRef idx="minor">
+            <a:schemeClr val="lt1"/>
+          </a:fontRef>
+        </p:style>
+        <p:txBody>
+          <a:bodyPr rtlCol="0" anchor="ctr"/>
+          <a:lstStyle/>
+          <a:p>
+            <a:pPr algn="ctr"/>
+            <a:endParaRPr lang="en-US"/>
+          </a:p>
+        </p:txBody>
+      </p:sp>
+      <p:sp>
+        <p:nvSpPr>
+          <p:cNvPr id="2" name="Title 1"/>
+          <p:cNvSpPr>
+            <a:spLocks noGrp="1"/>
+          </p:cNvSpPr>
+          <p:nvPr>
+            <p:ph type="title"/>
+          </p:nvPr>
+        </p:nvSpPr>
+        <p:spPr/>
+        <p:txBody>
+          <a:bodyPr/>
+          <a:lstStyle/>
+          <a:p>
+            <a:r>
+              <a:rPr lang="en-US" dirty="0"/>
+              <a:t>AEA Data &amp; Code Availability Policy (2019)</a:t>
+            </a:r>
+          </a:p>
+        </p:txBody>
+      </p:sp>
+      <p:sp>
+        <p:nvSpPr>
+          <p:cNvPr id="7" name="Rectangle 6"/>
+          <p:cNvSpPr/>
+          <p:nvPr/>
+        </p:nvSpPr>
+        <p:spPr>
+          <a:xfrm>
+            <a:off x="5686696" y="4857587"/>
+            <a:ext cx="5129349" cy="391079"/>
+          </a:xfrm>
+          <a:prstGeom prst="rect">
+            <a:avLst/>
+          </a:prstGeom>
+          <a:solidFill>
+            <a:srgbClr val="FFFF00">
+              <a:alpha val="59000"/>
+            </a:srgbClr>
+          </a:solidFill>
+          <a:ln>
+            <a:noFill/>
+          </a:ln>
+        </p:spPr>
+        <p:style>
+          <a:lnRef idx="2">
+            <a:schemeClr val="accent1">
+              <a:shade val="50000"/>
+            </a:schemeClr>
+          </a:lnRef>
+          <a:fillRef idx="1">
+            <a:schemeClr val="accent1"/>
+          </a:fillRef>
+          <a:effectRef idx="0">
+            <a:schemeClr val="accent1"/>
+          </a:effectRef>
+          <a:fontRef idx="minor">
+            <a:schemeClr val="lt1"/>
+          </a:fontRef>
+        </p:style>
+        <p:txBody>
+          <a:bodyPr rtlCol="0" anchor="ctr"/>
+          <a:lstStyle/>
+          <a:p>
+            <a:pPr algn="ctr"/>
+            <a:endParaRPr lang="en-US"/>
+          </a:p>
+        </p:txBody>
+      </p:sp>
+      <p:sp>
+        <p:nvSpPr>
+          <p:cNvPr id="3" name="Content Placeholder 2"/>
+          <p:cNvSpPr>
+            <a:spLocks noGrp="1"/>
+          </p:cNvSpPr>
+          <p:nvPr>
+            <p:ph idx="1"/>
+          </p:nvPr>
+        </p:nvSpPr>
+        <p:spPr/>
+        <p:txBody>
+          <a:bodyPr>
+            <a:normAutofit/>
+          </a:bodyPr>
+          <a:lstStyle/>
+          <a:p>
+            <a:pPr fontAlgn="base"/>
+            <a:r>
+              <a:rPr lang="en-US" dirty="0">
+                <a:solidFill>
+                  <a:schemeClr val="bg1">
+                    <a:lumMod val="75000"/>
+                  </a:schemeClr>
+                </a:solidFill>
+              </a:rPr>
+              <a:t>It is the policy of the American Economic Association to publish papers only if the data used in the analysis are </a:t>
+            </a:r>
+            <a:r>
+              <a:rPr lang="en-US" b="1" u="sng" dirty="0"/>
+              <a:t>clearly and precisely </a:t>
+            </a:r>
+            <a:r>
+              <a:rPr lang="en-US" dirty="0">
+                <a:solidFill>
+                  <a:schemeClr val="bg1">
+                    <a:lumMod val="75000"/>
+                  </a:schemeClr>
+                </a:solidFill>
+              </a:rPr>
+              <a:t>documented and </a:t>
+            </a:r>
+            <a:r>
+              <a:rPr lang="en-US" b="1" u="sng" dirty="0"/>
+              <a:t>access to the data and code is clearly and precisely documented and is non-exclusive to the authors.</a:t>
+            </a:r>
+          </a:p>
+          <a:p>
+            <a:pPr fontAlgn="base"/>
+            <a:r>
+              <a:rPr lang="en-US" dirty="0">
+                <a:solidFill>
+                  <a:schemeClr val="bg1">
+                    <a:lumMod val="75000"/>
+                  </a:schemeClr>
+                </a:solidFill>
+              </a:rPr>
+              <a:t>Authors of accepted papers that contain empirical work, simulations, or experimental work must </a:t>
+            </a:r>
+            <a:r>
+              <a:rPr lang="en-US" sz="3200" b="1" dirty="0">
+                <a:solidFill>
+                  <a:schemeClr val="accent2">
+                    <a:lumMod val="75000"/>
+                  </a:schemeClr>
+                </a:solidFill>
+              </a:rPr>
+              <a:t>provide</a:t>
+            </a:r>
+            <a:r>
+              <a:rPr lang="en-US" dirty="0">
+                <a:solidFill>
+                  <a:schemeClr val="bg1">
+                    <a:lumMod val="75000"/>
+                  </a:schemeClr>
+                </a:solidFill>
+              </a:rPr>
+              <a:t>, </a:t>
+            </a:r>
+            <a:r>
+              <a:rPr lang="en-US" sz="3200" b="1" dirty="0">
+                <a:solidFill>
+                  <a:schemeClr val="accent6">
+                    <a:lumMod val="75000"/>
+                  </a:schemeClr>
+                </a:solidFill>
+              </a:rPr>
+              <a:t>prior to acceptance</a:t>
+            </a:r>
+            <a:r>
+              <a:rPr lang="en-US" dirty="0">
+                <a:solidFill>
+                  <a:schemeClr val="bg1">
+                    <a:lumMod val="75000"/>
+                  </a:schemeClr>
+                </a:solidFill>
+              </a:rPr>
+              <a:t>, the data, programs, and other details of the computations </a:t>
+            </a:r>
+            <a:r>
+              <a:rPr lang="en-US" sz="3200" b="1" dirty="0">
+                <a:solidFill>
+                  <a:schemeClr val="accent4">
+                    <a:lumMod val="75000"/>
+                  </a:schemeClr>
+                </a:solidFill>
+              </a:rPr>
+              <a:t>sufficient to permit replication</a:t>
+            </a:r>
+            <a:r>
+              <a:rPr lang="en-US" dirty="0">
+                <a:solidFill>
+                  <a:schemeClr val="bg1">
+                    <a:lumMod val="75000"/>
+                  </a:schemeClr>
+                </a:solidFill>
+              </a:rPr>
+              <a:t>, as well as </a:t>
+            </a:r>
+            <a:r>
+              <a:rPr lang="en-US" b="1" dirty="0">
+                <a:solidFill>
+                  <a:schemeClr val="accent1">
+                    <a:lumMod val="75000"/>
+                  </a:schemeClr>
+                </a:solidFill>
+              </a:rPr>
+              <a:t>information about access to data and programs.</a:t>
+            </a:r>
+          </a:p>
+          <a:p>
+            <a:endParaRPr lang="en-US" dirty="0"/>
+          </a:p>
+        </p:txBody>
+      </p:sp>
+      <p:sp>
+        <p:nvSpPr>
+          <p:cNvPr id="8" name="TextBox 7"/>
+          <p:cNvSpPr txBox="1"/>
+          <p:nvPr/>
+        </p:nvSpPr>
+        <p:spPr>
+          <a:xfrm>
+            <a:off x="2865290" y="5795852"/>
+            <a:ext cx="5642811" cy="381111"/>
+          </a:xfrm>
+          <a:prstGeom prst="rect">
+            <a:avLst/>
+          </a:prstGeom>
+          <a:noFill/>
+        </p:spPr>
+        <p:txBody>
+          <a:bodyPr wrap="square" rtlCol="0">
+            <a:spAutoFit/>
+          </a:bodyPr>
+          <a:lstStyle/>
+          <a:p>
+            <a:pPr algn="ctr"/>
+            <a:r>
+              <a:rPr lang="en-US" dirty="0">
+                <a:hlinkClick r:id="rId2"/>
+              </a:rPr>
+              <a:t>https://</a:t>
+            </a:r>
+            <a:r>
+              <a:rPr lang="en-US" dirty="0" smtClean="0">
+                <a:hlinkClick r:id="rId2"/>
+              </a:rPr>
+              <a:t>www.aeaweb.org/journals/data/data-code-policy</a:t>
+            </a:r>
+            <a:r>
+              <a:rPr lang="en-US" dirty="0" smtClean="0"/>
+              <a:t> </a:t>
+            </a:r>
+            <a:endParaRPr lang="en-US" dirty="0"/>
+          </a:p>
+        </p:txBody>
+      </p:sp>
+    </p:spTree>
+    <p:extLst>
+      <p:ext uri="{BB962C8B-B14F-4D97-AF65-F5344CB8AC3E}">
+        <p14:creationId xmlns:p14="http://schemas.microsoft.com/office/powerpoint/2010/main" val="4077485276"/>
+      </p:ext>
+    </p:extLst>
+  </p:cSld>
+  <p:clrMapOvr>
+    <a:masterClrMapping/>
+  </p:clrMapOvr>
+  <mc:AlternateContent xmlns:mc="http://schemas.openxmlformats.org/markup-compatibility/2006" xmlns:p14="http://schemas.microsoft.com/office/powerpoint/2010/main">
+    <mc:Choice Requires="p14">
+      <p:transition spd="slow" p14:dur="2000"/>
+    </mc:Choice>
+    <mc:Fallback xmlns="">
+      <p:transition spd="slow"/>
+    </mc:Fallback>
+  </mc:AlternateContent>
+  <p:timing>
+    <p:tnLst>
+      <p:par>
+        <p:cTn id="1" dur="indefinite" restart="never" nodeType="tmRoot"/>
+      </p:par>
+    </p:tnLst>
+  </p:timing>
+</p:sld>
+</file>
+
+<file path=ppt/slides/slide40.xml><?xml version="1.0" encoding="utf-8"?>
 <p:sld xmlns:a="http://schemas.openxmlformats.org/drawingml/2006/main" xmlns:r="http://schemas.openxmlformats.org/officeDocument/2006/relationships" xmlns:p="http://schemas.openxmlformats.org/presentationml/2006/main">
   <p:cSld>
     <p:spTree>
@@ -11169,7 +13264,7 @@
 </p:sld>
 </file>
 
-<file path=ppt/slides/slide32.xml><?xml version="1.0" encoding="utf-8"?>
+<file path=ppt/slides/slide41.xml><?xml version="1.0" encoding="utf-8"?>
 <p:sld xmlns:a="http://schemas.openxmlformats.org/drawingml/2006/main" xmlns:r="http://schemas.openxmlformats.org/officeDocument/2006/relationships" xmlns:p="http://schemas.openxmlformats.org/presentationml/2006/main">
   <p:cSld>
     <p:spTree>
@@ -11327,7 +13422,7 @@
 </p:sld>
 </file>
 
-<file path=ppt/slides/slide33.xml><?xml version="1.0" encoding="utf-8"?>
+<file path=ppt/slides/slide42.xml><?xml version="1.0" encoding="utf-8"?>
 <p:sld xmlns:a="http://schemas.openxmlformats.org/drawingml/2006/main" xmlns:r="http://schemas.openxmlformats.org/officeDocument/2006/relationships" xmlns:p="http://schemas.openxmlformats.org/presentationml/2006/main">
   <p:cSld>
     <p:spTree>
@@ -11675,7 +13770,7 @@
 </p:sld>
 </file>
 
-<file path=ppt/slides/slide34.xml><?xml version="1.0" encoding="utf-8"?>
+<file path=ppt/slides/slide43.xml><?xml version="1.0" encoding="utf-8"?>
 <p:sld xmlns:a="http://schemas.openxmlformats.org/drawingml/2006/main" xmlns:r="http://schemas.openxmlformats.org/officeDocument/2006/relationships" xmlns:p="http://schemas.openxmlformats.org/presentationml/2006/main">
   <p:cSld>
     <p:spTree>
@@ -11818,7 +13913,7 @@
 </p:sld>
 </file>
 
-<file path=ppt/slides/slide35.xml><?xml version="1.0" encoding="utf-8"?>
+<file path=ppt/slides/slide44.xml><?xml version="1.0" encoding="utf-8"?>
 <p:sld xmlns:a="http://schemas.openxmlformats.org/drawingml/2006/main" xmlns:r="http://schemas.openxmlformats.org/officeDocument/2006/relationships" xmlns:p="http://schemas.openxmlformats.org/presentationml/2006/main">
   <p:cSld>
     <p:spTree>
@@ -11964,7 +14059,7 @@
 </p:sld>
 </file>
 
-<file path=ppt/slides/slide36.xml><?xml version="1.0" encoding="utf-8"?>
+<file path=ppt/slides/slide45.xml><?xml version="1.0" encoding="utf-8"?>
 <p:sld xmlns:a="http://schemas.openxmlformats.org/drawingml/2006/main" xmlns:r="http://schemas.openxmlformats.org/officeDocument/2006/relationships" xmlns:p="http://schemas.openxmlformats.org/presentationml/2006/main">
   <p:cSld>
     <p:spTree>
@@ -12284,7 +14379,7 @@
 </p:sld>
 </file>
 
-<file path=ppt/slides/slide37.xml><?xml version="1.0" encoding="utf-8"?>
+<file path=ppt/slides/slide46.xml><?xml version="1.0" encoding="utf-8"?>
 <p:sld xmlns:a="http://schemas.openxmlformats.org/drawingml/2006/main" xmlns:r="http://schemas.openxmlformats.org/officeDocument/2006/relationships" xmlns:p="http://schemas.openxmlformats.org/presentationml/2006/main">
   <p:cSld>
     <p:spTree>
@@ -12636,7 +14731,7 @@
 </p:sld>
 </file>
 
-<file path=ppt/slides/slide38.xml><?xml version="1.0" encoding="utf-8"?>
+<file path=ppt/slides/slide47.xml><?xml version="1.0" encoding="utf-8"?>
 <p:sld xmlns:a="http://schemas.openxmlformats.org/drawingml/2006/main" xmlns:r="http://schemas.openxmlformats.org/officeDocument/2006/relationships" xmlns:p="http://schemas.openxmlformats.org/presentationml/2006/main">
   <p:cSld>
     <p:spTree>
@@ -12987,7 +15082,7 @@
 </p:sld>
 </file>
 
-<file path=ppt/slides/slide39.xml><?xml version="1.0" encoding="utf-8"?>
+<file path=ppt/slides/slide48.xml><?xml version="1.0" encoding="utf-8"?>
 <p:sld xmlns:a="http://schemas.openxmlformats.org/drawingml/2006/main" xmlns:r="http://schemas.openxmlformats.org/officeDocument/2006/relationships" xmlns:p="http://schemas.openxmlformats.org/presentationml/2006/main">
   <p:cSld>
     <p:spTree>
@@ -13321,176 +15416,7 @@
 </p:sld>
 </file>
 
-<file path=ppt/slides/slide4.xml><?xml version="1.0" encoding="utf-8"?>
-<p:sld xmlns:a="http://schemas.openxmlformats.org/drawingml/2006/main" xmlns:r="http://schemas.openxmlformats.org/officeDocument/2006/relationships" xmlns:p="http://schemas.openxmlformats.org/presentationml/2006/main">
-  <p:cSld>
-    <p:spTree>
-      <p:nvGrpSpPr>
-        <p:cNvPr id="1" name=""/>
-        <p:cNvGrpSpPr/>
-        <p:nvPr/>
-      </p:nvGrpSpPr>
-      <p:grpSpPr>
-        <a:xfrm>
-          <a:off x="0" y="0"/>
-          <a:ext cx="0" cy="0"/>
-          <a:chOff x="0" y="0"/>
-          <a:chExt cx="0" cy="0"/>
-        </a:xfrm>
-      </p:grpSpPr>
-      <p:sp>
-        <p:nvSpPr>
-          <p:cNvPr id="4" name="Title 3"/>
-          <p:cNvSpPr>
-            <a:spLocks noGrp="1"/>
-          </p:cNvSpPr>
-          <p:nvPr>
-            <p:ph type="title"/>
-          </p:nvPr>
-        </p:nvSpPr>
-        <p:spPr/>
-        <p:txBody>
-          <a:bodyPr/>
-          <a:lstStyle/>
-          <a:p>
-            <a:r>
-              <a:rPr lang="en-US" dirty="0"/>
-              <a:t>Current efforts at the AEA</a:t>
-            </a:r>
-          </a:p>
-        </p:txBody>
-      </p:sp>
-      <p:sp>
-        <p:nvSpPr>
-          <p:cNvPr id="5" name="Content Placeholder 4"/>
-          <p:cNvSpPr>
-            <a:spLocks noGrp="1"/>
-          </p:cNvSpPr>
-          <p:nvPr>
-            <p:ph idx="1"/>
-          </p:nvPr>
-        </p:nvSpPr>
-        <p:spPr/>
-        <p:txBody>
-          <a:bodyPr>
-            <a:normAutofit lnSpcReduction="10000"/>
-          </a:bodyPr>
-          <a:lstStyle/>
-          <a:p>
-            <a:r>
-              <a:rPr lang="en-US" sz="3200" b="1" dirty="0">
-                <a:solidFill>
-                  <a:srgbClr val="C00000"/>
-                </a:solidFill>
-              </a:rPr>
-              <a:t>Pre-emptively improve code archives</a:t>
-            </a:r>
-          </a:p>
-          <a:p>
-            <a:pPr lvl="1"/>
-            <a:r>
-              <a:rPr lang="en-US" sz="2800" dirty="0"/>
-              <a:t>By conducting reproducibility checks </a:t>
-            </a:r>
-            <a:r>
-              <a:rPr lang="en-US" sz="2000" dirty="0"/>
-              <a:t>when we can</a:t>
-            </a:r>
-            <a:endParaRPr lang="en-US" sz="2800" dirty="0"/>
-          </a:p>
-          <a:p>
-            <a:pPr lvl="1"/>
-            <a:r>
-              <a:rPr lang="en-US" sz="2800" dirty="0"/>
-              <a:t>By working with groups that conduct reproducibility checks </a:t>
-            </a:r>
-            <a:br>
-              <a:rPr lang="en-US" sz="2800" dirty="0"/>
-            </a:br>
-            <a:r>
-              <a:rPr lang="en-US" sz="2000" dirty="0"/>
-              <a:t>when we cannot</a:t>
-            </a:r>
-            <a:endParaRPr lang="en-US" sz="2800" dirty="0"/>
-          </a:p>
-          <a:p>
-            <a:r>
-              <a:rPr lang="en-US" sz="3200" b="1" dirty="0">
-                <a:solidFill>
-                  <a:schemeClr val="accent5">
-                    <a:lumMod val="75000"/>
-                  </a:schemeClr>
-                </a:solidFill>
-              </a:rPr>
-              <a:t>Better archives</a:t>
-            </a:r>
-          </a:p>
-          <a:p>
-            <a:pPr lvl="1"/>
-            <a:r>
-              <a:rPr lang="en-US" sz="2800" dirty="0"/>
-              <a:t>Greater transparency of the code and data archives</a:t>
-            </a:r>
-          </a:p>
-          <a:p>
-            <a:r>
-              <a:rPr lang="en-US" sz="3200" b="1" dirty="0">
-                <a:solidFill>
-                  <a:schemeClr val="accent6">
-                    <a:lumMod val="75000"/>
-                  </a:schemeClr>
-                </a:solidFill>
-              </a:rPr>
-              <a:t>Better provenance tracking</a:t>
-            </a:r>
-          </a:p>
-          <a:p>
-            <a:pPr lvl="2"/>
-            <a:r>
-              <a:rPr lang="en-US" sz="2400" dirty="0"/>
-              <a:t>Leave code where it is when appropriate</a:t>
-            </a:r>
-          </a:p>
-          <a:p>
-            <a:pPr lvl="2"/>
-            <a:r>
-              <a:rPr lang="en-US" sz="2400" dirty="0"/>
-              <a:t>Leave data where it is almost always</a:t>
-            </a:r>
-          </a:p>
-          <a:p>
-            <a:pPr lvl="2"/>
-            <a:r>
-              <a:rPr lang="en-US" sz="2400" dirty="0"/>
-              <a:t>Display that information</a:t>
-            </a:r>
-          </a:p>
-          <a:p>
-            <a:endParaRPr lang="en-US" dirty="0"/>
-          </a:p>
-        </p:txBody>
-      </p:sp>
-    </p:spTree>
-    <p:extLst>
-      <p:ext uri="{BB962C8B-B14F-4D97-AF65-F5344CB8AC3E}">
-        <p14:creationId xmlns:p14="http://schemas.microsoft.com/office/powerpoint/2010/main" val="1499576971"/>
-      </p:ext>
-    </p:extLst>
-  </p:cSld>
-  <p:clrMapOvr>
-    <a:masterClrMapping/>
-  </p:clrMapOvr>
-  <p:timing>
-    <p:tnLst>
-      <p:par>
-        <p:cTn id="1" dur="indefinite" restart="never" nodeType="tmRoot"/>
-      </p:par>
-    </p:tnLst>
-  </p:timing>
-</p:sld>
-</file>
-
-<file path=ppt/slides/slide40.xml><?xml version="1.0" encoding="utf-8"?>
+<file path=ppt/slides/slide49.xml><?xml version="1.0" encoding="utf-8"?>
 <p:sld xmlns:a="http://schemas.openxmlformats.org/drawingml/2006/main" xmlns:r="http://schemas.openxmlformats.org/officeDocument/2006/relationships" xmlns:p="http://schemas.openxmlformats.org/presentationml/2006/main">
   <p:cSld>
     <p:spTree>
@@ -13844,7 +15770,176 @@
 </p:sld>
 </file>
 
-<file path=ppt/slides/slide41.xml><?xml version="1.0" encoding="utf-8"?>
+<file path=ppt/slides/slide5.xml><?xml version="1.0" encoding="utf-8"?>
+<p:sld xmlns:a="http://schemas.openxmlformats.org/drawingml/2006/main" xmlns:r="http://schemas.openxmlformats.org/officeDocument/2006/relationships" xmlns:p="http://schemas.openxmlformats.org/presentationml/2006/main">
+  <p:cSld>
+    <p:spTree>
+      <p:nvGrpSpPr>
+        <p:cNvPr id="1" name=""/>
+        <p:cNvGrpSpPr/>
+        <p:nvPr/>
+      </p:nvGrpSpPr>
+      <p:grpSpPr>
+        <a:xfrm>
+          <a:off x="0" y="0"/>
+          <a:ext cx="0" cy="0"/>
+          <a:chOff x="0" y="0"/>
+          <a:chExt cx="0" cy="0"/>
+        </a:xfrm>
+      </p:grpSpPr>
+      <p:sp>
+        <p:nvSpPr>
+          <p:cNvPr id="4" name="Title 3"/>
+          <p:cNvSpPr>
+            <a:spLocks noGrp="1"/>
+          </p:cNvSpPr>
+          <p:nvPr>
+            <p:ph type="title"/>
+          </p:nvPr>
+        </p:nvSpPr>
+        <p:spPr/>
+        <p:txBody>
+          <a:bodyPr/>
+          <a:lstStyle/>
+          <a:p>
+            <a:r>
+              <a:rPr lang="en-US" dirty="0"/>
+              <a:t>Current efforts at the AEA</a:t>
+            </a:r>
+          </a:p>
+        </p:txBody>
+      </p:sp>
+      <p:sp>
+        <p:nvSpPr>
+          <p:cNvPr id="5" name="Content Placeholder 4"/>
+          <p:cNvSpPr>
+            <a:spLocks noGrp="1"/>
+          </p:cNvSpPr>
+          <p:nvPr>
+            <p:ph idx="1"/>
+          </p:nvPr>
+        </p:nvSpPr>
+        <p:spPr/>
+        <p:txBody>
+          <a:bodyPr>
+            <a:normAutofit lnSpcReduction="10000"/>
+          </a:bodyPr>
+          <a:lstStyle/>
+          <a:p>
+            <a:r>
+              <a:rPr lang="en-US" sz="3200" b="1" dirty="0">
+                <a:solidFill>
+                  <a:srgbClr val="C00000"/>
+                </a:solidFill>
+              </a:rPr>
+              <a:t>Pre-emptively improve code archives</a:t>
+            </a:r>
+          </a:p>
+          <a:p>
+            <a:pPr lvl="1"/>
+            <a:r>
+              <a:rPr lang="en-US" sz="2800" dirty="0"/>
+              <a:t>By conducting reproducibility checks </a:t>
+            </a:r>
+            <a:r>
+              <a:rPr lang="en-US" sz="2000" dirty="0"/>
+              <a:t>when we can</a:t>
+            </a:r>
+            <a:endParaRPr lang="en-US" sz="2800" dirty="0"/>
+          </a:p>
+          <a:p>
+            <a:pPr lvl="1"/>
+            <a:r>
+              <a:rPr lang="en-US" sz="2800" dirty="0"/>
+              <a:t>By working with groups that conduct reproducibility checks </a:t>
+            </a:r>
+            <a:br>
+              <a:rPr lang="en-US" sz="2800" dirty="0"/>
+            </a:br>
+            <a:r>
+              <a:rPr lang="en-US" sz="2000" dirty="0"/>
+              <a:t>when we cannot</a:t>
+            </a:r>
+            <a:endParaRPr lang="en-US" sz="2800" dirty="0"/>
+          </a:p>
+          <a:p>
+            <a:r>
+              <a:rPr lang="en-US" sz="3200" b="1" dirty="0">
+                <a:solidFill>
+                  <a:schemeClr val="accent5">
+                    <a:lumMod val="75000"/>
+                  </a:schemeClr>
+                </a:solidFill>
+              </a:rPr>
+              <a:t>Better archives</a:t>
+            </a:r>
+          </a:p>
+          <a:p>
+            <a:pPr lvl="1"/>
+            <a:r>
+              <a:rPr lang="en-US" sz="2800" dirty="0"/>
+              <a:t>Greater transparency of the code and data archives</a:t>
+            </a:r>
+          </a:p>
+          <a:p>
+            <a:r>
+              <a:rPr lang="en-US" sz="3200" b="1" dirty="0">
+                <a:solidFill>
+                  <a:schemeClr val="accent6">
+                    <a:lumMod val="75000"/>
+                  </a:schemeClr>
+                </a:solidFill>
+              </a:rPr>
+              <a:t>Better provenance tracking</a:t>
+            </a:r>
+          </a:p>
+          <a:p>
+            <a:pPr lvl="2"/>
+            <a:r>
+              <a:rPr lang="en-US" sz="2400" dirty="0"/>
+              <a:t>Leave code where it is when appropriate</a:t>
+            </a:r>
+          </a:p>
+          <a:p>
+            <a:pPr lvl="2"/>
+            <a:r>
+              <a:rPr lang="en-US" sz="2400" dirty="0"/>
+              <a:t>Leave data where it is almost always</a:t>
+            </a:r>
+          </a:p>
+          <a:p>
+            <a:pPr lvl="2"/>
+            <a:r>
+              <a:rPr lang="en-US" sz="2400" dirty="0"/>
+              <a:t>Display that information</a:t>
+            </a:r>
+          </a:p>
+          <a:p>
+            <a:endParaRPr lang="en-US" dirty="0"/>
+          </a:p>
+        </p:txBody>
+      </p:sp>
+    </p:spTree>
+    <p:extLst>
+      <p:ext uri="{BB962C8B-B14F-4D97-AF65-F5344CB8AC3E}">
+        <p14:creationId xmlns:p14="http://schemas.microsoft.com/office/powerpoint/2010/main" val="1499576971"/>
+      </p:ext>
+    </p:extLst>
+  </p:cSld>
+  <p:clrMapOvr>
+    <a:masterClrMapping/>
+  </p:clrMapOvr>
+  <p:timing>
+    <p:tnLst>
+      <p:par>
+        <p:cTn id="1" dur="indefinite" restart="never" nodeType="tmRoot"/>
+      </p:par>
+    </p:tnLst>
+  </p:timing>
+</p:sld>
+</file>
+
+<file path=ppt/slides/slide50.xml><?xml version="1.0" encoding="utf-8"?>
 <p:sld xmlns:a="http://schemas.openxmlformats.org/drawingml/2006/main" xmlns:r="http://schemas.openxmlformats.org/officeDocument/2006/relationships" xmlns:p="http://schemas.openxmlformats.org/presentationml/2006/main">
   <p:cSld>
     <p:spTree>
@@ -13963,7 +16058,7 @@
 </p:sld>
 </file>
 
-<file path=ppt/slides/slide42.xml><?xml version="1.0" encoding="utf-8"?>
+<file path=ppt/slides/slide51.xml><?xml version="1.0" encoding="utf-8"?>
 <p:sld xmlns:a="http://schemas.openxmlformats.org/drawingml/2006/main" xmlns:r="http://schemas.openxmlformats.org/officeDocument/2006/relationships" xmlns:p="http://schemas.openxmlformats.org/presentationml/2006/main">
   <p:cSld>
     <p:spTree>
@@ -14149,7 +16244,7 @@
 </p:sld>
 </file>
 
-<file path=ppt/slides/slide43.xml><?xml version="1.0" encoding="utf-8"?>
+<file path=ppt/slides/slide52.xml><?xml version="1.0" encoding="utf-8"?>
 <p:sld xmlns:a="http://schemas.openxmlformats.org/drawingml/2006/main" xmlns:r="http://schemas.openxmlformats.org/officeDocument/2006/relationships" xmlns:p="http://schemas.openxmlformats.org/presentationml/2006/main">
   <p:cSld>
     <p:spTree>
@@ -14488,7 +16583,7 @@
 </p:sld>
 </file>
 
-<file path=ppt/slides/slide44.xml><?xml version="1.0" encoding="utf-8"?>
+<file path=ppt/slides/slide53.xml><?xml version="1.0" encoding="utf-8"?>
 <p:sld xmlns:a="http://schemas.openxmlformats.org/drawingml/2006/main" xmlns:r="http://schemas.openxmlformats.org/officeDocument/2006/relationships" xmlns:p="http://schemas.openxmlformats.org/presentationml/2006/main">
   <p:cSld>
     <p:spTree>
@@ -14680,7 +16775,7 @@
 </p:sld>
 </file>
 
-<file path=ppt/slides/slide45.xml><?xml version="1.0" encoding="utf-8"?>
+<file path=ppt/slides/slide54.xml><?xml version="1.0" encoding="utf-8"?>
 <p:sld xmlns:a="http://schemas.openxmlformats.org/drawingml/2006/main" xmlns:r="http://schemas.openxmlformats.org/officeDocument/2006/relationships" xmlns:p="http://schemas.openxmlformats.org/presentationml/2006/main">
   <p:cSld>
     <p:spTree>
@@ -15069,7 +17164,7 @@
 </p:sld>
 </file>
 
-<file path=ppt/slides/slide46.xml><?xml version="1.0" encoding="utf-8"?>
+<file path=ppt/slides/slide55.xml><?xml version="1.0" encoding="utf-8"?>
 <p:sld xmlns:a="http://schemas.openxmlformats.org/drawingml/2006/main" xmlns:r="http://schemas.openxmlformats.org/officeDocument/2006/relationships" xmlns:p="http://schemas.openxmlformats.org/presentationml/2006/main">
   <p:cSld>
     <p:spTree>
@@ -15213,7 +17308,7 @@
 </p:sld>
 </file>
 
-<file path=ppt/slides/slide47.xml><?xml version="1.0" encoding="utf-8"?>
+<file path=ppt/slides/slide56.xml><?xml version="1.0" encoding="utf-8"?>
 <p:sld xmlns:a="http://schemas.openxmlformats.org/drawingml/2006/main" xmlns:r="http://schemas.openxmlformats.org/officeDocument/2006/relationships" xmlns:p="http://schemas.openxmlformats.org/presentationml/2006/main">
   <p:cSld>
     <p:spTree>
@@ -15379,7 +17474,7 @@
 </p:sld>
 </file>
 
-<file path=ppt/slides/slide48.xml><?xml version="1.0" encoding="utf-8"?>
+<file path=ppt/slides/slide57.xml><?xml version="1.0" encoding="utf-8"?>
 <p:sld xmlns:a="http://schemas.openxmlformats.org/drawingml/2006/main" xmlns:r="http://schemas.openxmlformats.org/officeDocument/2006/relationships" xmlns:p="http://schemas.openxmlformats.org/presentationml/2006/main">
   <p:cSld>
     <p:spTree>
@@ -15621,7 +17716,7 @@
 </p:sld>
 </file>
 
-<file path=ppt/slides/slide49.xml><?xml version="1.0" encoding="utf-8"?>
+<file path=ppt/slides/slide58.xml><?xml version="1.0" encoding="utf-8"?>
 <p:sld xmlns:a="http://schemas.openxmlformats.org/drawingml/2006/main" xmlns:r="http://schemas.openxmlformats.org/officeDocument/2006/relationships" xmlns:p="http://schemas.openxmlformats.org/presentationml/2006/main">
   <p:cSld>
     <p:spTree>
@@ -15751,7 +17846,139 @@
 </p:sld>
 </file>
 
-<file path=ppt/slides/slide5.xml><?xml version="1.0" encoding="utf-8"?>
+<file path=ppt/slides/slide59.xml><?xml version="1.0" encoding="utf-8"?>
+<p:sld xmlns:a="http://schemas.openxmlformats.org/drawingml/2006/main" xmlns:r="http://schemas.openxmlformats.org/officeDocument/2006/relationships" xmlns:p="http://schemas.openxmlformats.org/presentationml/2006/main">
+  <p:cSld>
+    <p:spTree>
+      <p:nvGrpSpPr>
+        <p:cNvPr id="1" name=""/>
+        <p:cNvGrpSpPr/>
+        <p:nvPr/>
+      </p:nvGrpSpPr>
+      <p:grpSpPr>
+        <a:xfrm>
+          <a:off x="0" y="0"/>
+          <a:ext cx="0" cy="0"/>
+          <a:chOff x="0" y="0"/>
+          <a:chExt cx="0" cy="0"/>
+        </a:xfrm>
+      </p:grpSpPr>
+      <p:sp>
+        <p:nvSpPr>
+          <p:cNvPr id="5" name="Title 4"/>
+          <p:cNvSpPr>
+            <a:spLocks noGrp="1"/>
+          </p:cNvSpPr>
+          <p:nvPr>
+            <p:ph type="title"/>
+          </p:nvPr>
+        </p:nvSpPr>
+        <p:spPr/>
+        <p:txBody>
+          <a:bodyPr/>
+          <a:lstStyle/>
+          <a:p>
+            <a:r>
+              <a:rPr lang="en-US" dirty="0" smtClean="0"/>
+              <a:t>Follow the steps</a:t>
+            </a:r>
+            <a:endParaRPr lang="en-US" dirty="0"/>
+          </a:p>
+        </p:txBody>
+      </p:sp>
+      <p:pic>
+        <p:nvPicPr>
+          <p:cNvPr id="7" name="Content Placeholder 6"/>
+          <p:cNvPicPr>
+            <a:picLocks noGrp="1" noChangeAspect="1"/>
+          </p:cNvPicPr>
+          <p:nvPr>
+            <p:ph idx="1"/>
+          </p:nvPr>
+        </p:nvPicPr>
+        <p:blipFill>
+          <a:blip r:embed="rId2"/>
+          <a:stretch>
+            <a:fillRect/>
+          </a:stretch>
+        </p:blipFill>
+        <p:spPr>
+          <a:xfrm>
+            <a:off x="2532436" y="1847850"/>
+            <a:ext cx="7127127" cy="4351338"/>
+          </a:xfrm>
+          <a:prstGeom prst="rect">
+            <a:avLst/>
+          </a:prstGeom>
+          <a:ln w="38100">
+            <a:solidFill>
+              <a:schemeClr val="tx1"/>
+            </a:solidFill>
+          </a:ln>
+        </p:spPr>
+      </p:pic>
+      <p:sp>
+        <p:nvSpPr>
+          <p:cNvPr id="8" name="Rectangle 7"/>
+          <p:cNvSpPr/>
+          <p:nvPr/>
+        </p:nvSpPr>
+        <p:spPr>
+          <a:xfrm>
+            <a:off x="3048000" y="6356350"/>
+            <a:ext cx="8290560" cy="369332"/>
+          </a:xfrm>
+          <a:prstGeom prst="rect">
+            <a:avLst/>
+          </a:prstGeom>
+        </p:spPr>
+        <p:txBody>
+          <a:bodyPr wrap="square">
+            <a:spAutoFit/>
+          </a:bodyPr>
+          <a:lstStyle/>
+          <a:p>
+            <a:r>
+              <a:rPr lang="en-US" dirty="0">
+                <a:hlinkClick r:id="rId3"/>
+              </a:rPr>
+              <a:t>https://</a:t>
+            </a:r>
+            <a:r>
+              <a:rPr lang="en-US" dirty="0" smtClean="0">
+                <a:hlinkClick r:id="rId3"/>
+              </a:rPr>
+              <a:t>aeadataeditor.github.io/aea-de-guidance/step-by-step.html</a:t>
+            </a:r>
+            <a:r>
+              <a:rPr lang="en-US" dirty="0" smtClean="0"/>
+              <a:t> </a:t>
+            </a:r>
+            <a:endParaRPr lang="en-US" dirty="0"/>
+          </a:p>
+        </p:txBody>
+      </p:sp>
+    </p:spTree>
+    <p:extLst>
+      <p:ext uri="{BB962C8B-B14F-4D97-AF65-F5344CB8AC3E}">
+        <p14:creationId xmlns:p14="http://schemas.microsoft.com/office/powerpoint/2010/main" val="489582005"/>
+      </p:ext>
+    </p:extLst>
+  </p:cSld>
+  <p:clrMapOvr>
+    <a:masterClrMapping/>
+  </p:clrMapOvr>
+  <p:timing>
+    <p:tnLst>
+      <p:par>
+        <p:cTn id="1" dur="indefinite" restart="never" nodeType="tmRoot"/>
+      </p:par>
+    </p:tnLst>
+  </p:timing>
+</p:sld>
+</file>
+
+<file path=ppt/slides/slide6.xml><?xml version="1.0" encoding="utf-8"?>
 <p:sld xmlns:a="http://schemas.openxmlformats.org/drawingml/2006/main" xmlns:r="http://schemas.openxmlformats.org/officeDocument/2006/relationships" xmlns:p="http://schemas.openxmlformats.org/presentationml/2006/main">
   <p:cSld>
     <p:spTree>
@@ -15875,7 +18102,7 @@
     </p:spTree>
     <p:extLst>
       <p:ext uri="{BB962C8B-B14F-4D97-AF65-F5344CB8AC3E}">
-        <p14:creationId xmlns:p14="http://schemas.microsoft.com/office/powerpoint/2010/main" val="3663536980"/>
+        <p14:creationId xmlns:p14="http://schemas.microsoft.com/office/powerpoint/2010/main" val="1242503613"/>
       </p:ext>
     </p:extLst>
   </p:cSld>
@@ -15900,7 +18127,7 @@
 </p:sld>
 </file>
 
-<file path=ppt/slides/slide50.xml><?xml version="1.0" encoding="utf-8"?>
+<file path=ppt/slides/slide60.xml><?xml version="1.0" encoding="utf-8"?>
 <p:sld xmlns:a="http://schemas.openxmlformats.org/drawingml/2006/main" xmlns:r="http://schemas.openxmlformats.org/officeDocument/2006/relationships" xmlns:p="http://schemas.openxmlformats.org/presentationml/2006/main">
   <p:cSld>
     <p:spTree>
@@ -15919,138 +18146,6 @@
       </p:grpSpPr>
       <p:sp>
         <p:nvSpPr>
-          <p:cNvPr id="5" name="Title 4"/>
-          <p:cNvSpPr>
-            <a:spLocks noGrp="1"/>
-          </p:cNvSpPr>
-          <p:nvPr>
-            <p:ph type="title"/>
-          </p:nvPr>
-        </p:nvSpPr>
-        <p:spPr/>
-        <p:txBody>
-          <a:bodyPr/>
-          <a:lstStyle/>
-          <a:p>
-            <a:r>
-              <a:rPr lang="en-US" dirty="0" smtClean="0"/>
-              <a:t>Follow the steps</a:t>
-            </a:r>
-            <a:endParaRPr lang="en-US" dirty="0"/>
-          </a:p>
-        </p:txBody>
-      </p:sp>
-      <p:pic>
-        <p:nvPicPr>
-          <p:cNvPr id="7" name="Content Placeholder 6"/>
-          <p:cNvPicPr>
-            <a:picLocks noGrp="1" noChangeAspect="1"/>
-          </p:cNvPicPr>
-          <p:nvPr>
-            <p:ph idx="1"/>
-          </p:nvPr>
-        </p:nvPicPr>
-        <p:blipFill>
-          <a:blip r:embed="rId2"/>
-          <a:stretch>
-            <a:fillRect/>
-          </a:stretch>
-        </p:blipFill>
-        <p:spPr>
-          <a:xfrm>
-            <a:off x="2532436" y="1847850"/>
-            <a:ext cx="7127127" cy="4351338"/>
-          </a:xfrm>
-          <a:prstGeom prst="rect">
-            <a:avLst/>
-          </a:prstGeom>
-          <a:ln w="38100">
-            <a:solidFill>
-              <a:schemeClr val="tx1"/>
-            </a:solidFill>
-          </a:ln>
-        </p:spPr>
-      </p:pic>
-      <p:sp>
-        <p:nvSpPr>
-          <p:cNvPr id="8" name="Rectangle 7"/>
-          <p:cNvSpPr/>
-          <p:nvPr/>
-        </p:nvSpPr>
-        <p:spPr>
-          <a:xfrm>
-            <a:off x="3048000" y="6356350"/>
-            <a:ext cx="8290560" cy="369332"/>
-          </a:xfrm>
-          <a:prstGeom prst="rect">
-            <a:avLst/>
-          </a:prstGeom>
-        </p:spPr>
-        <p:txBody>
-          <a:bodyPr wrap="square">
-            <a:spAutoFit/>
-          </a:bodyPr>
-          <a:lstStyle/>
-          <a:p>
-            <a:r>
-              <a:rPr lang="en-US" dirty="0">
-                <a:hlinkClick r:id="rId3"/>
-              </a:rPr>
-              <a:t>https://</a:t>
-            </a:r>
-            <a:r>
-              <a:rPr lang="en-US" dirty="0" smtClean="0">
-                <a:hlinkClick r:id="rId3"/>
-              </a:rPr>
-              <a:t>aeadataeditor.github.io/aea-de-guidance/step-by-step.html</a:t>
-            </a:r>
-            <a:r>
-              <a:rPr lang="en-US" dirty="0" smtClean="0"/>
-              <a:t> </a:t>
-            </a:r>
-            <a:endParaRPr lang="en-US" dirty="0"/>
-          </a:p>
-        </p:txBody>
-      </p:sp>
-    </p:spTree>
-    <p:extLst>
-      <p:ext uri="{BB962C8B-B14F-4D97-AF65-F5344CB8AC3E}">
-        <p14:creationId xmlns:p14="http://schemas.microsoft.com/office/powerpoint/2010/main" val="489582005"/>
-      </p:ext>
-    </p:extLst>
-  </p:cSld>
-  <p:clrMapOvr>
-    <a:masterClrMapping/>
-  </p:clrMapOvr>
-  <p:timing>
-    <p:tnLst>
-      <p:par>
-        <p:cTn id="1" dur="indefinite" restart="never" nodeType="tmRoot"/>
-      </p:par>
-    </p:tnLst>
-  </p:timing>
-</p:sld>
-</file>
-
-<file path=ppt/slides/slide51.xml><?xml version="1.0" encoding="utf-8"?>
-<p:sld xmlns:a="http://schemas.openxmlformats.org/drawingml/2006/main" xmlns:r="http://schemas.openxmlformats.org/officeDocument/2006/relationships" xmlns:p="http://schemas.openxmlformats.org/presentationml/2006/main">
-  <p:cSld>
-    <p:spTree>
-      <p:nvGrpSpPr>
-        <p:cNvPr id="1" name=""/>
-        <p:cNvGrpSpPr/>
-        <p:nvPr/>
-      </p:nvGrpSpPr>
-      <p:grpSpPr>
-        <a:xfrm>
-          <a:off x="0" y="0"/>
-          <a:ext cx="0" cy="0"/>
-          <a:chOff x="0" y="0"/>
-          <a:chExt cx="0" cy="0"/>
-        </a:xfrm>
-      </p:grpSpPr>
-      <p:sp>
-        <p:nvSpPr>
           <p:cNvPr id="2" name="Title 1"/>
           <p:cNvSpPr>
             <a:spLocks noGrp="1"/>
@@ -16066,15 +18161,7 @@
           <a:p>
             <a:r>
               <a:rPr lang="en-US" dirty="0" smtClean="0"/>
-              <a:t>How to </a:t>
-            </a:r>
-            <a:r>
-              <a:rPr lang="en-US" dirty="0" smtClean="0"/>
-              <a:t>test </a:t>
-            </a:r>
-            <a:r>
-              <a:rPr lang="en-US" dirty="0" smtClean="0"/>
-              <a:t>the replication package</a:t>
+              <a:t>How to test the replication package</a:t>
             </a:r>
             <a:endParaRPr lang="en-US" dirty="0"/>
           </a:p>
@@ -16226,7 +18313,7 @@
 </p:sld>
 </file>
 
-<file path=ppt/slides/slide52.xml><?xml version="1.0" encoding="utf-8"?>
+<file path=ppt/slides/slide61.xml><?xml version="1.0" encoding="utf-8"?>
 <p:sld xmlns:a="http://schemas.openxmlformats.org/drawingml/2006/main" xmlns:r="http://schemas.openxmlformats.org/officeDocument/2006/relationships" xmlns:p="http://schemas.openxmlformats.org/presentationml/2006/main">
   <p:cSld>
     <p:spTree>
@@ -16490,7 +18577,7 @@
 </p:sld>
 </file>
 
-<file path=ppt/slides/slide53.xml><?xml version="1.0" encoding="utf-8"?>
+<file path=ppt/slides/slide62.xml><?xml version="1.0" encoding="utf-8"?>
 <p:sld xmlns:a="http://schemas.openxmlformats.org/drawingml/2006/main" xmlns:r="http://schemas.openxmlformats.org/officeDocument/2006/relationships" xmlns:p="http://schemas.openxmlformats.org/presentationml/2006/main">
   <p:cSld>
     <p:spTree>
@@ -16646,7 +18733,7 @@
 </p:sld>
 </file>
 
-<file path=ppt/slides/slide54.xml><?xml version="1.0" encoding="utf-8"?>
+<file path=ppt/slides/slide63.xml><?xml version="1.0" encoding="utf-8"?>
 <p:sld xmlns:a="http://schemas.openxmlformats.org/drawingml/2006/main" xmlns:r="http://schemas.openxmlformats.org/officeDocument/2006/relationships" xmlns:p="http://schemas.openxmlformats.org/presentationml/2006/main">
   <p:cSld>
     <p:spTree>
@@ -16773,7 +18860,7 @@
 </p:sld>
 </file>
 
-<file path=ppt/slides/slide55.xml><?xml version="1.0" encoding="utf-8"?>
+<file path=ppt/slides/slide64.xml><?xml version="1.0" encoding="utf-8"?>
 <p:sld xmlns:a="http://schemas.openxmlformats.org/drawingml/2006/main" xmlns:r="http://schemas.openxmlformats.org/officeDocument/2006/relationships" xmlns:p="http://schemas.openxmlformats.org/presentationml/2006/main">
   <p:cSld>
     <p:spTree>
@@ -16864,7 +18951,7 @@
 </p:sld>
 </file>
 
-<file path=ppt/slides/slide56.xml><?xml version="1.0" encoding="utf-8"?>
+<file path=ppt/slides/slide65.xml><?xml version="1.0" encoding="utf-8"?>
 <p:sld xmlns:a="http://schemas.openxmlformats.org/drawingml/2006/main" xmlns:r="http://schemas.openxmlformats.org/officeDocument/2006/relationships" xmlns:p="http://schemas.openxmlformats.org/presentationml/2006/main">
   <p:cSld>
     <p:spTree>
@@ -17239,7 +19326,7 @@
 </p:sld>
 </file>
 
-<file path=ppt/slides/slide57.xml><?xml version="1.0" encoding="utf-8"?>
+<file path=ppt/slides/slide66.xml><?xml version="1.0" encoding="utf-8"?>
 <p:sld xmlns:a="http://schemas.openxmlformats.org/drawingml/2006/main" xmlns:r="http://schemas.openxmlformats.org/officeDocument/2006/relationships" xmlns:p="http://schemas.openxmlformats.org/presentationml/2006/main">
   <p:cSld>
     <p:spTree>
@@ -17369,7 +19456,7 @@
 </p:sld>
 </file>
 
-<file path=ppt/slides/slide58.xml><?xml version="1.0" encoding="utf-8"?>
+<file path=ppt/slides/slide67.xml><?xml version="1.0" encoding="utf-8"?>
 <p:sld xmlns:a="http://schemas.openxmlformats.org/drawingml/2006/main" xmlns:r="http://schemas.openxmlformats.org/officeDocument/2006/relationships" xmlns:p="http://schemas.openxmlformats.org/presentationml/2006/main">
   <p:cSld>
     <p:spTree>
@@ -17583,7 +19670,7 @@
 </p:sld>
 </file>
 
-<file path=ppt/slides/slide59.xml><?xml version="1.0" encoding="utf-8"?>
+<file path=ppt/slides/slide68.xml><?xml version="1.0" encoding="utf-8"?>
 <p:sld xmlns:a="http://schemas.openxmlformats.org/drawingml/2006/main" xmlns:r="http://schemas.openxmlformats.org/officeDocument/2006/relationships" xmlns:p="http://schemas.openxmlformats.org/presentationml/2006/main">
   <p:cSld>
     <p:spTree>
@@ -17671,7 +19758,1238 @@
 </p:sld>
 </file>
 
-<file path=ppt/slides/slide6.xml><?xml version="1.0" encoding="utf-8"?>
+<file path=ppt/slides/slide7.xml><?xml version="1.0" encoding="utf-8"?>
+<p:sld xmlns:a="http://schemas.openxmlformats.org/drawingml/2006/main" xmlns:r="http://schemas.openxmlformats.org/officeDocument/2006/relationships" xmlns:p="http://schemas.openxmlformats.org/presentationml/2006/main">
+  <p:cSld>
+    <p:spTree>
+      <p:nvGrpSpPr>
+        <p:cNvPr id="1" name=""/>
+        <p:cNvGrpSpPr/>
+        <p:nvPr/>
+      </p:nvGrpSpPr>
+      <p:grpSpPr>
+        <a:xfrm>
+          <a:off x="0" y="0"/>
+          <a:ext cx="0" cy="0"/>
+          <a:chOff x="0" y="0"/>
+          <a:chExt cx="0" cy="0"/>
+        </a:xfrm>
+      </p:grpSpPr>
+      <p:sp>
+        <p:nvSpPr>
+          <p:cNvPr id="24" name="Flowchart: Internal Storage 23"/>
+          <p:cNvSpPr/>
+          <p:nvPr/>
+        </p:nvSpPr>
+        <p:spPr>
+          <a:xfrm>
+            <a:off x="786580" y="757085"/>
+            <a:ext cx="1641987" cy="924232"/>
+          </a:xfrm>
+          <a:prstGeom prst="flowChartInternalStorage">
+            <a:avLst/>
+          </a:prstGeom>
+        </p:spPr>
+        <p:style>
+          <a:lnRef idx="2">
+            <a:schemeClr val="accent1">
+              <a:shade val="50000"/>
+            </a:schemeClr>
+          </a:lnRef>
+          <a:fillRef idx="1">
+            <a:schemeClr val="accent1"/>
+          </a:fillRef>
+          <a:effectRef idx="0">
+            <a:schemeClr val="accent1"/>
+          </a:effectRef>
+          <a:fontRef idx="minor">
+            <a:schemeClr val="lt1"/>
+          </a:fontRef>
+        </p:style>
+        <p:txBody>
+          <a:bodyPr rtlCol="0" anchor="ctr"/>
+          <a:lstStyle/>
+          <a:p>
+            <a:pPr algn="ctr"/>
+            <a:r>
+              <a:rPr lang="en-US" dirty="0" smtClean="0"/>
+              <a:t>Request  for evaluation</a:t>
+            </a:r>
+            <a:endParaRPr lang="en-US" dirty="0"/>
+          </a:p>
+        </p:txBody>
+      </p:sp>
+      <p:sp>
+        <p:nvSpPr>
+          <p:cNvPr id="25" name="Flowchart: Document 24"/>
+          <p:cNvSpPr/>
+          <p:nvPr/>
+        </p:nvSpPr>
+        <p:spPr>
+          <a:xfrm>
+            <a:off x="9144001" y="571028"/>
+            <a:ext cx="1966451" cy="1296348"/>
+          </a:xfrm>
+          <a:prstGeom prst="flowChartDocument">
+            <a:avLst/>
+          </a:prstGeom>
+        </p:spPr>
+        <p:style>
+          <a:lnRef idx="2">
+            <a:schemeClr val="accent1">
+              <a:shade val="50000"/>
+            </a:schemeClr>
+          </a:lnRef>
+          <a:fillRef idx="1">
+            <a:schemeClr val="accent1"/>
+          </a:fillRef>
+          <a:effectRef idx="0">
+            <a:schemeClr val="accent1"/>
+          </a:effectRef>
+          <a:fontRef idx="minor">
+            <a:schemeClr val="lt1"/>
+          </a:fontRef>
+        </p:style>
+        <p:txBody>
+          <a:bodyPr rtlCol="0" anchor="ctr"/>
+          <a:lstStyle/>
+          <a:p>
+            <a:pPr algn="ctr"/>
+            <a:r>
+              <a:rPr lang="en-US" dirty="0" smtClean="0"/>
+              <a:t>Report on</a:t>
+            </a:r>
+          </a:p>
+          <a:p>
+            <a:pPr algn="ctr"/>
+            <a:r>
+              <a:rPr lang="en-US" dirty="0"/>
+              <a:t>p</a:t>
+            </a:r>
+            <a:r>
+              <a:rPr lang="en-US" dirty="0" smtClean="0"/>
+              <a:t>rovenance and data citations</a:t>
+            </a:r>
+            <a:endParaRPr lang="en-US" dirty="0"/>
+          </a:p>
+        </p:txBody>
+      </p:sp>
+      <p:sp>
+        <p:nvSpPr>
+          <p:cNvPr id="26" name="Flowchart: Process 25"/>
+          <p:cNvSpPr/>
+          <p:nvPr/>
+        </p:nvSpPr>
+        <p:spPr>
+          <a:xfrm>
+            <a:off x="3254478" y="571027"/>
+            <a:ext cx="1927123" cy="1296348"/>
+          </a:xfrm>
+          <a:prstGeom prst="flowChartProcess">
+            <a:avLst/>
+          </a:prstGeom>
+        </p:spPr>
+        <p:style>
+          <a:lnRef idx="2">
+            <a:schemeClr val="accent1">
+              <a:shade val="50000"/>
+            </a:schemeClr>
+          </a:lnRef>
+          <a:fillRef idx="1">
+            <a:schemeClr val="accent1"/>
+          </a:fillRef>
+          <a:effectRef idx="0">
+            <a:schemeClr val="accent1"/>
+          </a:effectRef>
+          <a:fontRef idx="minor">
+            <a:schemeClr val="lt1"/>
+          </a:fontRef>
+        </p:style>
+        <p:txBody>
+          <a:bodyPr rtlCol="0" anchor="ctr"/>
+          <a:lstStyle/>
+          <a:p>
+            <a:pPr algn="ctr"/>
+            <a:r>
+              <a:rPr lang="en-US" dirty="0" smtClean="0"/>
+              <a:t>Data citation and provenance analysis</a:t>
+            </a:r>
+            <a:endParaRPr lang="en-US" dirty="0"/>
+          </a:p>
+        </p:txBody>
+      </p:sp>
+      <p:cxnSp>
+        <p:nvCxnSpPr>
+          <p:cNvPr id="39" name="Straight Arrow Connector 38"/>
+          <p:cNvCxnSpPr>
+            <a:stCxn id="24" idx="3"/>
+            <a:endCxn id="26" idx="1"/>
+          </p:cNvCxnSpPr>
+          <p:nvPr/>
+        </p:nvCxnSpPr>
+        <p:spPr>
+          <a:xfrm>
+            <a:off x="2428567" y="1219201"/>
+            <a:ext cx="825911" cy="0"/>
+          </a:xfrm>
+          <a:prstGeom prst="straightConnector1">
+            <a:avLst/>
+          </a:prstGeom>
+          <a:ln w="63500">
+            <a:solidFill>
+              <a:schemeClr val="tx1"/>
+            </a:solidFill>
+            <a:tailEnd type="triangle"/>
+          </a:ln>
+        </p:spPr>
+        <p:style>
+          <a:lnRef idx="1">
+            <a:schemeClr val="accent1"/>
+          </a:lnRef>
+          <a:fillRef idx="0">
+            <a:schemeClr val="accent1"/>
+          </a:fillRef>
+          <a:effectRef idx="0">
+            <a:schemeClr val="accent1"/>
+          </a:effectRef>
+          <a:fontRef idx="minor">
+            <a:schemeClr val="tx1"/>
+          </a:fontRef>
+        </p:style>
+      </p:cxnSp>
+      <p:cxnSp>
+        <p:nvCxnSpPr>
+          <p:cNvPr id="69" name="Straight Arrow Connector 68"/>
+          <p:cNvCxnSpPr>
+            <a:stCxn id="26" idx="3"/>
+            <a:endCxn id="25" idx="1"/>
+          </p:cNvCxnSpPr>
+          <p:nvPr/>
+        </p:nvCxnSpPr>
+        <p:spPr>
+          <a:xfrm>
+            <a:off x="5181601" y="1219201"/>
+            <a:ext cx="3962400" cy="1"/>
+          </a:xfrm>
+          <a:prstGeom prst="straightConnector1">
+            <a:avLst/>
+          </a:prstGeom>
+          <a:ln w="63500">
+            <a:solidFill>
+              <a:schemeClr val="tx1"/>
+            </a:solidFill>
+            <a:prstDash val="sysDot"/>
+            <a:tailEnd type="triangle"/>
+          </a:ln>
+        </p:spPr>
+        <p:style>
+          <a:lnRef idx="1">
+            <a:schemeClr val="accent1"/>
+          </a:lnRef>
+          <a:fillRef idx="0">
+            <a:schemeClr val="accent1"/>
+          </a:fillRef>
+          <a:effectRef idx="0">
+            <a:schemeClr val="accent1"/>
+          </a:effectRef>
+          <a:fontRef idx="minor">
+            <a:schemeClr val="tx1"/>
+          </a:fontRef>
+        </p:style>
+      </p:cxnSp>
+    </p:spTree>
+    <p:extLst>
+      <p:ext uri="{BB962C8B-B14F-4D97-AF65-F5344CB8AC3E}">
+        <p14:creationId xmlns:p14="http://schemas.microsoft.com/office/powerpoint/2010/main" val="1619158342"/>
+      </p:ext>
+    </p:extLst>
+  </p:cSld>
+  <p:clrMapOvr>
+    <a:masterClrMapping/>
+  </p:clrMapOvr>
+  <p:timing>
+    <p:tnLst>
+      <p:par>
+        <p:cTn id="1" dur="indefinite" restart="never" nodeType="tmRoot">
+          <p:childTnLst>
+            <p:seq concurrent="1" nextAc="seek">
+              <p:cTn id="2" dur="indefinite" nodeType="mainSeq">
+                <p:childTnLst>
+                  <p:par>
+                    <p:cTn id="3" fill="hold">
+                      <p:stCondLst>
+                        <p:cond delay="indefinite"/>
+                        <p:cond evt="onBegin" delay="0">
+                          <p:tn val="2"/>
+                        </p:cond>
+                      </p:stCondLst>
+                      <p:childTnLst>
+                        <p:par>
+                          <p:cTn id="4" fill="hold">
+                            <p:stCondLst>
+                              <p:cond delay="0"/>
+                            </p:stCondLst>
+                            <p:childTnLst>
+                              <p:par>
+                                <p:cTn id="5" presetID="1" presetClass="entr" presetSubtype="0" fill="hold" nodeType="afterEffect">
+                                  <p:stCondLst>
+                                    <p:cond delay="0"/>
+                                  </p:stCondLst>
+                                  <p:childTnLst>
+                                    <p:set>
+                                      <p:cBhvr>
+                                        <p:cTn id="6" dur="1" fill="hold">
+                                          <p:stCondLst>
+                                            <p:cond delay="0"/>
+                                          </p:stCondLst>
+                                        </p:cTn>
+                                        <p:tgtEl>
+                                          <p:spTgt spid="39"/>
+                                        </p:tgtEl>
+                                        <p:attrNameLst>
+                                          <p:attrName>style.visibility</p:attrName>
+                                        </p:attrNameLst>
+                                      </p:cBhvr>
+                                      <p:to>
+                                        <p:strVal val="visible"/>
+                                      </p:to>
+                                    </p:set>
+                                  </p:childTnLst>
+                                </p:cTn>
+                              </p:par>
+                            </p:childTnLst>
+                          </p:cTn>
+                        </p:par>
+                        <p:par>
+                          <p:cTn id="7" fill="hold">
+                            <p:stCondLst>
+                              <p:cond delay="0"/>
+                            </p:stCondLst>
+                            <p:childTnLst>
+                              <p:par>
+                                <p:cTn id="8" presetID="1" presetClass="entr" presetSubtype="0" fill="hold" grpId="0" nodeType="afterEffect">
+                                  <p:stCondLst>
+                                    <p:cond delay="500"/>
+                                  </p:stCondLst>
+                                  <p:childTnLst>
+                                    <p:set>
+                                      <p:cBhvr>
+                                        <p:cTn id="9" dur="1" fill="hold">
+                                          <p:stCondLst>
+                                            <p:cond delay="0"/>
+                                          </p:stCondLst>
+                                        </p:cTn>
+                                        <p:tgtEl>
+                                          <p:spTgt spid="26"/>
+                                        </p:tgtEl>
+                                        <p:attrNameLst>
+                                          <p:attrName>style.visibility</p:attrName>
+                                        </p:attrNameLst>
+                                      </p:cBhvr>
+                                      <p:to>
+                                        <p:strVal val="visible"/>
+                                      </p:to>
+                                    </p:set>
+                                  </p:childTnLst>
+                                </p:cTn>
+                              </p:par>
+                            </p:childTnLst>
+                          </p:cTn>
+                        </p:par>
+                        <p:par>
+                          <p:cTn id="10" fill="hold">
+                            <p:stCondLst>
+                              <p:cond delay="500"/>
+                            </p:stCondLst>
+                            <p:childTnLst>
+                              <p:par>
+                                <p:cTn id="11" presetID="1" presetClass="entr" presetSubtype="0" fill="hold" nodeType="afterEffect">
+                                  <p:stCondLst>
+                                    <p:cond delay="500"/>
+                                  </p:stCondLst>
+                                  <p:childTnLst>
+                                    <p:set>
+                                      <p:cBhvr>
+                                        <p:cTn id="12" dur="1" fill="hold">
+                                          <p:stCondLst>
+                                            <p:cond delay="0"/>
+                                          </p:stCondLst>
+                                        </p:cTn>
+                                        <p:tgtEl>
+                                          <p:spTgt spid="69"/>
+                                        </p:tgtEl>
+                                        <p:attrNameLst>
+                                          <p:attrName>style.visibility</p:attrName>
+                                        </p:attrNameLst>
+                                      </p:cBhvr>
+                                      <p:to>
+                                        <p:strVal val="visible"/>
+                                      </p:to>
+                                    </p:set>
+                                  </p:childTnLst>
+                                </p:cTn>
+                              </p:par>
+                            </p:childTnLst>
+                          </p:cTn>
+                        </p:par>
+                        <p:par>
+                          <p:cTn id="13" fill="hold">
+                            <p:stCondLst>
+                              <p:cond delay="1000"/>
+                            </p:stCondLst>
+                            <p:childTnLst>
+                              <p:par>
+                                <p:cTn id="14" presetID="1" presetClass="entr" presetSubtype="0" fill="hold" grpId="0" nodeType="afterEffect">
+                                  <p:stCondLst>
+                                    <p:cond delay="0"/>
+                                  </p:stCondLst>
+                                  <p:childTnLst>
+                                    <p:set>
+                                      <p:cBhvr>
+                                        <p:cTn id="15" dur="1" fill="hold">
+                                          <p:stCondLst>
+                                            <p:cond delay="0"/>
+                                          </p:stCondLst>
+                                        </p:cTn>
+                                        <p:tgtEl>
+                                          <p:spTgt spid="25"/>
+                                        </p:tgtEl>
+                                        <p:attrNameLst>
+                                          <p:attrName>style.visibility</p:attrName>
+                                        </p:attrNameLst>
+                                      </p:cBhvr>
+                                      <p:to>
+                                        <p:strVal val="visible"/>
+                                      </p:to>
+                                    </p:set>
+                                  </p:childTnLst>
+                                </p:cTn>
+                              </p:par>
+                            </p:childTnLst>
+                          </p:cTn>
+                        </p:par>
+                      </p:childTnLst>
+                    </p:cTn>
+                  </p:par>
+                </p:childTnLst>
+              </p:cTn>
+              <p:prevCondLst>
+                <p:cond evt="onPrev" delay="0">
+                  <p:tgtEl>
+                    <p:sldTgt/>
+                  </p:tgtEl>
+                </p:cond>
+              </p:prevCondLst>
+              <p:nextCondLst>
+                <p:cond evt="onNext" delay="0">
+                  <p:tgtEl>
+                    <p:sldTgt/>
+                  </p:tgtEl>
+                </p:cond>
+              </p:nextCondLst>
+            </p:seq>
+          </p:childTnLst>
+        </p:cTn>
+      </p:par>
+    </p:tnLst>
+    <p:bldLst>
+      <p:bldP spid="25" grpId="0" animBg="1"/>
+      <p:bldP spid="26" grpId="0" animBg="1"/>
+    </p:bldLst>
+  </p:timing>
+</p:sld>
+</file>
+
+<file path=ppt/slides/slide8.xml><?xml version="1.0" encoding="utf-8"?>
+<p:sld xmlns:a="http://schemas.openxmlformats.org/drawingml/2006/main" xmlns:r="http://schemas.openxmlformats.org/officeDocument/2006/relationships" xmlns:p="http://schemas.openxmlformats.org/presentationml/2006/main">
+  <p:cSld>
+    <p:spTree>
+      <p:nvGrpSpPr>
+        <p:cNvPr id="1" name=""/>
+        <p:cNvGrpSpPr/>
+        <p:nvPr/>
+      </p:nvGrpSpPr>
+      <p:grpSpPr>
+        <a:xfrm>
+          <a:off x="0" y="0"/>
+          <a:ext cx="0" cy="0"/>
+          <a:chOff x="0" y="0"/>
+          <a:chExt cx="0" cy="0"/>
+        </a:xfrm>
+      </p:grpSpPr>
+      <p:sp>
+        <p:nvSpPr>
+          <p:cNvPr id="23" name="TextBox 22"/>
+          <p:cNvSpPr txBox="1"/>
+          <p:nvPr/>
+        </p:nvSpPr>
+        <p:spPr>
+          <a:xfrm>
+            <a:off x="620043" y="2581438"/>
+            <a:ext cx="2737673" cy="369332"/>
+          </a:xfrm>
+          <a:prstGeom prst="rect">
+            <a:avLst/>
+          </a:prstGeom>
+          <a:noFill/>
+        </p:spPr>
+        <p:txBody>
+          <a:bodyPr wrap="none" rtlCol="0">
+            <a:spAutoFit/>
+          </a:bodyPr>
+          <a:lstStyle/>
+          <a:p>
+            <a:r>
+              <a:rPr lang="en-US" dirty="0" smtClean="0"/>
+              <a:t>Can we access all the data?</a:t>
+            </a:r>
+            <a:endParaRPr lang="en-US" dirty="0"/>
+          </a:p>
+        </p:txBody>
+      </p:sp>
+      <p:sp>
+        <p:nvSpPr>
+          <p:cNvPr id="24" name="Flowchart: Internal Storage 23"/>
+          <p:cNvSpPr/>
+          <p:nvPr/>
+        </p:nvSpPr>
+        <p:spPr>
+          <a:xfrm>
+            <a:off x="786580" y="757085"/>
+            <a:ext cx="1641987" cy="924232"/>
+          </a:xfrm>
+          <a:prstGeom prst="flowChartInternalStorage">
+            <a:avLst/>
+          </a:prstGeom>
+        </p:spPr>
+        <p:style>
+          <a:lnRef idx="2">
+            <a:schemeClr val="accent1">
+              <a:shade val="50000"/>
+            </a:schemeClr>
+          </a:lnRef>
+          <a:fillRef idx="1">
+            <a:schemeClr val="accent1"/>
+          </a:fillRef>
+          <a:effectRef idx="0">
+            <a:schemeClr val="accent1"/>
+          </a:effectRef>
+          <a:fontRef idx="minor">
+            <a:schemeClr val="lt1"/>
+          </a:fontRef>
+        </p:style>
+        <p:txBody>
+          <a:bodyPr rtlCol="0" anchor="ctr"/>
+          <a:lstStyle/>
+          <a:p>
+            <a:pPr algn="ctr"/>
+            <a:r>
+              <a:rPr lang="en-US" dirty="0" smtClean="0"/>
+              <a:t>Request  for evaluation</a:t>
+            </a:r>
+            <a:endParaRPr lang="en-US" dirty="0"/>
+          </a:p>
+        </p:txBody>
+      </p:sp>
+      <p:sp>
+        <p:nvSpPr>
+          <p:cNvPr id="25" name="Flowchart: Document 24"/>
+          <p:cNvSpPr/>
+          <p:nvPr/>
+        </p:nvSpPr>
+        <p:spPr>
+          <a:xfrm>
+            <a:off x="9144001" y="571028"/>
+            <a:ext cx="1966451" cy="1296348"/>
+          </a:xfrm>
+          <a:prstGeom prst="flowChartDocument">
+            <a:avLst/>
+          </a:prstGeom>
+        </p:spPr>
+        <p:style>
+          <a:lnRef idx="2">
+            <a:schemeClr val="accent1">
+              <a:shade val="50000"/>
+            </a:schemeClr>
+          </a:lnRef>
+          <a:fillRef idx="1">
+            <a:schemeClr val="accent1"/>
+          </a:fillRef>
+          <a:effectRef idx="0">
+            <a:schemeClr val="accent1"/>
+          </a:effectRef>
+          <a:fontRef idx="minor">
+            <a:schemeClr val="lt1"/>
+          </a:fontRef>
+        </p:style>
+        <p:txBody>
+          <a:bodyPr rtlCol="0" anchor="ctr"/>
+          <a:lstStyle/>
+          <a:p>
+            <a:pPr algn="ctr"/>
+            <a:r>
+              <a:rPr lang="en-US" dirty="0" smtClean="0"/>
+              <a:t>Report on</a:t>
+            </a:r>
+          </a:p>
+          <a:p>
+            <a:pPr algn="ctr"/>
+            <a:r>
+              <a:rPr lang="en-US" dirty="0"/>
+              <a:t>p</a:t>
+            </a:r>
+            <a:r>
+              <a:rPr lang="en-US" dirty="0" smtClean="0"/>
+              <a:t>rovenance and data citations</a:t>
+            </a:r>
+            <a:endParaRPr lang="en-US" dirty="0"/>
+          </a:p>
+        </p:txBody>
+      </p:sp>
+      <p:sp>
+        <p:nvSpPr>
+          <p:cNvPr id="26" name="Flowchart: Process 25"/>
+          <p:cNvSpPr/>
+          <p:nvPr/>
+        </p:nvSpPr>
+        <p:spPr>
+          <a:xfrm>
+            <a:off x="3254478" y="571027"/>
+            <a:ext cx="1927123" cy="1296348"/>
+          </a:xfrm>
+          <a:prstGeom prst="flowChartProcess">
+            <a:avLst/>
+          </a:prstGeom>
+        </p:spPr>
+        <p:style>
+          <a:lnRef idx="2">
+            <a:schemeClr val="accent1">
+              <a:shade val="50000"/>
+            </a:schemeClr>
+          </a:lnRef>
+          <a:fillRef idx="1">
+            <a:schemeClr val="accent1"/>
+          </a:fillRef>
+          <a:effectRef idx="0">
+            <a:schemeClr val="accent1"/>
+          </a:effectRef>
+          <a:fontRef idx="minor">
+            <a:schemeClr val="lt1"/>
+          </a:fontRef>
+        </p:style>
+        <p:txBody>
+          <a:bodyPr rtlCol="0" anchor="ctr"/>
+          <a:lstStyle/>
+          <a:p>
+            <a:pPr algn="ctr"/>
+            <a:r>
+              <a:rPr lang="en-US" dirty="0" smtClean="0"/>
+              <a:t>Data citation and provenance analysis</a:t>
+            </a:r>
+            <a:endParaRPr lang="en-US" dirty="0"/>
+          </a:p>
+        </p:txBody>
+      </p:sp>
+      <p:sp>
+        <p:nvSpPr>
+          <p:cNvPr id="27" name="Flowchart: Decision 26"/>
+          <p:cNvSpPr/>
+          <p:nvPr/>
+        </p:nvSpPr>
+        <p:spPr>
+          <a:xfrm>
+            <a:off x="3357716" y="2397771"/>
+            <a:ext cx="1720645" cy="786581"/>
+          </a:xfrm>
+          <a:prstGeom prst="flowChartDecision">
+            <a:avLst/>
+          </a:prstGeom>
+          <a:solidFill>
+            <a:schemeClr val="accent2"/>
+          </a:solidFill>
+        </p:spPr>
+        <p:style>
+          <a:lnRef idx="2">
+            <a:schemeClr val="accent1">
+              <a:shade val="50000"/>
+            </a:schemeClr>
+          </a:lnRef>
+          <a:fillRef idx="1">
+            <a:schemeClr val="accent1"/>
+          </a:fillRef>
+          <a:effectRef idx="0">
+            <a:schemeClr val="accent1"/>
+          </a:effectRef>
+          <a:fontRef idx="minor">
+            <a:schemeClr val="lt1"/>
+          </a:fontRef>
+        </p:style>
+        <p:txBody>
+          <a:bodyPr rtlCol="0" anchor="ctr"/>
+          <a:lstStyle/>
+          <a:p>
+            <a:pPr algn="ctr"/>
+            <a:endParaRPr lang="en-US"/>
+          </a:p>
+        </p:txBody>
+      </p:sp>
+      <p:sp>
+        <p:nvSpPr>
+          <p:cNvPr id="30" name="Flowchart: Process 29"/>
+          <p:cNvSpPr/>
+          <p:nvPr/>
+        </p:nvSpPr>
+        <p:spPr>
+          <a:xfrm>
+            <a:off x="5869247" y="2293882"/>
+            <a:ext cx="1946787" cy="994358"/>
+          </a:xfrm>
+          <a:prstGeom prst="flowChartProcess">
+            <a:avLst/>
+          </a:prstGeom>
+          <a:solidFill>
+            <a:schemeClr val="accent2"/>
+          </a:solidFill>
+        </p:spPr>
+        <p:style>
+          <a:lnRef idx="2">
+            <a:schemeClr val="accent1">
+              <a:shade val="50000"/>
+            </a:schemeClr>
+          </a:lnRef>
+          <a:fillRef idx="1">
+            <a:schemeClr val="accent1"/>
+          </a:fillRef>
+          <a:effectRef idx="0">
+            <a:schemeClr val="accent1"/>
+          </a:effectRef>
+          <a:fontRef idx="minor">
+            <a:schemeClr val="lt1"/>
+          </a:fontRef>
+        </p:style>
+        <p:txBody>
+          <a:bodyPr rtlCol="0" anchor="ctr"/>
+          <a:lstStyle/>
+          <a:p>
+            <a:pPr algn="ctr"/>
+            <a:r>
+              <a:rPr lang="en-US" dirty="0" smtClean="0"/>
+              <a:t>Conduct reproducibility check</a:t>
+            </a:r>
+            <a:endParaRPr lang="en-US" dirty="0"/>
+          </a:p>
+        </p:txBody>
+      </p:sp>
+      <p:sp>
+        <p:nvSpPr>
+          <p:cNvPr id="35" name="Flowchart: Document 34"/>
+          <p:cNvSpPr/>
+          <p:nvPr/>
+        </p:nvSpPr>
+        <p:spPr>
+          <a:xfrm>
+            <a:off x="9144001" y="2142887"/>
+            <a:ext cx="1966451" cy="1296348"/>
+          </a:xfrm>
+          <a:prstGeom prst="flowChartDocument">
+            <a:avLst/>
+          </a:prstGeom>
+          <a:solidFill>
+            <a:schemeClr val="accent2"/>
+          </a:solidFill>
+        </p:spPr>
+        <p:style>
+          <a:lnRef idx="2">
+            <a:schemeClr val="accent1">
+              <a:shade val="50000"/>
+            </a:schemeClr>
+          </a:lnRef>
+          <a:fillRef idx="1">
+            <a:schemeClr val="accent1"/>
+          </a:fillRef>
+          <a:effectRef idx="0">
+            <a:schemeClr val="accent1"/>
+          </a:effectRef>
+          <a:fontRef idx="minor">
+            <a:schemeClr val="lt1"/>
+          </a:fontRef>
+        </p:style>
+        <p:txBody>
+          <a:bodyPr rtlCol="0" anchor="ctr"/>
+          <a:lstStyle/>
+          <a:p>
+            <a:pPr algn="ctr"/>
+            <a:r>
+              <a:rPr lang="en-US" dirty="0" smtClean="0"/>
+              <a:t>Report on</a:t>
+            </a:r>
+          </a:p>
+          <a:p>
+            <a:pPr algn="ctr"/>
+            <a:r>
+              <a:rPr lang="en-US" dirty="0" smtClean="0"/>
+              <a:t>computational reproducibility</a:t>
+            </a:r>
+            <a:endParaRPr lang="en-US" dirty="0"/>
+          </a:p>
+        </p:txBody>
+      </p:sp>
+      <p:cxnSp>
+        <p:nvCxnSpPr>
+          <p:cNvPr id="39" name="Straight Arrow Connector 38"/>
+          <p:cNvCxnSpPr>
+            <a:stCxn id="24" idx="3"/>
+            <a:endCxn id="26" idx="1"/>
+          </p:cNvCxnSpPr>
+          <p:nvPr/>
+        </p:nvCxnSpPr>
+        <p:spPr>
+          <a:xfrm>
+            <a:off x="2428567" y="1219201"/>
+            <a:ext cx="825911" cy="0"/>
+          </a:xfrm>
+          <a:prstGeom prst="straightConnector1">
+            <a:avLst/>
+          </a:prstGeom>
+          <a:ln w="63500">
+            <a:solidFill>
+              <a:schemeClr val="tx1"/>
+            </a:solidFill>
+            <a:tailEnd type="triangle"/>
+          </a:ln>
+        </p:spPr>
+        <p:style>
+          <a:lnRef idx="1">
+            <a:schemeClr val="accent1"/>
+          </a:lnRef>
+          <a:fillRef idx="0">
+            <a:schemeClr val="accent1"/>
+          </a:fillRef>
+          <a:effectRef idx="0">
+            <a:schemeClr val="accent1"/>
+          </a:effectRef>
+          <a:fontRef idx="minor">
+            <a:schemeClr val="tx1"/>
+          </a:fontRef>
+        </p:style>
+      </p:cxnSp>
+      <p:cxnSp>
+        <p:nvCxnSpPr>
+          <p:cNvPr id="40" name="Straight Arrow Connector 39"/>
+          <p:cNvCxnSpPr>
+            <a:stCxn id="26" idx="2"/>
+            <a:endCxn id="27" idx="0"/>
+          </p:cNvCxnSpPr>
+          <p:nvPr/>
+        </p:nvCxnSpPr>
+        <p:spPr>
+          <a:xfrm flipH="1">
+            <a:off x="4218039" y="1867375"/>
+            <a:ext cx="1" cy="530396"/>
+          </a:xfrm>
+          <a:prstGeom prst="straightConnector1">
+            <a:avLst/>
+          </a:prstGeom>
+          <a:ln w="63500">
+            <a:solidFill>
+              <a:schemeClr val="tx1"/>
+            </a:solidFill>
+            <a:tailEnd type="triangle"/>
+          </a:ln>
+        </p:spPr>
+        <p:style>
+          <a:lnRef idx="1">
+            <a:schemeClr val="accent1"/>
+          </a:lnRef>
+          <a:fillRef idx="0">
+            <a:schemeClr val="accent1"/>
+          </a:fillRef>
+          <a:effectRef idx="0">
+            <a:schemeClr val="accent1"/>
+          </a:effectRef>
+          <a:fontRef idx="minor">
+            <a:schemeClr val="tx1"/>
+          </a:fontRef>
+        </p:style>
+      </p:cxnSp>
+      <p:cxnSp>
+        <p:nvCxnSpPr>
+          <p:cNvPr id="50" name="Straight Arrow Connector 49"/>
+          <p:cNvCxnSpPr>
+            <a:stCxn id="27" idx="3"/>
+            <a:endCxn id="30" idx="1"/>
+          </p:cNvCxnSpPr>
+          <p:nvPr/>
+        </p:nvCxnSpPr>
+        <p:spPr>
+          <a:xfrm flipV="1">
+            <a:off x="5078361" y="2791061"/>
+            <a:ext cx="790886" cy="1"/>
+          </a:xfrm>
+          <a:prstGeom prst="straightConnector1">
+            <a:avLst/>
+          </a:prstGeom>
+          <a:ln w="63500">
+            <a:solidFill>
+              <a:schemeClr val="tx1"/>
+            </a:solidFill>
+            <a:tailEnd type="triangle"/>
+          </a:ln>
+        </p:spPr>
+        <p:style>
+          <a:lnRef idx="1">
+            <a:schemeClr val="accent1"/>
+          </a:lnRef>
+          <a:fillRef idx="0">
+            <a:schemeClr val="accent1"/>
+          </a:fillRef>
+          <a:effectRef idx="0">
+            <a:schemeClr val="accent1"/>
+          </a:effectRef>
+          <a:fontRef idx="minor">
+            <a:schemeClr val="tx1"/>
+          </a:fontRef>
+        </p:style>
+      </p:cxnSp>
+      <p:cxnSp>
+        <p:nvCxnSpPr>
+          <p:cNvPr id="57" name="Straight Arrow Connector 56"/>
+          <p:cNvCxnSpPr>
+            <a:stCxn id="30" idx="3"/>
+            <a:endCxn id="35" idx="1"/>
+          </p:cNvCxnSpPr>
+          <p:nvPr/>
+        </p:nvCxnSpPr>
+        <p:spPr>
+          <a:xfrm>
+            <a:off x="7816034" y="2791061"/>
+            <a:ext cx="1327967" cy="0"/>
+          </a:xfrm>
+          <a:prstGeom prst="straightConnector1">
+            <a:avLst/>
+          </a:prstGeom>
+          <a:ln w="63500">
+            <a:solidFill>
+              <a:schemeClr val="tx1"/>
+            </a:solidFill>
+            <a:prstDash val="sysDot"/>
+            <a:tailEnd type="triangle"/>
+          </a:ln>
+        </p:spPr>
+        <p:style>
+          <a:lnRef idx="1">
+            <a:schemeClr val="accent1"/>
+          </a:lnRef>
+          <a:fillRef idx="0">
+            <a:schemeClr val="accent1"/>
+          </a:fillRef>
+          <a:effectRef idx="0">
+            <a:schemeClr val="accent1"/>
+          </a:effectRef>
+          <a:fontRef idx="minor">
+            <a:schemeClr val="tx1"/>
+          </a:fontRef>
+        </p:style>
+      </p:cxnSp>
+      <p:cxnSp>
+        <p:nvCxnSpPr>
+          <p:cNvPr id="69" name="Straight Arrow Connector 68"/>
+          <p:cNvCxnSpPr>
+            <a:stCxn id="26" idx="3"/>
+            <a:endCxn id="25" idx="1"/>
+          </p:cNvCxnSpPr>
+          <p:nvPr/>
+        </p:nvCxnSpPr>
+        <p:spPr>
+          <a:xfrm>
+            <a:off x="5181601" y="1219201"/>
+            <a:ext cx="3962400" cy="1"/>
+          </a:xfrm>
+          <a:prstGeom prst="straightConnector1">
+            <a:avLst/>
+          </a:prstGeom>
+          <a:ln w="63500">
+            <a:solidFill>
+              <a:schemeClr val="tx1"/>
+            </a:solidFill>
+            <a:prstDash val="sysDot"/>
+            <a:tailEnd type="triangle"/>
+          </a:ln>
+        </p:spPr>
+        <p:style>
+          <a:lnRef idx="1">
+            <a:schemeClr val="accent1"/>
+          </a:lnRef>
+          <a:fillRef idx="0">
+            <a:schemeClr val="accent1"/>
+          </a:fillRef>
+          <a:effectRef idx="0">
+            <a:schemeClr val="accent1"/>
+          </a:effectRef>
+          <a:fontRef idx="minor">
+            <a:schemeClr val="tx1"/>
+          </a:fontRef>
+        </p:style>
+      </p:cxnSp>
+      <p:sp>
+        <p:nvSpPr>
+          <p:cNvPr id="34" name="TextBox 33"/>
+          <p:cNvSpPr txBox="1"/>
+          <p:nvPr/>
+        </p:nvSpPr>
+        <p:spPr>
+          <a:xfrm>
+            <a:off x="5103307" y="2407729"/>
+            <a:ext cx="485518" cy="369332"/>
+          </a:xfrm>
+          <a:prstGeom prst="rect">
+            <a:avLst/>
+          </a:prstGeom>
+          <a:noFill/>
+        </p:spPr>
+        <p:txBody>
+          <a:bodyPr wrap="none" rtlCol="0">
+            <a:spAutoFit/>
+          </a:bodyPr>
+          <a:lstStyle/>
+          <a:p>
+            <a:r>
+              <a:rPr lang="en-US" dirty="0" smtClean="0"/>
+              <a:t>Yes</a:t>
+            </a:r>
+            <a:endParaRPr lang="en-US" dirty="0"/>
+          </a:p>
+        </p:txBody>
+      </p:sp>
+    </p:spTree>
+    <p:extLst>
+      <p:ext uri="{BB962C8B-B14F-4D97-AF65-F5344CB8AC3E}">
+        <p14:creationId xmlns:p14="http://schemas.microsoft.com/office/powerpoint/2010/main" val="3407472652"/>
+      </p:ext>
+    </p:extLst>
+  </p:cSld>
+  <p:clrMapOvr>
+    <a:masterClrMapping/>
+  </p:clrMapOvr>
+  <p:timing>
+    <p:tnLst>
+      <p:par>
+        <p:cTn id="1" dur="indefinite" restart="never" nodeType="tmRoot">
+          <p:childTnLst>
+            <p:seq concurrent="1" nextAc="seek">
+              <p:cTn id="2" dur="indefinite" nodeType="mainSeq">
+                <p:childTnLst>
+                  <p:par>
+                    <p:cTn id="3" fill="hold">
+                      <p:stCondLst>
+                        <p:cond delay="indefinite"/>
+                      </p:stCondLst>
+                      <p:childTnLst>
+                        <p:par>
+                          <p:cTn id="4" fill="hold">
+                            <p:stCondLst>
+                              <p:cond delay="0"/>
+                            </p:stCondLst>
+                            <p:childTnLst>
+                              <p:par>
+                                <p:cTn id="5" presetID="1" presetClass="entr" presetSubtype="0" fill="hold" nodeType="clickEffect">
+                                  <p:stCondLst>
+                                    <p:cond delay="0"/>
+                                  </p:stCondLst>
+                                  <p:childTnLst>
+                                    <p:set>
+                                      <p:cBhvr>
+                                        <p:cTn id="6" dur="1" fill="hold">
+                                          <p:stCondLst>
+                                            <p:cond delay="0"/>
+                                          </p:stCondLst>
+                                        </p:cTn>
+                                        <p:tgtEl>
+                                          <p:spTgt spid="50"/>
+                                        </p:tgtEl>
+                                        <p:attrNameLst>
+                                          <p:attrName>style.visibility</p:attrName>
+                                        </p:attrNameLst>
+                                      </p:cBhvr>
+                                      <p:to>
+                                        <p:strVal val="visible"/>
+                                      </p:to>
+                                    </p:set>
+                                  </p:childTnLst>
+                                </p:cTn>
+                              </p:par>
+                              <p:par>
+                                <p:cTn id="7" presetID="1" presetClass="entr" presetSubtype="0" fill="hold" grpId="0" nodeType="withEffect">
+                                  <p:stCondLst>
+                                    <p:cond delay="0"/>
+                                  </p:stCondLst>
+                                  <p:childTnLst>
+                                    <p:set>
+                                      <p:cBhvr>
+                                        <p:cTn id="8" dur="1" fill="hold">
+                                          <p:stCondLst>
+                                            <p:cond delay="0"/>
+                                          </p:stCondLst>
+                                        </p:cTn>
+                                        <p:tgtEl>
+                                          <p:spTgt spid="34"/>
+                                        </p:tgtEl>
+                                        <p:attrNameLst>
+                                          <p:attrName>style.visibility</p:attrName>
+                                        </p:attrNameLst>
+                                      </p:cBhvr>
+                                      <p:to>
+                                        <p:strVal val="visible"/>
+                                      </p:to>
+                                    </p:set>
+                                  </p:childTnLst>
+                                </p:cTn>
+                              </p:par>
+                            </p:childTnLst>
+                          </p:cTn>
+                        </p:par>
+                        <p:par>
+                          <p:cTn id="9" fill="hold">
+                            <p:stCondLst>
+                              <p:cond delay="0"/>
+                            </p:stCondLst>
+                            <p:childTnLst>
+                              <p:par>
+                                <p:cTn id="10" presetID="1" presetClass="entr" presetSubtype="0" fill="hold" grpId="0" nodeType="afterEffect">
+                                  <p:stCondLst>
+                                    <p:cond delay="500"/>
+                                  </p:stCondLst>
+                                  <p:childTnLst>
+                                    <p:set>
+                                      <p:cBhvr>
+                                        <p:cTn id="11" dur="1" fill="hold">
+                                          <p:stCondLst>
+                                            <p:cond delay="0"/>
+                                          </p:stCondLst>
+                                        </p:cTn>
+                                        <p:tgtEl>
+                                          <p:spTgt spid="30"/>
+                                        </p:tgtEl>
+                                        <p:attrNameLst>
+                                          <p:attrName>style.visibility</p:attrName>
+                                        </p:attrNameLst>
+                                      </p:cBhvr>
+                                      <p:to>
+                                        <p:strVal val="visible"/>
+                                      </p:to>
+                                    </p:set>
+                                  </p:childTnLst>
+                                </p:cTn>
+                              </p:par>
+                            </p:childTnLst>
+                          </p:cTn>
+                        </p:par>
+                        <p:par>
+                          <p:cTn id="12" fill="hold">
+                            <p:stCondLst>
+                              <p:cond delay="500"/>
+                            </p:stCondLst>
+                            <p:childTnLst>
+                              <p:par>
+                                <p:cTn id="13" presetID="1" presetClass="entr" presetSubtype="0" fill="hold" nodeType="afterEffect">
+                                  <p:stCondLst>
+                                    <p:cond delay="500"/>
+                                  </p:stCondLst>
+                                  <p:childTnLst>
+                                    <p:set>
+                                      <p:cBhvr>
+                                        <p:cTn id="14" dur="1" fill="hold">
+                                          <p:stCondLst>
+                                            <p:cond delay="0"/>
+                                          </p:stCondLst>
+                                        </p:cTn>
+                                        <p:tgtEl>
+                                          <p:spTgt spid="57"/>
+                                        </p:tgtEl>
+                                        <p:attrNameLst>
+                                          <p:attrName>style.visibility</p:attrName>
+                                        </p:attrNameLst>
+                                      </p:cBhvr>
+                                      <p:to>
+                                        <p:strVal val="visible"/>
+                                      </p:to>
+                                    </p:set>
+                                  </p:childTnLst>
+                                </p:cTn>
+                              </p:par>
+                            </p:childTnLst>
+                          </p:cTn>
+                        </p:par>
+                        <p:par>
+                          <p:cTn id="15" fill="hold">
+                            <p:stCondLst>
+                              <p:cond delay="1000"/>
+                            </p:stCondLst>
+                            <p:childTnLst>
+                              <p:par>
+                                <p:cTn id="16" presetID="1" presetClass="entr" presetSubtype="0" fill="hold" grpId="0" nodeType="afterEffect">
+                                  <p:stCondLst>
+                                    <p:cond delay="500"/>
+                                  </p:stCondLst>
+                                  <p:childTnLst>
+                                    <p:set>
+                                      <p:cBhvr>
+                                        <p:cTn id="17" dur="1" fill="hold">
+                                          <p:stCondLst>
+                                            <p:cond delay="0"/>
+                                          </p:stCondLst>
+                                        </p:cTn>
+                                        <p:tgtEl>
+                                          <p:spTgt spid="35"/>
+                                        </p:tgtEl>
+                                        <p:attrNameLst>
+                                          <p:attrName>style.visibility</p:attrName>
+                                        </p:attrNameLst>
+                                      </p:cBhvr>
+                                      <p:to>
+                                        <p:strVal val="visible"/>
+                                      </p:to>
+                                    </p:set>
+                                  </p:childTnLst>
+                                </p:cTn>
+                              </p:par>
+                            </p:childTnLst>
+                          </p:cTn>
+                        </p:par>
+                      </p:childTnLst>
+                    </p:cTn>
+                  </p:par>
+                </p:childTnLst>
+              </p:cTn>
+              <p:prevCondLst>
+                <p:cond evt="onPrev" delay="0">
+                  <p:tgtEl>
+                    <p:sldTgt/>
+                  </p:tgtEl>
+                </p:cond>
+              </p:prevCondLst>
+              <p:nextCondLst>
+                <p:cond evt="onNext" delay="0">
+                  <p:tgtEl>
+                    <p:sldTgt/>
+                  </p:tgtEl>
+                </p:cond>
+              </p:nextCondLst>
+            </p:seq>
+          </p:childTnLst>
+        </p:cTn>
+      </p:par>
+    </p:tnLst>
+    <p:bldLst>
+      <p:bldP spid="30" grpId="0" animBg="1"/>
+      <p:bldP spid="35" grpId="0" animBg="1"/>
+      <p:bldP spid="34" grpId="0"/>
+    </p:bldLst>
+  </p:timing>
+</p:sld>
+</file>
+
+<file path=ppt/slides/slide9.xml><?xml version="1.0" encoding="utf-8"?>
 <p:sld xmlns:a="http://schemas.openxmlformats.org/drawingml/2006/main" xmlns:r="http://schemas.openxmlformats.org/officeDocument/2006/relationships" xmlns:p="http://schemas.openxmlformats.org/presentationml/2006/main">
   <p:cSld>
     <p:spTree>
@@ -18877,6 +22195,36 @@
           </a:p>
         </p:txBody>
       </p:sp>
+      <p:sp>
+        <p:nvSpPr>
+          <p:cNvPr id="34" name="TextBox 33"/>
+          <p:cNvSpPr txBox="1"/>
+          <p:nvPr/>
+        </p:nvSpPr>
+        <p:spPr>
+          <a:xfrm>
+            <a:off x="5103307" y="2407729"/>
+            <a:ext cx="485518" cy="369332"/>
+          </a:xfrm>
+          <a:prstGeom prst="rect">
+            <a:avLst/>
+          </a:prstGeom>
+          <a:noFill/>
+        </p:spPr>
+        <p:txBody>
+          <a:bodyPr wrap="none" rtlCol="0">
+            <a:spAutoFit/>
+          </a:bodyPr>
+          <a:lstStyle/>
+          <a:p>
+            <a:r>
+              <a:rPr lang="en-US" dirty="0" smtClean="0"/>
+              <a:t>Yes</a:t>
+            </a:r>
+            <a:endParaRPr lang="en-US" dirty="0"/>
+          </a:p>
+        </p:txBody>
+      </p:sp>
     </p:spTree>
     <p:extLst>
       <p:ext uri="{BB962C8B-B14F-4D97-AF65-F5344CB8AC3E}">
@@ -18899,6 +22247,9 @@
                     <p:cTn id="3" fill="hold">
                       <p:stCondLst>
                         <p:cond delay="indefinite"/>
+                        <p:cond evt="onBegin" delay="0">
+                          <p:tn val="2"/>
+                        </p:cond>
                       </p:stCondLst>
                       <p:childTnLst>
                         <p:par>
@@ -18908,7 +22259,7 @@
                             </p:stCondLst>
                             <p:childTnLst>
                               <p:par>
-                                <p:cTn id="5" presetID="1" presetClass="entr" presetSubtype="0" fill="hold" nodeType="clickEffect">
+                                <p:cTn id="5" presetID="1" presetClass="entr" presetSubtype="0" fill="hold" nodeType="afterEffect">
                                   <p:stCondLst>
                                     <p:cond delay="0"/>
                                   </p:stCondLst>
@@ -19047,7 +22398,34 @@
                                           </p:stCondLst>
                                         </p:cTn>
                                         <p:tgtEl>
-                                          <p:spTgt spid="46"/>
+                                          <p:spTgt spid="53"/>
+                                        </p:tgtEl>
+                                        <p:attrNameLst>
+                                          <p:attrName>style.visibility</p:attrName>
+                                        </p:attrNameLst>
+                                      </p:cBhvr>
+                                      <p:to>
+                                        <p:strVal val="visible"/>
+                                      </p:to>
+                                    </p:set>
+                                  </p:childTnLst>
+                                </p:cTn>
+                              </p:par>
+                              <p:par>
+                                <p:cTn id="17" presetID="1" presetClass="entr" presetSubtype="0" fill="hold" grpId="0" nodeType="withEffect">
+                                  <p:stCondLst>
+                                    <p:cond delay="0"/>
+                                  </p:stCondLst>
+                                  <p:childTnLst>
+                                    <p:set>
+                                      <p:cBhvr>
+                                        <p:cTn id="18" dur="1" fill="hold">
+                                          <p:stCondLst>
+                                            <p:cond delay="0"/>
+                                          </p:stCondLst>
+                                        </p:cTn>
+                                        <p:tgtEl>
+                                          <p:spTgt spid="33"/>
                                         </p:tgtEl>
                                         <p:attrNameLst>
                                           <p:attrName>style.visibility</p:attrName>
@@ -19064,40 +22442,13 @@
                           </p:cTn>
                         </p:par>
                         <p:par>
-                          <p:cTn id="17" fill="hold">
+                          <p:cTn id="19" fill="hold">
                             <p:stCondLst>
                               <p:cond delay="0"/>
                             </p:stCondLst>
                             <p:childTnLst>
                               <p:par>
-                                <p:cTn id="18" presetID="1" presetClass="entr" presetSubtype="0" fill="hold" grpId="0" nodeType="afterEffect">
-                                  <p:stCondLst>
-                                    <p:cond delay="0"/>
-                                  </p:stCondLst>
-                                  <p:childTnLst>
-                                    <p:set>
-                                      <p:cBhvr>
-                                        <p:cTn id="19" dur="1" fill="hold">
-                                          <p:stCondLst>
-                                            <p:cond delay="0"/>
-                                          </p:stCondLst>
-                                        </p:cTn>
-                                        <p:tgtEl>
-                                          <p:spTgt spid="31"/>
-                                        </p:tgtEl>
-                                        <p:attrNameLst>
-                                          <p:attrName>style.visibility</p:attrName>
-                                        </p:attrNameLst>
-                                      </p:cBhvr>
-                                      <p:to>
-                                        <p:strVal val="visible"/>
-                                      </p:to>
-                                    </p:set>
-                                  </p:childTnLst>
-                                </p:cTn>
-                              </p:par>
-                              <p:par>
-                                <p:cTn id="20" presetID="1" presetClass="entr" presetSubtype="0" fill="hold" grpId="0" nodeType="withEffect">
+                                <p:cTn id="20" presetID="1" presetClass="entr" presetSubtype="0" fill="hold" grpId="0" nodeType="afterEffect">
                                   <p:stCondLst>
                                     <p:cond delay="0"/>
                                   </p:stCondLst>
@@ -19105,184 +22456,6 @@
                                     <p:set>
                                       <p:cBhvr>
                                         <p:cTn id="21" dur="1" fill="hold">
-                                          <p:stCondLst>
-                                            <p:cond delay="0"/>
-                                          </p:stCondLst>
-                                        </p:cTn>
-                                        <p:tgtEl>
-                                          <p:spTgt spid="32"/>
-                                        </p:tgtEl>
-                                        <p:attrNameLst>
-                                          <p:attrName>style.visibility</p:attrName>
-                                        </p:attrNameLst>
-                                      </p:cBhvr>
-                                      <p:to>
-                                        <p:strVal val="visible"/>
-                                      </p:to>
-                                    </p:set>
-                                  </p:childTnLst>
-                                </p:cTn>
-                              </p:par>
-                            </p:childTnLst>
-                          </p:cTn>
-                        </p:par>
-                        <p:par>
-                          <p:cTn id="22" fill="hold">
-                            <p:stCondLst>
-                              <p:cond delay="0"/>
-                            </p:stCondLst>
-                            <p:childTnLst>
-                              <p:par>
-                                <p:cTn id="23" presetID="22" presetClass="entr" presetSubtype="8" fill="hold" nodeType="afterEffect">
-                                  <p:stCondLst>
-                                    <p:cond delay="0"/>
-                                  </p:stCondLst>
-                                  <p:childTnLst>
-                                    <p:set>
-                                      <p:cBhvr>
-                                        <p:cTn id="24" dur="1" fill="hold">
-                                          <p:stCondLst>
-                                            <p:cond delay="0"/>
-                                          </p:stCondLst>
-                                        </p:cTn>
-                                        <p:tgtEl>
-                                          <p:spTgt spid="108"/>
-                                        </p:tgtEl>
-                                        <p:attrNameLst>
-                                          <p:attrName>style.visibility</p:attrName>
-                                        </p:attrNameLst>
-                                      </p:cBhvr>
-                                      <p:to>
-                                        <p:strVal val="visible"/>
-                                      </p:to>
-                                    </p:set>
-                                    <p:animEffect transition="in" filter="wipe(left)">
-                                      <p:cBhvr>
-                                        <p:cTn id="25" dur="500"/>
-                                        <p:tgtEl>
-                                          <p:spTgt spid="108"/>
-                                        </p:tgtEl>
-                                      </p:cBhvr>
-                                    </p:animEffect>
-                                  </p:childTnLst>
-                                </p:cTn>
-                              </p:par>
-                            </p:childTnLst>
-                          </p:cTn>
-                        </p:par>
-                        <p:par>
-                          <p:cTn id="26" fill="hold">
-                            <p:stCondLst>
-                              <p:cond delay="500"/>
-                            </p:stCondLst>
-                            <p:childTnLst>
-                              <p:par>
-                                <p:cTn id="27" presetID="22" presetClass="entr" presetSubtype="8" fill="hold" grpId="0" nodeType="afterEffect">
-                                  <p:stCondLst>
-                                    <p:cond delay="0"/>
-                                  </p:stCondLst>
-                                  <p:childTnLst>
-                                    <p:set>
-                                      <p:cBhvr>
-                                        <p:cTn id="28" dur="1" fill="hold">
-                                          <p:stCondLst>
-                                            <p:cond delay="0"/>
-                                          </p:stCondLst>
-                                        </p:cTn>
-                                        <p:tgtEl>
-                                          <p:spTgt spid="36"/>
-                                        </p:tgtEl>
-                                        <p:attrNameLst>
-                                          <p:attrName>style.visibility</p:attrName>
-                                        </p:attrNameLst>
-                                      </p:cBhvr>
-                                      <p:to>
-                                        <p:strVal val="visible"/>
-                                      </p:to>
-                                    </p:set>
-                                    <p:animEffect transition="in" filter="wipe(left)">
-                                      <p:cBhvr>
-                                        <p:cTn id="29" dur="500"/>
-                                        <p:tgtEl>
-                                          <p:spTgt spid="36"/>
-                                        </p:tgtEl>
-                                      </p:cBhvr>
-                                    </p:animEffect>
-                                  </p:childTnLst>
-                                </p:cTn>
-                              </p:par>
-                            </p:childTnLst>
-                          </p:cTn>
-                        </p:par>
-                      </p:childTnLst>
-                    </p:cTn>
-                  </p:par>
-                  <p:par>
-                    <p:cTn id="30" fill="hold">
-                      <p:stCondLst>
-                        <p:cond delay="indefinite"/>
-                      </p:stCondLst>
-                      <p:childTnLst>
-                        <p:par>
-                          <p:cTn id="31" fill="hold">
-                            <p:stCondLst>
-                              <p:cond delay="0"/>
-                            </p:stCondLst>
-                            <p:childTnLst>
-                              <p:par>
-                                <p:cTn id="32" presetID="1" presetClass="entr" presetSubtype="0" fill="hold" nodeType="clickEffect">
-                                  <p:stCondLst>
-                                    <p:cond delay="0"/>
-                                  </p:stCondLst>
-                                  <p:childTnLst>
-                                    <p:set>
-                                      <p:cBhvr>
-                                        <p:cTn id="33" dur="1" fill="hold">
-                                          <p:stCondLst>
-                                            <p:cond delay="0"/>
-                                          </p:stCondLst>
-                                        </p:cTn>
-                                        <p:tgtEl>
-                                          <p:spTgt spid="53"/>
-                                        </p:tgtEl>
-                                        <p:attrNameLst>
-                                          <p:attrName>style.visibility</p:attrName>
-                                        </p:attrNameLst>
-                                      </p:cBhvr>
-                                      <p:to>
-                                        <p:strVal val="visible"/>
-                                      </p:to>
-                                    </p:set>
-                                  </p:childTnLst>
-                                </p:cTn>
-                              </p:par>
-                            </p:childTnLst>
-                          </p:cTn>
-                        </p:par>
-                      </p:childTnLst>
-                    </p:cTn>
-                  </p:par>
-                  <p:par>
-                    <p:cTn id="34" fill="hold">
-                      <p:stCondLst>
-                        <p:cond delay="indefinite"/>
-                      </p:stCondLst>
-                      <p:childTnLst>
-                        <p:par>
-                          <p:cTn id="35" fill="hold">
-                            <p:stCondLst>
-                              <p:cond delay="0"/>
-                            </p:stCondLst>
-                            <p:childTnLst>
-                              <p:par>
-                                <p:cTn id="36" presetID="1" presetClass="entr" presetSubtype="0" fill="hold" grpId="0" nodeType="clickEffect">
-                                  <p:stCondLst>
-                                    <p:cond delay="0"/>
-                                  </p:stCondLst>
-                                  <p:childTnLst>
-                                    <p:set>
-                                      <p:cBhvr>
-                                        <p:cTn id="37" dur="1" fill="hold">
                                           <p:stCondLst>
                                             <p:cond delay="0"/>
                                           </p:stCondLst>
@@ -19308,26 +22481,26 @@
                     </p:cTn>
                   </p:par>
                   <p:par>
-                    <p:cTn id="38" fill="hold">
+                    <p:cTn id="22" fill="hold">
                       <p:stCondLst>
                         <p:cond delay="indefinite"/>
                       </p:stCondLst>
                       <p:childTnLst>
                         <p:par>
-                          <p:cTn id="39" fill="hold">
+                          <p:cTn id="23" fill="hold">
                             <p:stCondLst>
                               <p:cond delay="0"/>
                             </p:stCondLst>
                             <p:childTnLst>
                               <p:par>
-                                <p:cTn id="40" presetID="1" presetClass="entr" presetSubtype="0" fill="hold" grpId="0" nodeType="clickEffect">
+                                <p:cTn id="24" presetID="1" presetClass="entr" presetSubtype="0" fill="hold" grpId="0" nodeType="clickEffect">
                                   <p:stCondLst>
                                     <p:cond delay="0"/>
                                   </p:stCondLst>
                                   <p:childTnLst>
                                     <p:set>
                                       <p:cBhvr>
-                                        <p:cTn id="41" dur="1" fill="hold">
+                                        <p:cTn id="25" dur="1" fill="hold">
                                           <p:stCondLst>
                                             <p:cond delay="0"/>
                                           </p:stCondLst>
@@ -19350,20 +22523,20 @@
                           </p:cTn>
                         </p:par>
                         <p:par>
-                          <p:cTn id="42" fill="hold">
+                          <p:cTn id="26" fill="hold">
                             <p:stCondLst>
                               <p:cond delay="0"/>
                             </p:stCondLst>
                             <p:childTnLst>
                               <p:par>
-                                <p:cTn id="43" presetID="1" presetClass="entr" presetSubtype="0" fill="hold" nodeType="afterEffect">
+                                <p:cTn id="27" presetID="1" presetClass="entr" presetSubtype="0" fill="hold" nodeType="afterEffect">
                                   <p:stCondLst>
                                     <p:cond delay="0"/>
                                   </p:stCondLst>
                                   <p:childTnLst>
                                     <p:set>
                                       <p:cBhvr>
-                                        <p:cTn id="44" dur="1" fill="hold">
+                                        <p:cTn id="28" dur="1" fill="hold">
                                           <p:stCondLst>
                                             <p:cond delay="0"/>
                                           </p:stCondLst>
@@ -19382,51 +22555,24 @@
                                   </p:childTnLst>
                                 </p:cTn>
                               </p:par>
+                            </p:childTnLst>
+                          </p:cTn>
+                        </p:par>
+                        <p:par>
+                          <p:cTn id="29" fill="hold">
+                            <p:stCondLst>
+                              <p:cond delay="0"/>
+                            </p:stCondLst>
+                            <p:childTnLst>
                               <p:par>
-                                <p:cTn id="45" presetID="1" presetClass="entr" presetSubtype="0" fill="hold" grpId="0" nodeType="withEffect">
+                                <p:cTn id="30" presetID="1" presetClass="entr" presetSubtype="0" fill="hold" grpId="0" nodeType="afterEffect">
                                   <p:stCondLst>
                                     <p:cond delay="0"/>
                                   </p:stCondLst>
                                   <p:childTnLst>
                                     <p:set>
                                       <p:cBhvr>
-                                        <p:cTn id="46" dur="1" fill="hold">
-                                          <p:stCondLst>
-                                            <p:cond delay="0"/>
-                                          </p:stCondLst>
-                                        </p:cTn>
-                                        <p:tgtEl>
-                                          <p:spTgt spid="33"/>
-                                        </p:tgtEl>
-                                        <p:attrNameLst>
-                                          <p:attrName>style.visibility</p:attrName>
-                                        </p:attrNameLst>
-                                      </p:cBhvr>
-                                      <p:to>
-                                        <p:strVal val="visible"/>
-                                      </p:to>
-                                    </p:set>
-                                  </p:childTnLst>
-                                </p:cTn>
-                              </p:par>
-                            </p:childTnLst>
-                          </p:cTn>
-                        </p:par>
-                        <p:par>
-                          <p:cTn id="47" fill="hold">
-                            <p:stCondLst>
-                              <p:cond delay="0"/>
-                            </p:stCondLst>
-                            <p:childTnLst>
-                              <p:par>
-                                <p:cTn id="48" presetID="1" presetClass="entr" presetSubtype="0" fill="hold" grpId="0" nodeType="afterEffect">
-                                  <p:stCondLst>
-                                    <p:cond delay="0"/>
-                                  </p:stCondLst>
-                                  <p:childTnLst>
-                                    <p:set>
-                                      <p:cBhvr>
-                                        <p:cTn id="49" dur="1" fill="hold">
+                                        <p:cTn id="31" dur="1" fill="hold">
                                           <p:stCondLst>
                                             <p:cond delay="0"/>
                                           </p:stCondLst>
@@ -19448,30 +22594,21 @@
                             </p:childTnLst>
                           </p:cTn>
                         </p:par>
-                      </p:childTnLst>
-                    </p:cTn>
-                  </p:par>
-                  <p:par>
-                    <p:cTn id="50" fill="hold">
-                      <p:stCondLst>
-                        <p:cond delay="indefinite"/>
-                      </p:stCondLst>
-                      <p:childTnLst>
                         <p:par>
-                          <p:cTn id="51" fill="hold">
+                          <p:cTn id="32" fill="hold">
                             <p:stCondLst>
                               <p:cond delay="0"/>
                             </p:stCondLst>
                             <p:childTnLst>
                               <p:par>
-                                <p:cTn id="52" presetID="1" presetClass="entr" presetSubtype="0" fill="hold" nodeType="clickEffect">
+                                <p:cTn id="33" presetID="1" presetClass="entr" presetSubtype="0" fill="hold" nodeType="afterEffect">
                                   <p:stCondLst>
                                     <p:cond delay="0"/>
                                   </p:stCondLst>
                                   <p:childTnLst>
                                     <p:set>
                                       <p:cBhvr>
-                                        <p:cTn id="53" dur="1" fill="hold">
+                                        <p:cTn id="34" dur="1" fill="hold">
                                           <p:stCondLst>
                                             <p:cond delay="0"/>
                                           </p:stCondLst>
@@ -19487,6 +22624,202 @@
                                         <p:strVal val="visible"/>
                                       </p:to>
                                     </p:set>
+                                  </p:childTnLst>
+                                </p:cTn>
+                              </p:par>
+                            </p:childTnLst>
+                          </p:cTn>
+                        </p:par>
+                      </p:childTnLst>
+                    </p:cTn>
+                  </p:par>
+                  <p:par>
+                    <p:cTn id="35" fill="hold">
+                      <p:stCondLst>
+                        <p:cond delay="indefinite"/>
+                      </p:stCondLst>
+                      <p:childTnLst>
+                        <p:par>
+                          <p:cTn id="36" fill="hold">
+                            <p:stCondLst>
+                              <p:cond delay="0"/>
+                            </p:stCondLst>
+                            <p:childTnLst>
+                              <p:par>
+                                <p:cTn id="37" presetID="1" presetClass="entr" presetSubtype="0" fill="hold" nodeType="clickEffect">
+                                  <p:stCondLst>
+                                    <p:cond delay="0"/>
+                                  </p:stCondLst>
+                                  <p:childTnLst>
+                                    <p:set>
+                                      <p:cBhvr>
+                                        <p:cTn id="38" dur="1" fill="hold">
+                                          <p:stCondLst>
+                                            <p:cond delay="0"/>
+                                          </p:stCondLst>
+                                        </p:cTn>
+                                        <p:tgtEl>
+                                          <p:spTgt spid="46"/>
+                                        </p:tgtEl>
+                                        <p:attrNameLst>
+                                          <p:attrName>style.visibility</p:attrName>
+                                        </p:attrNameLst>
+                                      </p:cBhvr>
+                                      <p:to>
+                                        <p:strVal val="visible"/>
+                                      </p:to>
+                                    </p:set>
+                                  </p:childTnLst>
+                                </p:cTn>
+                              </p:par>
+                            </p:childTnLst>
+                          </p:cTn>
+                        </p:par>
+                        <p:par>
+                          <p:cTn id="39" fill="hold">
+                            <p:stCondLst>
+                              <p:cond delay="0"/>
+                            </p:stCondLst>
+                            <p:childTnLst>
+                              <p:par>
+                                <p:cTn id="40" presetID="1" presetClass="entr" presetSubtype="0" fill="hold" grpId="0" nodeType="afterEffect">
+                                  <p:stCondLst>
+                                    <p:cond delay="0"/>
+                                  </p:stCondLst>
+                                  <p:childTnLst>
+                                    <p:set>
+                                      <p:cBhvr>
+                                        <p:cTn id="41" dur="1" fill="hold">
+                                          <p:stCondLst>
+                                            <p:cond delay="0"/>
+                                          </p:stCondLst>
+                                        </p:cTn>
+                                        <p:tgtEl>
+                                          <p:spTgt spid="31"/>
+                                        </p:tgtEl>
+                                        <p:attrNameLst>
+                                          <p:attrName>style.visibility</p:attrName>
+                                        </p:attrNameLst>
+                                      </p:cBhvr>
+                                      <p:to>
+                                        <p:strVal val="visible"/>
+                                      </p:to>
+                                    </p:set>
+                                  </p:childTnLst>
+                                </p:cTn>
+                              </p:par>
+                              <p:par>
+                                <p:cTn id="42" presetID="1" presetClass="entr" presetSubtype="0" fill="hold" grpId="0" nodeType="withEffect">
+                                  <p:stCondLst>
+                                    <p:cond delay="0"/>
+                                  </p:stCondLst>
+                                  <p:childTnLst>
+                                    <p:set>
+                                      <p:cBhvr>
+                                        <p:cTn id="43" dur="1" fill="hold">
+                                          <p:stCondLst>
+                                            <p:cond delay="0"/>
+                                          </p:stCondLst>
+                                        </p:cTn>
+                                        <p:tgtEl>
+                                          <p:spTgt spid="32"/>
+                                        </p:tgtEl>
+                                        <p:attrNameLst>
+                                          <p:attrName>style.visibility</p:attrName>
+                                        </p:attrNameLst>
+                                      </p:cBhvr>
+                                      <p:to>
+                                        <p:strVal val="visible"/>
+                                      </p:to>
+                                    </p:set>
+                                  </p:childTnLst>
+                                </p:cTn>
+                              </p:par>
+                            </p:childTnLst>
+                          </p:cTn>
+                        </p:par>
+                        <p:par>
+                          <p:cTn id="44" fill="hold">
+                            <p:stCondLst>
+                              <p:cond delay="0"/>
+                            </p:stCondLst>
+                            <p:childTnLst>
+                              <p:par>
+                                <p:cTn id="45" presetID="22" presetClass="entr" presetSubtype="8" fill="hold" nodeType="afterEffect">
+                                  <p:stCondLst>
+                                    <p:cond delay="0"/>
+                                  </p:stCondLst>
+                                  <p:childTnLst>
+                                    <p:set>
+                                      <p:cBhvr>
+                                        <p:cTn id="46" dur="1" fill="hold">
+                                          <p:stCondLst>
+                                            <p:cond delay="0"/>
+                                          </p:stCondLst>
+                                        </p:cTn>
+                                        <p:tgtEl>
+                                          <p:spTgt spid="108"/>
+                                        </p:tgtEl>
+                                        <p:attrNameLst>
+                                          <p:attrName>style.visibility</p:attrName>
+                                        </p:attrNameLst>
+                                      </p:cBhvr>
+                                      <p:to>
+                                        <p:strVal val="visible"/>
+                                      </p:to>
+                                    </p:set>
+                                    <p:animEffect transition="in" filter="wipe(left)">
+                                      <p:cBhvr>
+                                        <p:cTn id="47" dur="500"/>
+                                        <p:tgtEl>
+                                          <p:spTgt spid="108"/>
+                                        </p:tgtEl>
+                                      </p:cBhvr>
+                                    </p:animEffect>
+                                  </p:childTnLst>
+                                </p:cTn>
+                              </p:par>
+                            </p:childTnLst>
+                          </p:cTn>
+                        </p:par>
+                        <p:par>
+                          <p:cTn id="48" fill="hold">
+                            <p:stCondLst>
+                              <p:cond delay="500"/>
+                            </p:stCondLst>
+                            <p:childTnLst>
+                              <p:par>
+                                <p:cTn id="49" presetID="22" presetClass="entr" presetSubtype="8" fill="hold" grpId="0" nodeType="afterEffect">
+                                  <p:stCondLst>
+                                    <p:cond delay="0"/>
+                                  </p:stCondLst>
+                                  <p:childTnLst>
+                                    <p:set>
+                                      <p:cBhvr>
+                                        <p:cTn id="50" dur="1" fill="hold">
+                                          <p:stCondLst>
+                                            <p:cond delay="0"/>
+                                          </p:stCondLst>
+                                        </p:cTn>
+                                        <p:tgtEl>
+                                          <p:spTgt spid="36"/>
+                                        </p:tgtEl>
+                                        <p:attrNameLst>
+                                          <p:attrName>style.visibility</p:attrName>
+                                        </p:attrNameLst>
+                                      </p:cBhvr>
+                                      <p:to>
+                                        <p:strVal val="visible"/>
+                                      </p:to>
+                                    </p:set>
+                                    <p:animEffect transition="in" filter="wipe(left)">
+                                      <p:cBhvr>
+                                        <p:cTn id="51" dur="500"/>
+                                        <p:tgtEl>
+                                          <p:spTgt spid="36"/>
+                                        </p:tgtEl>
+                                      </p:cBhvr>
+                                    </p:animEffect>
                                   </p:childTnLst>
                                 </p:cTn>
                               </p:par>
@@ -19529,957 +22862,6 @@
       <p:bldP spid="32" grpId="0"/>
       <p:bldP spid="33" grpId="0"/>
     </p:bldLst>
-  </p:timing>
-</p:sld>
-</file>
-
-<file path=ppt/slides/slide7.xml><?xml version="1.0" encoding="utf-8"?>
-<p:sld xmlns:a="http://schemas.openxmlformats.org/drawingml/2006/main" xmlns:r="http://schemas.openxmlformats.org/officeDocument/2006/relationships" xmlns:p="http://schemas.openxmlformats.org/presentationml/2006/main">
-  <p:cSld>
-    <p:spTree>
-      <p:nvGrpSpPr>
-        <p:cNvPr id="1" name=""/>
-        <p:cNvGrpSpPr/>
-        <p:nvPr/>
-      </p:nvGrpSpPr>
-      <p:grpSpPr>
-        <a:xfrm>
-          <a:off x="0" y="0"/>
-          <a:ext cx="0" cy="0"/>
-          <a:chOff x="0" y="0"/>
-          <a:chExt cx="0" cy="0"/>
-        </a:xfrm>
-      </p:grpSpPr>
-      <p:sp>
-        <p:nvSpPr>
-          <p:cNvPr id="32" name="Flowchart: Document 31"/>
-          <p:cNvSpPr/>
-          <p:nvPr/>
-        </p:nvSpPr>
-        <p:spPr>
-          <a:xfrm>
-            <a:off x="9143997" y="4341348"/>
-            <a:ext cx="1966451" cy="1552125"/>
-          </a:xfrm>
-          <a:prstGeom prst="flowChartDocument">
-            <a:avLst/>
-          </a:prstGeom>
-          <a:solidFill>
-            <a:schemeClr val="bg1"/>
-          </a:solidFill>
-        </p:spPr>
-        <p:style>
-          <a:lnRef idx="2">
-            <a:schemeClr val="accent1">
-              <a:shade val="50000"/>
-            </a:schemeClr>
-          </a:lnRef>
-          <a:fillRef idx="1">
-            <a:schemeClr val="accent1"/>
-          </a:fillRef>
-          <a:effectRef idx="0">
-            <a:schemeClr val="accent1"/>
-          </a:effectRef>
-          <a:fontRef idx="minor">
-            <a:schemeClr val="lt1"/>
-          </a:fontRef>
-        </p:style>
-        <p:txBody>
-          <a:bodyPr rtlCol="0" anchor="ctr"/>
-          <a:lstStyle/>
-          <a:p>
-            <a:pPr algn="ctr"/>
-            <a:endParaRPr lang="en-US" dirty="0" smtClean="0">
-              <a:solidFill>
-                <a:schemeClr val="tx1"/>
-              </a:solidFill>
-            </a:endParaRPr>
-          </a:p>
-          <a:p>
-            <a:pPr algn="ctr"/>
-            <a:r>
-              <a:rPr lang="en-US" dirty="0" smtClean="0">
-                <a:solidFill>
-                  <a:schemeClr val="tx1"/>
-                </a:solidFill>
-              </a:rPr>
-              <a:t>Summary indicator of reproducibility</a:t>
-            </a:r>
-            <a:endParaRPr lang="en-US" dirty="0">
-              <a:solidFill>
-                <a:schemeClr val="tx1"/>
-              </a:solidFill>
-            </a:endParaRPr>
-          </a:p>
-        </p:txBody>
-      </p:sp>
-      <p:sp>
-        <p:nvSpPr>
-          <p:cNvPr id="24" name="Flowchart: Internal Storage 23"/>
-          <p:cNvSpPr/>
-          <p:nvPr/>
-        </p:nvSpPr>
-        <p:spPr>
-          <a:xfrm>
-            <a:off x="786580" y="757085"/>
-            <a:ext cx="1641987" cy="924232"/>
-          </a:xfrm>
-          <a:prstGeom prst="flowChartInternalStorage">
-            <a:avLst/>
-          </a:prstGeom>
-        </p:spPr>
-        <p:style>
-          <a:lnRef idx="2">
-            <a:schemeClr val="accent1">
-              <a:shade val="50000"/>
-            </a:schemeClr>
-          </a:lnRef>
-          <a:fillRef idx="1">
-            <a:schemeClr val="accent1"/>
-          </a:fillRef>
-          <a:effectRef idx="0">
-            <a:schemeClr val="accent1"/>
-          </a:effectRef>
-          <a:fontRef idx="minor">
-            <a:schemeClr val="lt1"/>
-          </a:fontRef>
-        </p:style>
-        <p:txBody>
-          <a:bodyPr rtlCol="0" anchor="ctr"/>
-          <a:lstStyle/>
-          <a:p>
-            <a:pPr algn="ctr"/>
-            <a:r>
-              <a:rPr lang="en-US" dirty="0" smtClean="0"/>
-              <a:t>Request  for evaluation</a:t>
-            </a:r>
-            <a:endParaRPr lang="en-US" dirty="0"/>
-          </a:p>
-        </p:txBody>
-      </p:sp>
-      <p:sp>
-        <p:nvSpPr>
-          <p:cNvPr id="36" name="Flowchart: Document 35"/>
-          <p:cNvSpPr/>
-          <p:nvPr/>
-        </p:nvSpPr>
-        <p:spPr>
-          <a:xfrm>
-            <a:off x="9144000" y="3116184"/>
-            <a:ext cx="1966451" cy="1547576"/>
-          </a:xfrm>
-          <a:prstGeom prst="flowChartDocument">
-            <a:avLst/>
-          </a:prstGeom>
-          <a:solidFill>
-            <a:schemeClr val="accent4"/>
-          </a:solidFill>
-        </p:spPr>
-        <p:style>
-          <a:lnRef idx="2">
-            <a:schemeClr val="accent1">
-              <a:shade val="50000"/>
-            </a:schemeClr>
-          </a:lnRef>
-          <a:fillRef idx="1">
-            <a:schemeClr val="accent1"/>
-          </a:fillRef>
-          <a:effectRef idx="0">
-            <a:schemeClr val="accent1"/>
-          </a:effectRef>
-          <a:fontRef idx="minor">
-            <a:schemeClr val="lt1"/>
-          </a:fontRef>
-        </p:style>
-        <p:txBody>
-          <a:bodyPr rtlCol="0" anchor="ctr"/>
-          <a:lstStyle/>
-          <a:p>
-            <a:pPr algn="ctr"/>
-            <a:endParaRPr lang="en-US" dirty="0" smtClean="0"/>
-          </a:p>
-          <a:p>
-            <a:pPr algn="ctr"/>
-            <a:endParaRPr lang="en-US" dirty="0"/>
-          </a:p>
-          <a:p>
-            <a:pPr algn="ctr"/>
-            <a:r>
-              <a:rPr lang="en-US" dirty="0" smtClean="0"/>
-              <a:t>Report on</a:t>
-            </a:r>
-          </a:p>
-          <a:p>
-            <a:pPr algn="ctr"/>
-            <a:r>
-              <a:rPr lang="en-US" dirty="0" smtClean="0"/>
-              <a:t>potential reproducibility</a:t>
-            </a:r>
-            <a:endParaRPr lang="en-US" dirty="0"/>
-          </a:p>
-        </p:txBody>
-      </p:sp>
-      <p:cxnSp>
-        <p:nvCxnSpPr>
-          <p:cNvPr id="39" name="Straight Arrow Connector 38"/>
-          <p:cNvCxnSpPr>
-            <a:stCxn id="24" idx="3"/>
-          </p:cNvCxnSpPr>
-          <p:nvPr/>
-        </p:nvCxnSpPr>
-        <p:spPr>
-          <a:xfrm flipV="1">
-            <a:off x="2428567" y="1209040"/>
-            <a:ext cx="793486" cy="10161"/>
-          </a:xfrm>
-          <a:prstGeom prst="straightConnector1">
-            <a:avLst/>
-          </a:prstGeom>
-          <a:ln w="63500">
-            <a:solidFill>
-              <a:schemeClr val="tx1"/>
-            </a:solidFill>
-            <a:tailEnd type="triangle"/>
-          </a:ln>
-        </p:spPr>
-        <p:style>
-          <a:lnRef idx="1">
-            <a:schemeClr val="accent1"/>
-          </a:lnRef>
-          <a:fillRef idx="0">
-            <a:schemeClr val="accent1"/>
-          </a:fillRef>
-          <a:effectRef idx="0">
-            <a:schemeClr val="accent1"/>
-          </a:effectRef>
-          <a:fontRef idx="minor">
-            <a:schemeClr val="tx1"/>
-          </a:fontRef>
-        </p:style>
-      </p:cxnSp>
-      <p:sp>
-        <p:nvSpPr>
-          <p:cNvPr id="2" name="Flowchart: Process 1"/>
-          <p:cNvSpPr/>
-          <p:nvPr/>
-        </p:nvSpPr>
-        <p:spPr>
-          <a:xfrm>
-            <a:off x="3222053" y="571028"/>
-            <a:ext cx="5130800" cy="3799840"/>
-          </a:xfrm>
-          <a:prstGeom prst="flowChartProcess">
-            <a:avLst/>
-          </a:prstGeom>
-          <a:solidFill>
-            <a:schemeClr val="accent3"/>
-          </a:solidFill>
-        </p:spPr>
-        <p:style>
-          <a:lnRef idx="2">
-            <a:schemeClr val="accent1">
-              <a:shade val="50000"/>
-            </a:schemeClr>
-          </a:lnRef>
-          <a:fillRef idx="1">
-            <a:schemeClr val="accent1"/>
-          </a:fillRef>
-          <a:effectRef idx="0">
-            <a:schemeClr val="accent1"/>
-          </a:effectRef>
-          <a:fontRef idx="minor">
-            <a:schemeClr val="lt1"/>
-          </a:fontRef>
-        </p:style>
-        <p:txBody>
-          <a:bodyPr rtlCol="0" anchor="ctr"/>
-          <a:lstStyle/>
-          <a:p>
-            <a:pPr algn="ctr"/>
-            <a:endParaRPr lang="en-US"/>
-          </a:p>
-        </p:txBody>
-      </p:sp>
-      <p:pic>
-        <p:nvPicPr>
-          <p:cNvPr id="3" name="Picture 2"/>
-          <p:cNvPicPr>
-            <a:picLocks noChangeAspect="1"/>
-          </p:cNvPicPr>
-          <p:nvPr/>
-        </p:nvPicPr>
-        <p:blipFill>
-          <a:blip r:embed="rId2"/>
-          <a:stretch>
-            <a:fillRect/>
-          </a:stretch>
-        </p:blipFill>
-        <p:spPr>
-          <a:xfrm>
-            <a:off x="3840480" y="856460"/>
-            <a:ext cx="3893946" cy="3223098"/>
-          </a:xfrm>
-          <a:prstGeom prst="rect">
-            <a:avLst/>
-          </a:prstGeom>
-        </p:spPr>
-      </p:pic>
-      <p:cxnSp>
-        <p:nvCxnSpPr>
-          <p:cNvPr id="59" name="Straight Arrow Connector 58"/>
-          <p:cNvCxnSpPr/>
-          <p:nvPr/>
-        </p:nvCxnSpPr>
-        <p:spPr>
-          <a:xfrm>
-            <a:off x="8432800" y="1209040"/>
-            <a:ext cx="711201" cy="10162"/>
-          </a:xfrm>
-          <a:prstGeom prst="straightConnector1">
-            <a:avLst/>
-          </a:prstGeom>
-          <a:ln w="63500">
-            <a:solidFill>
-              <a:schemeClr val="tx1"/>
-            </a:solidFill>
-            <a:prstDash val="sysDot"/>
-            <a:tailEnd type="triangle"/>
-          </a:ln>
-        </p:spPr>
-        <p:style>
-          <a:lnRef idx="1">
-            <a:schemeClr val="accent1"/>
-          </a:lnRef>
-          <a:fillRef idx="0">
-            <a:schemeClr val="accent1"/>
-          </a:fillRef>
-          <a:effectRef idx="0">
-            <a:schemeClr val="accent1"/>
-          </a:effectRef>
-          <a:fontRef idx="minor">
-            <a:schemeClr val="tx1"/>
-          </a:fontRef>
-        </p:style>
-      </p:cxnSp>
-      <p:cxnSp>
-        <p:nvCxnSpPr>
-          <p:cNvPr id="60" name="Straight Arrow Connector 59"/>
-          <p:cNvCxnSpPr/>
-          <p:nvPr/>
-        </p:nvCxnSpPr>
-        <p:spPr>
-          <a:xfrm>
-            <a:off x="8432800" y="2668299"/>
-            <a:ext cx="711201" cy="10162"/>
-          </a:xfrm>
-          <a:prstGeom prst="straightConnector1">
-            <a:avLst/>
-          </a:prstGeom>
-          <a:ln w="63500">
-            <a:solidFill>
-              <a:schemeClr val="tx1"/>
-            </a:solidFill>
-            <a:prstDash val="sysDot"/>
-            <a:tailEnd type="triangle"/>
-          </a:ln>
-        </p:spPr>
-        <p:style>
-          <a:lnRef idx="1">
-            <a:schemeClr val="accent1"/>
-          </a:lnRef>
-          <a:fillRef idx="0">
-            <a:schemeClr val="accent1"/>
-          </a:fillRef>
-          <a:effectRef idx="0">
-            <a:schemeClr val="accent1"/>
-          </a:effectRef>
-          <a:fontRef idx="minor">
-            <a:schemeClr val="tx1"/>
-          </a:fontRef>
-        </p:style>
-      </p:cxnSp>
-      <p:cxnSp>
-        <p:nvCxnSpPr>
-          <p:cNvPr id="61" name="Straight Arrow Connector 60"/>
-          <p:cNvCxnSpPr/>
-          <p:nvPr/>
-        </p:nvCxnSpPr>
-        <p:spPr>
-          <a:xfrm>
-            <a:off x="8432800" y="3715588"/>
-            <a:ext cx="711201" cy="10162"/>
-          </a:xfrm>
-          <a:prstGeom prst="straightConnector1">
-            <a:avLst/>
-          </a:prstGeom>
-          <a:ln w="63500">
-            <a:solidFill>
-              <a:schemeClr val="tx1"/>
-            </a:solidFill>
-            <a:prstDash val="sysDot"/>
-            <a:tailEnd type="triangle"/>
-          </a:ln>
-        </p:spPr>
-        <p:style>
-          <a:lnRef idx="1">
-            <a:schemeClr val="accent1"/>
-          </a:lnRef>
-          <a:fillRef idx="0">
-            <a:schemeClr val="accent1"/>
-          </a:fillRef>
-          <a:effectRef idx="0">
-            <a:schemeClr val="accent1"/>
-          </a:effectRef>
-          <a:fontRef idx="minor">
-            <a:schemeClr val="tx1"/>
-          </a:fontRef>
-        </p:style>
-      </p:cxnSp>
-      <p:sp>
-        <p:nvSpPr>
-          <p:cNvPr id="35" name="Flowchart: Document 34"/>
-          <p:cNvSpPr/>
-          <p:nvPr/>
-        </p:nvSpPr>
-        <p:spPr>
-          <a:xfrm>
-            <a:off x="9143998" y="2256329"/>
-            <a:ext cx="1966451" cy="1309832"/>
-          </a:xfrm>
-          <a:prstGeom prst="flowChartDocument">
-            <a:avLst/>
-          </a:prstGeom>
-          <a:solidFill>
-            <a:schemeClr val="accent2"/>
-          </a:solidFill>
-        </p:spPr>
-        <p:style>
-          <a:lnRef idx="2">
-            <a:schemeClr val="accent1">
-              <a:shade val="50000"/>
-            </a:schemeClr>
-          </a:lnRef>
-          <a:fillRef idx="1">
-            <a:schemeClr val="accent1"/>
-          </a:fillRef>
-          <a:effectRef idx="0">
-            <a:schemeClr val="accent1"/>
-          </a:effectRef>
-          <a:fontRef idx="minor">
-            <a:schemeClr val="lt1"/>
-          </a:fontRef>
-        </p:style>
-        <p:txBody>
-          <a:bodyPr rtlCol="0" anchor="ctr"/>
-          <a:lstStyle/>
-          <a:p>
-            <a:pPr algn="ctr"/>
-            <a:endParaRPr lang="en-US" dirty="0" smtClean="0"/>
-          </a:p>
-          <a:p>
-            <a:pPr algn="ctr"/>
-            <a:r>
-              <a:rPr lang="en-US" dirty="0" smtClean="0"/>
-              <a:t>Report on</a:t>
-            </a:r>
-          </a:p>
-          <a:p>
-            <a:pPr algn="ctr"/>
-            <a:r>
-              <a:rPr lang="en-US" dirty="0" smtClean="0"/>
-              <a:t>computational reproducibility</a:t>
-            </a:r>
-            <a:endParaRPr lang="en-US" dirty="0"/>
-          </a:p>
-        </p:txBody>
-      </p:sp>
-      <p:sp>
-        <p:nvSpPr>
-          <p:cNvPr id="25" name="Flowchart: Document 24"/>
-          <p:cNvSpPr/>
-          <p:nvPr/>
-        </p:nvSpPr>
-        <p:spPr>
-          <a:xfrm>
-            <a:off x="9143998" y="1297238"/>
-            <a:ext cx="1966451" cy="1221634"/>
-          </a:xfrm>
-          <a:prstGeom prst="flowChartDocument">
-            <a:avLst/>
-          </a:prstGeom>
-        </p:spPr>
-        <p:style>
-          <a:lnRef idx="2">
-            <a:schemeClr val="accent1">
-              <a:shade val="50000"/>
-            </a:schemeClr>
-          </a:lnRef>
-          <a:fillRef idx="1">
-            <a:schemeClr val="accent1"/>
-          </a:fillRef>
-          <a:effectRef idx="0">
-            <a:schemeClr val="accent1"/>
-          </a:effectRef>
-          <a:fontRef idx="minor">
-            <a:schemeClr val="lt1"/>
-          </a:fontRef>
-        </p:style>
-        <p:txBody>
-          <a:bodyPr rtlCol="0" anchor="ctr"/>
-          <a:lstStyle/>
-          <a:p>
-            <a:pPr algn="ctr"/>
-            <a:r>
-              <a:rPr lang="en-US" dirty="0" smtClean="0"/>
-              <a:t>Report on</a:t>
-            </a:r>
-          </a:p>
-          <a:p>
-            <a:pPr algn="ctr"/>
-            <a:r>
-              <a:rPr lang="en-US" dirty="0"/>
-              <a:t>p</a:t>
-            </a:r>
-            <a:r>
-              <a:rPr lang="en-US" dirty="0" smtClean="0"/>
-              <a:t>rovenance and data citations</a:t>
-            </a:r>
-            <a:endParaRPr lang="en-US" dirty="0"/>
-          </a:p>
-        </p:txBody>
-      </p:sp>
-    </p:spTree>
-    <p:extLst>
-      <p:ext uri="{BB962C8B-B14F-4D97-AF65-F5344CB8AC3E}">
-        <p14:creationId xmlns:p14="http://schemas.microsoft.com/office/powerpoint/2010/main" val="1322599377"/>
-      </p:ext>
-    </p:extLst>
-  </p:cSld>
-  <p:clrMapOvr>
-    <a:masterClrMapping/>
-  </p:clrMapOvr>
-  <mc:AlternateContent xmlns:mc="http://schemas.openxmlformats.org/markup-compatibility/2006" xmlns:p14="http://schemas.microsoft.com/office/powerpoint/2010/main">
-    <mc:Choice Requires="p14">
-      <p:transition spd="med" p14:dur="700">
-        <p:fade/>
-      </p:transition>
-    </mc:Choice>
-    <mc:Fallback xmlns="">
-      <p:transition spd="med">
-        <p:fade/>
-      </p:transition>
-    </mc:Fallback>
-  </mc:AlternateContent>
-  <p:timing>
-    <p:tnLst>
-      <p:par>
-        <p:cTn id="1" dur="indefinite" restart="never" nodeType="tmRoot"/>
-      </p:par>
-    </p:tnLst>
-  </p:timing>
-</p:sld>
-</file>
-
-<file path=ppt/slides/slide8.xml><?xml version="1.0" encoding="utf-8"?>
-<p:sld xmlns:a="http://schemas.openxmlformats.org/drawingml/2006/main" xmlns:r="http://schemas.openxmlformats.org/officeDocument/2006/relationships" xmlns:p="http://schemas.openxmlformats.org/presentationml/2006/main">
-  <p:cSld>
-    <p:spTree>
-      <p:nvGrpSpPr>
-        <p:cNvPr id="1" name=""/>
-        <p:cNvGrpSpPr/>
-        <p:nvPr/>
-      </p:nvGrpSpPr>
-      <p:grpSpPr>
-        <a:xfrm>
-          <a:off x="0" y="0"/>
-          <a:ext cx="0" cy="0"/>
-          <a:chOff x="0" y="0"/>
-          <a:chExt cx="0" cy="0"/>
-        </a:xfrm>
-      </p:grpSpPr>
-      <p:sp>
-        <p:nvSpPr>
-          <p:cNvPr id="4" name="Title 3"/>
-          <p:cNvSpPr>
-            <a:spLocks noGrp="1"/>
-          </p:cNvSpPr>
-          <p:nvPr>
-            <p:ph type="title"/>
-          </p:nvPr>
-        </p:nvSpPr>
-        <p:spPr/>
-        <p:txBody>
-          <a:bodyPr/>
-          <a:lstStyle/>
-          <a:p>
-            <a:r>
-              <a:rPr lang="en-US" dirty="0" smtClean="0"/>
-              <a:t>What is the reproducibility check?</a:t>
-            </a:r>
-            <a:endParaRPr lang="en-US" dirty="0"/>
-          </a:p>
-        </p:txBody>
-      </p:sp>
-      <p:pic>
-        <p:nvPicPr>
-          <p:cNvPr id="7" name="Content Placeholder 6"/>
-          <p:cNvPicPr>
-            <a:picLocks noGrp="1" noChangeAspect="1"/>
-          </p:cNvPicPr>
-          <p:nvPr>
-            <p:ph sz="half" idx="1"/>
-          </p:nvPr>
-        </p:nvPicPr>
-        <p:blipFill>
-          <a:blip r:embed="rId2"/>
-          <a:stretch>
-            <a:fillRect/>
-          </a:stretch>
-        </p:blipFill>
-        <p:spPr>
-          <a:xfrm>
-            <a:off x="838200" y="3230668"/>
-            <a:ext cx="5181600" cy="1541252"/>
-          </a:xfrm>
-          <a:prstGeom prst="rect">
-            <a:avLst/>
-          </a:prstGeom>
-        </p:spPr>
-      </p:pic>
-      <p:pic>
-        <p:nvPicPr>
-          <p:cNvPr id="8" name="Content Placeholder 7"/>
-          <p:cNvPicPr>
-            <a:picLocks noGrp="1" noChangeAspect="1"/>
-          </p:cNvPicPr>
-          <p:nvPr>
-            <p:ph sz="half" idx="2"/>
-          </p:nvPr>
-        </p:nvPicPr>
-        <p:blipFill>
-          <a:blip r:embed="rId3"/>
-          <a:stretch>
-            <a:fillRect/>
-          </a:stretch>
-        </p:blipFill>
-        <p:spPr>
-          <a:xfrm>
-            <a:off x="6172200" y="2731093"/>
-            <a:ext cx="5181600" cy="2500646"/>
-          </a:xfrm>
-          <a:prstGeom prst="rect">
-            <a:avLst/>
-          </a:prstGeom>
-        </p:spPr>
-      </p:pic>
-      <p:sp>
-        <p:nvSpPr>
-          <p:cNvPr id="2" name="TextBox 1"/>
-          <p:cNvSpPr txBox="1"/>
-          <p:nvPr/>
-        </p:nvSpPr>
-        <p:spPr>
-          <a:xfrm>
-            <a:off x="2392095" y="5749097"/>
-            <a:ext cx="8121315" cy="369332"/>
-          </a:xfrm>
-          <a:prstGeom prst="rect">
-            <a:avLst/>
-          </a:prstGeom>
-          <a:noFill/>
-        </p:spPr>
-        <p:txBody>
-          <a:bodyPr wrap="square" rtlCol="0">
-            <a:spAutoFit/>
-          </a:bodyPr>
-          <a:lstStyle/>
-          <a:p>
-            <a:r>
-              <a:rPr lang="en-US" dirty="0"/>
-              <a:t>Template report available at </a:t>
-            </a:r>
-            <a:r>
-              <a:rPr lang="en-US" dirty="0">
-                <a:hlinkClick r:id="rId4"/>
-              </a:rPr>
-              <a:t>github.com/</a:t>
-            </a:r>
-            <a:r>
-              <a:rPr lang="en-US" dirty="0" err="1">
-                <a:hlinkClick r:id="rId4"/>
-              </a:rPr>
-              <a:t>AEADataEditor</a:t>
-            </a:r>
-            <a:r>
-              <a:rPr lang="en-US" dirty="0">
-                <a:hlinkClick r:id="rId4"/>
-              </a:rPr>
-              <a:t>/replication-template</a:t>
-            </a:r>
-            <a:r>
-              <a:rPr lang="en-US" dirty="0" smtClean="0">
-                <a:hlinkClick r:id="rId4"/>
-              </a:rPr>
-              <a:t>/</a:t>
-            </a:r>
-            <a:endParaRPr lang="en-US" dirty="0"/>
-          </a:p>
-        </p:txBody>
-      </p:sp>
-    </p:spTree>
-    <p:extLst>
-      <p:ext uri="{BB962C8B-B14F-4D97-AF65-F5344CB8AC3E}">
-        <p14:creationId xmlns:p14="http://schemas.microsoft.com/office/powerpoint/2010/main" val="1891126061"/>
-      </p:ext>
-    </p:extLst>
-  </p:cSld>
-  <p:clrMapOvr>
-    <a:masterClrMapping/>
-  </p:clrMapOvr>
-  <p:timing>
-    <p:tnLst>
-      <p:par>
-        <p:cTn id="1" dur="indefinite" restart="never" nodeType="tmRoot">
-          <p:childTnLst>
-            <p:seq concurrent="1" nextAc="seek">
-              <p:cTn id="2" dur="indefinite" nodeType="mainSeq">
-                <p:childTnLst>
-                  <p:par>
-                    <p:cTn id="3" fill="hold">
-                      <p:stCondLst>
-                        <p:cond delay="indefinite"/>
-                      </p:stCondLst>
-                      <p:childTnLst>
-                        <p:par>
-                          <p:cTn id="4" fill="hold">
-                            <p:stCondLst>
-                              <p:cond delay="0"/>
-                            </p:stCondLst>
-                            <p:childTnLst>
-                              <p:par>
-                                <p:cTn id="5" presetID="1" presetClass="entr" presetSubtype="0" fill="hold" nodeType="clickEffect">
-                                  <p:stCondLst>
-                                    <p:cond delay="0"/>
-                                  </p:stCondLst>
-                                  <p:childTnLst>
-                                    <p:set>
-                                      <p:cBhvr>
-                                        <p:cTn id="6" dur="1" fill="hold">
-                                          <p:stCondLst>
-                                            <p:cond delay="0"/>
-                                          </p:stCondLst>
-                                        </p:cTn>
-                                        <p:tgtEl>
-                                          <p:spTgt spid="8"/>
-                                        </p:tgtEl>
-                                        <p:attrNameLst>
-                                          <p:attrName>style.visibility</p:attrName>
-                                        </p:attrNameLst>
-                                      </p:cBhvr>
-                                      <p:to>
-                                        <p:strVal val="visible"/>
-                                      </p:to>
-                                    </p:set>
-                                  </p:childTnLst>
-                                </p:cTn>
-                              </p:par>
-                            </p:childTnLst>
-                          </p:cTn>
-                        </p:par>
-                      </p:childTnLst>
-                    </p:cTn>
-                  </p:par>
-                </p:childTnLst>
-              </p:cTn>
-              <p:prevCondLst>
-                <p:cond evt="onPrev" delay="0">
-                  <p:tgtEl>
-                    <p:sldTgt/>
-                  </p:tgtEl>
-                </p:cond>
-              </p:prevCondLst>
-              <p:nextCondLst>
-                <p:cond evt="onNext" delay="0">
-                  <p:tgtEl>
-                    <p:sldTgt/>
-                  </p:tgtEl>
-                </p:cond>
-              </p:nextCondLst>
-            </p:seq>
-          </p:childTnLst>
-        </p:cTn>
-      </p:par>
-    </p:tnLst>
-  </p:timing>
-</p:sld>
-</file>
-
-<file path=ppt/slides/slide9.xml><?xml version="1.0" encoding="utf-8"?>
-<p:sld xmlns:a="http://schemas.openxmlformats.org/drawingml/2006/main" xmlns:r="http://schemas.openxmlformats.org/officeDocument/2006/relationships" xmlns:p="http://schemas.openxmlformats.org/presentationml/2006/main">
-  <p:cSld>
-    <p:spTree>
-      <p:nvGrpSpPr>
-        <p:cNvPr id="1" name=""/>
-        <p:cNvGrpSpPr/>
-        <p:nvPr/>
-      </p:nvGrpSpPr>
-      <p:grpSpPr>
-        <a:xfrm>
-          <a:off x="0" y="0"/>
-          <a:ext cx="0" cy="0"/>
-          <a:chOff x="0" y="0"/>
-          <a:chExt cx="0" cy="0"/>
-        </a:xfrm>
-      </p:grpSpPr>
-      <p:sp>
-        <p:nvSpPr>
-          <p:cNvPr id="4" name="Title 3"/>
-          <p:cNvSpPr>
-            <a:spLocks noGrp="1"/>
-          </p:cNvSpPr>
-          <p:nvPr>
-            <p:ph type="title"/>
-          </p:nvPr>
-        </p:nvSpPr>
-        <p:spPr/>
-        <p:txBody>
-          <a:bodyPr/>
-          <a:lstStyle/>
-          <a:p>
-            <a:r>
-              <a:rPr lang="en-US" dirty="0" smtClean="0"/>
-              <a:t>What is the reproducibility check?</a:t>
-            </a:r>
-            <a:endParaRPr lang="en-US" dirty="0"/>
-          </a:p>
-        </p:txBody>
-      </p:sp>
-      <p:pic>
-        <p:nvPicPr>
-          <p:cNvPr id="7" name="Content Placeholder 6"/>
-          <p:cNvPicPr>
-            <a:picLocks noGrp="1" noChangeAspect="1"/>
-          </p:cNvPicPr>
-          <p:nvPr>
-            <p:ph sz="half" idx="1"/>
-          </p:nvPr>
-        </p:nvPicPr>
-        <p:blipFill>
-          <a:blip r:embed="rId2"/>
-          <a:stretch>
-            <a:fillRect/>
-          </a:stretch>
-        </p:blipFill>
-        <p:spPr>
-          <a:xfrm>
-            <a:off x="838200" y="3230668"/>
-            <a:ext cx="5181600" cy="1541252"/>
-          </a:xfrm>
-          <a:prstGeom prst="rect">
-            <a:avLst/>
-          </a:prstGeom>
-        </p:spPr>
-      </p:pic>
-      <p:sp>
-        <p:nvSpPr>
-          <p:cNvPr id="2" name="Content Placeholder 1"/>
-          <p:cNvSpPr>
-            <a:spLocks noGrp="1"/>
-          </p:cNvSpPr>
-          <p:nvPr>
-            <p:ph sz="half" idx="2"/>
-          </p:nvPr>
-        </p:nvSpPr>
-        <p:spPr/>
-        <p:txBody>
-          <a:bodyPr>
-            <a:normAutofit fontScale="92500" lnSpcReduction="10000"/>
-          </a:bodyPr>
-          <a:lstStyle/>
-          <a:p>
-            <a:r>
-              <a:rPr lang="en-US" dirty="0" smtClean="0"/>
-              <a:t>Data checks</a:t>
-            </a:r>
-          </a:p>
-          <a:p>
-            <a:r>
-              <a:rPr lang="en-US" dirty="0" smtClean="0"/>
-              <a:t>Code description</a:t>
-            </a:r>
-          </a:p>
-          <a:p>
-            <a:r>
-              <a:rPr lang="en-US" dirty="0" smtClean="0"/>
-              <a:t>Requirements</a:t>
-            </a:r>
-          </a:p>
-          <a:p>
-            <a:pPr lvl="1"/>
-            <a:r>
-              <a:rPr lang="en-US" dirty="0" smtClean="0"/>
-              <a:t>As stated by author</a:t>
-            </a:r>
-          </a:p>
-          <a:p>
-            <a:pPr lvl="1"/>
-            <a:r>
-              <a:rPr lang="en-US" dirty="0" smtClean="0"/>
-              <a:t>As encountered by replicator</a:t>
-            </a:r>
-          </a:p>
-          <a:p>
-            <a:r>
-              <a:rPr lang="en-US" dirty="0" smtClean="0"/>
-              <a:t>Verbose description of steps to replicate</a:t>
-            </a:r>
-          </a:p>
-          <a:p>
-            <a:r>
-              <a:rPr lang="en-US" dirty="0" smtClean="0"/>
-              <a:t>Findings</a:t>
-            </a:r>
-          </a:p>
-          <a:p>
-            <a:pPr lvl="1"/>
-            <a:r>
-              <a:rPr lang="en-US" dirty="0" smtClean="0"/>
-              <a:t>Compare tables</a:t>
-            </a:r>
-          </a:p>
-          <a:p>
-            <a:pPr lvl="1"/>
-            <a:r>
-              <a:rPr lang="en-US" dirty="0" smtClean="0"/>
-              <a:t>Compare figures</a:t>
-            </a:r>
-          </a:p>
-          <a:p>
-            <a:pPr lvl="1"/>
-            <a:r>
-              <a:rPr lang="en-US" dirty="0" smtClean="0"/>
-              <a:t>Compare in-text numbers</a:t>
-            </a:r>
-            <a:endParaRPr lang="en-US" dirty="0"/>
-          </a:p>
-        </p:txBody>
-      </p:sp>
-    </p:spTree>
-    <p:extLst>
-      <p:ext uri="{BB962C8B-B14F-4D97-AF65-F5344CB8AC3E}">
-        <p14:creationId xmlns:p14="http://schemas.microsoft.com/office/powerpoint/2010/main" val="3730787527"/>
-      </p:ext>
-    </p:extLst>
-  </p:cSld>
-  <p:clrMapOvr>
-    <a:masterClrMapping/>
-  </p:clrMapOvr>
-  <p:timing>
-    <p:tnLst>
-      <p:par>
-        <p:cTn id="1" dur="indefinite" restart="never" nodeType="tmRoot"/>
-      </p:par>
-    </p:tnLst>
   </p:timing>
 </p:sld>
 </file>
